--- a/templates/courses/stanford/W16-ECON-50/lecture2/lecture2.pptx
+++ b/templates/courses/stanford/W16-ECON-50/lecture2/lecture2.pptx
@@ -5,21 +5,30 @@
     <p:sldMasterId id="2147483672" r:id="rId1"/>
   </p:sldMasterIdLst>
   <p:notesMasterIdLst>
-    <p:notesMasterId r:id="rId14"/>
+    <p:notesMasterId r:id="rId23"/>
   </p:notesMasterIdLst>
   <p:sldIdLst>
     <p:sldId id="256" r:id="rId2"/>
-    <p:sldId id="259" r:id="rId3"/>
-    <p:sldId id="267" r:id="rId4"/>
-    <p:sldId id="268" r:id="rId5"/>
-    <p:sldId id="270" r:id="rId6"/>
-    <p:sldId id="275" r:id="rId7"/>
-    <p:sldId id="271" r:id="rId8"/>
-    <p:sldId id="272" r:id="rId9"/>
-    <p:sldId id="273" r:id="rId10"/>
-    <p:sldId id="274" r:id="rId11"/>
-    <p:sldId id="276" r:id="rId12"/>
-    <p:sldId id="277" r:id="rId13"/>
+    <p:sldId id="278" r:id="rId3"/>
+    <p:sldId id="259" r:id="rId4"/>
+    <p:sldId id="279" r:id="rId5"/>
+    <p:sldId id="267" r:id="rId6"/>
+    <p:sldId id="268" r:id="rId7"/>
+    <p:sldId id="270" r:id="rId8"/>
+    <p:sldId id="275" r:id="rId9"/>
+    <p:sldId id="280" r:id="rId10"/>
+    <p:sldId id="282" r:id="rId11"/>
+    <p:sldId id="281" r:id="rId12"/>
+    <p:sldId id="283" r:id="rId13"/>
+    <p:sldId id="284" r:id="rId14"/>
+    <p:sldId id="285" r:id="rId15"/>
+    <p:sldId id="286" r:id="rId16"/>
+    <p:sldId id="271" r:id="rId17"/>
+    <p:sldId id="272" r:id="rId18"/>
+    <p:sldId id="273" r:id="rId19"/>
+    <p:sldId id="274" r:id="rId20"/>
+    <p:sldId id="276" r:id="rId21"/>
+    <p:sldId id="277" r:id="rId22"/>
   </p:sldIdLst>
   <p:sldSz cx="12192000" cy="6858000"/>
   <p:notesSz cx="6858000" cy="9144000"/>
@@ -124,7 +133,13 @@
         <p14:section name="Agenda" id="{84C03D0B-82CA-8D42-9528-60E5A2EF24D9}">
           <p14:sldIdLst>
             <p14:sldId id="256"/>
+            <p14:sldId id="278"/>
             <p14:sldId id="259"/>
+          </p14:sldIdLst>
+        </p14:section>
+        <p14:section name="Endogenous v Exogenous" id="{C2FAD185-55CB-5A42-9A2D-EA87D9268986}">
+          <p14:sldIdLst>
+            <p14:sldId id="279"/>
           </p14:sldIdLst>
         </p14:section>
         <p14:section name="Equilibrium" id="{640A53CC-6980-AE4E-94C8-EA82EE7DF65D}">
@@ -133,6 +148,21 @@
             <p14:sldId id="268"/>
             <p14:sldId id="270"/>
             <p14:sldId id="275"/>
+          </p14:sldIdLst>
+        </p14:section>
+        <p14:section name="Individual and Market Demand and Supply" id="{604FD206-3F65-8347-A1BC-4AFF12F89E13}">
+          <p14:sldIdLst>
+            <p14:sldId id="280"/>
+            <p14:sldId id="282"/>
+            <p14:sldId id="281"/>
+            <p14:sldId id="283"/>
+          </p14:sldIdLst>
+        </p14:section>
+        <p14:section name="Welfare Analysis" id="{3E1AAE01-1A30-AA47-9AFE-EBC5FFC202BE}">
+          <p14:sldIdLst>
+            <p14:sldId id="284"/>
+            <p14:sldId id="285"/>
+            <p14:sldId id="286"/>
           </p14:sldIdLst>
         </p14:section>
         <p14:section name="Demand" id="{C177A88F-6254-EE41-A7B9-C5B11A724287}">
@@ -144,12 +174,6 @@
             <p14:sldId id="276"/>
             <p14:sldId id="277"/>
           </p14:sldIdLst>
-        </p14:section>
-        <p14:section name="Supply" id="{2BDED503-A787-E848-ADC5-996E071D584B}">
-          <p14:sldIdLst/>
-        </p14:section>
-        <p14:section name="Welfare Analysis" id="{0F85CA63-EC68-8449-9B58-A08A3014D004}">
-          <p14:sldIdLst/>
         </p14:section>
       </p14:sectionLst>
     </p:ext>
@@ -242,7 +266,7 @@
           <a:p>
             <a:fld id="{D49E9385-0DE9-2448-8B0D-51DD29647F69}" type="datetimeFigureOut">
               <a:rPr lang="en-US" smtClean="0"/>
-              <a:t>12/10/15</a:t>
+              <a:t>1/7/16</a:t>
             </a:fld>
             <a:endParaRPr lang="en-US"/>
           </a:p>
@@ -729,7 +753,7 @@
           <a:p>
             <a:fld id="{2CB02CE2-679A-1243-BEBE-D7E13EC3190F}" type="datetimeFigureOut">
               <a:rPr lang="en-US" smtClean="0"/>
-              <a:t>12/10/15</a:t>
+              <a:t>1/7/16</a:t>
             </a:fld>
             <a:endParaRPr lang="en-US"/>
           </a:p>
@@ -906,7 +930,7 @@
           <a:p>
             <a:fld id="{2CB02CE2-679A-1243-BEBE-D7E13EC3190F}" type="datetimeFigureOut">
               <a:rPr lang="en-US" smtClean="0"/>
-              <a:t>12/10/15</a:t>
+              <a:t>1/7/16</a:t>
             </a:fld>
             <a:endParaRPr lang="en-US"/>
           </a:p>
@@ -1093,7 +1117,7 @@
           <a:p>
             <a:fld id="{2CB02CE2-679A-1243-BEBE-D7E13EC3190F}" type="datetimeFigureOut">
               <a:rPr lang="en-US" smtClean="0"/>
-              <a:t>12/10/15</a:t>
+              <a:t>1/7/16</a:t>
             </a:fld>
             <a:endParaRPr lang="en-US"/>
           </a:p>
@@ -1296,7 +1320,7 @@
           <a:p>
             <a:fld id="{2CB02CE2-679A-1243-BEBE-D7E13EC3190F}" type="datetimeFigureOut">
               <a:rPr lang="en-US" smtClean="0"/>
-              <a:t>12/10/15</a:t>
+              <a:t>1/7/16</a:t>
             </a:fld>
             <a:endParaRPr lang="en-US"/>
           </a:p>
@@ -1549,7 +1573,7 @@
           <a:p>
             <a:fld id="{2CB02CE2-679A-1243-BEBE-D7E13EC3190F}" type="datetimeFigureOut">
               <a:rPr lang="en-US" smtClean="0"/>
-              <a:t>12/10/15</a:t>
+              <a:t>1/7/16</a:t>
             </a:fld>
             <a:endParaRPr lang="en-US"/>
           </a:p>
@@ -1840,7 +1864,7 @@
           <a:p>
             <a:fld id="{2CB02CE2-679A-1243-BEBE-D7E13EC3190F}" type="datetimeFigureOut">
               <a:rPr lang="en-US" smtClean="0"/>
-              <a:t>12/10/15</a:t>
+              <a:t>1/7/16</a:t>
             </a:fld>
             <a:endParaRPr lang="en-US"/>
           </a:p>
@@ -2214,7 +2238,7 @@
           <a:p>
             <a:fld id="{2CB02CE2-679A-1243-BEBE-D7E13EC3190F}" type="datetimeFigureOut">
               <a:rPr lang="en-US" smtClean="0"/>
-              <a:t>12/10/15</a:t>
+              <a:t>1/7/16</a:t>
             </a:fld>
             <a:endParaRPr lang="en-US"/>
           </a:p>
@@ -2339,7 +2363,7 @@
           <a:p>
             <a:fld id="{2CB02CE2-679A-1243-BEBE-D7E13EC3190F}" type="datetimeFigureOut">
               <a:rPr lang="en-US" smtClean="0"/>
-              <a:t>12/10/15</a:t>
+              <a:t>1/7/16</a:t>
             </a:fld>
             <a:endParaRPr lang="en-US"/>
           </a:p>
@@ -2441,7 +2465,7 @@
           <a:p>
             <a:fld id="{2CB02CE2-679A-1243-BEBE-D7E13EC3190F}" type="datetimeFigureOut">
               <a:rPr lang="en-US" smtClean="0"/>
-              <a:t>12/10/15</a:t>
+              <a:t>1/7/16</a:t>
             </a:fld>
             <a:endParaRPr lang="en-US"/>
           </a:p>
@@ -2725,7 +2749,7 @@
           <a:p>
             <a:fld id="{2CB02CE2-679A-1243-BEBE-D7E13EC3190F}" type="datetimeFigureOut">
               <a:rPr lang="en-US" smtClean="0"/>
-              <a:t>12/10/15</a:t>
+              <a:t>1/7/16</a:t>
             </a:fld>
             <a:endParaRPr lang="en-US"/>
           </a:p>
@@ -2989,7 +3013,7 @@
           <a:p>
             <a:fld id="{2CB02CE2-679A-1243-BEBE-D7E13EC3190F}" type="datetimeFigureOut">
               <a:rPr lang="en-US" smtClean="0"/>
-              <a:t>12/10/15</a:t>
+              <a:t>1/7/16</a:t>
             </a:fld>
             <a:endParaRPr lang="en-US"/>
           </a:p>
@@ -3209,7 +3233,7 @@
           <a:p>
             <a:fld id="{2CB02CE2-679A-1243-BEBE-D7E13EC3190F}" type="datetimeFigureOut">
               <a:rPr lang="en-US" smtClean="0"/>
-              <a:t>12/10/15</a:t>
+              <a:t>1/7/16</a:t>
             </a:fld>
             <a:endParaRPr lang="en-US"/>
           </a:p>
@@ -3983,6 +4007,3171 @@
 </file>
 
 <file path=ppt/slides/slide10.xml><?xml version="1.0" encoding="utf-8"?>
+<p:sld xmlns:a="http://schemas.openxmlformats.org/drawingml/2006/main" xmlns:r="http://schemas.openxmlformats.org/officeDocument/2006/relationships" xmlns:p="http://schemas.openxmlformats.org/presentationml/2006/main">
+  <p:cSld>
+    <p:spTree>
+      <p:nvGrpSpPr>
+        <p:cNvPr id="1" name=""/>
+        <p:cNvGrpSpPr/>
+        <p:nvPr/>
+      </p:nvGrpSpPr>
+      <p:grpSpPr>
+        <a:xfrm>
+          <a:off x="0" y="0"/>
+          <a:ext cx="0" cy="0"/>
+          <a:chOff x="0" y="0"/>
+          <a:chExt cx="0" cy="0"/>
+        </a:xfrm>
+      </p:grpSpPr>
+      <p:sp>
+        <p:nvSpPr>
+          <p:cNvPr id="2" name="Title 1"/>
+          <p:cNvSpPr>
+            <a:spLocks noGrp="1"/>
+          </p:cNvSpPr>
+          <p:nvPr>
+            <p:ph type="title"/>
+          </p:nvPr>
+        </p:nvSpPr>
+        <p:spPr/>
+        <p:txBody>
+          <a:bodyPr/>
+          <a:lstStyle/>
+          <a:p>
+            <a:r>
+              <a:rPr lang="en-US" dirty="0" smtClean="0"/>
+              <a:t>Individual and Market Demand (Cont’d)</a:t>
+            </a:r>
+            <a:endParaRPr lang="en-US" dirty="0"/>
+          </a:p>
+        </p:txBody>
+      </p:sp>
+      <p:sp>
+        <p:nvSpPr>
+          <p:cNvPr id="3" name="Content Placeholder 2"/>
+          <p:cNvSpPr>
+            <a:spLocks noGrp="1"/>
+          </p:cNvSpPr>
+          <p:nvPr>
+            <p:ph idx="1"/>
+          </p:nvPr>
+        </p:nvSpPr>
+        <p:spPr/>
+        <p:txBody>
+          <a:bodyPr/>
+          <a:lstStyle/>
+          <a:p>
+            <a:endParaRPr lang="en-US"/>
+          </a:p>
+        </p:txBody>
+      </p:sp>
+    </p:spTree>
+    <p:extLst>
+      <p:ext uri="{BB962C8B-B14F-4D97-AF65-F5344CB8AC3E}">
+        <p14:creationId xmlns:p14="http://schemas.microsoft.com/office/powerpoint/2010/main" val="2116143113"/>
+      </p:ext>
+    </p:extLst>
+  </p:cSld>
+  <p:clrMapOvr>
+    <a:masterClrMapping/>
+  </p:clrMapOvr>
+  <p:timing>
+    <p:tnLst>
+      <p:par>
+        <p:cTn id="1" dur="indefinite" restart="never" nodeType="tmRoot"/>
+      </p:par>
+    </p:tnLst>
+  </p:timing>
+</p:sld>
+</file>
+
+<file path=ppt/slides/slide11.xml><?xml version="1.0" encoding="utf-8"?>
+<p:sld xmlns:a="http://schemas.openxmlformats.org/drawingml/2006/main" xmlns:r="http://schemas.openxmlformats.org/officeDocument/2006/relationships" xmlns:p="http://schemas.openxmlformats.org/presentationml/2006/main">
+  <p:cSld>
+    <p:spTree>
+      <p:nvGrpSpPr>
+        <p:cNvPr id="1" name=""/>
+        <p:cNvGrpSpPr/>
+        <p:nvPr/>
+      </p:nvGrpSpPr>
+      <p:grpSpPr>
+        <a:xfrm>
+          <a:off x="0" y="0"/>
+          <a:ext cx="0" cy="0"/>
+          <a:chOff x="0" y="0"/>
+          <a:chExt cx="0" cy="0"/>
+        </a:xfrm>
+      </p:grpSpPr>
+      <p:sp>
+        <p:nvSpPr>
+          <p:cNvPr id="2" name="Title 1"/>
+          <p:cNvSpPr>
+            <a:spLocks noGrp="1"/>
+          </p:cNvSpPr>
+          <p:nvPr>
+            <p:ph type="title"/>
+          </p:nvPr>
+        </p:nvSpPr>
+        <p:spPr/>
+        <p:txBody>
+          <a:bodyPr/>
+          <a:lstStyle/>
+          <a:p>
+            <a:r>
+              <a:rPr lang="en-US" dirty="0" smtClean="0"/>
+              <a:t>Individual and Market Supply</a:t>
+            </a:r>
+            <a:endParaRPr lang="en-US" dirty="0"/>
+          </a:p>
+        </p:txBody>
+      </p:sp>
+      <p:sp>
+        <p:nvSpPr>
+          <p:cNvPr id="3" name="Content Placeholder 2"/>
+          <p:cNvSpPr>
+            <a:spLocks noGrp="1"/>
+          </p:cNvSpPr>
+          <p:nvPr>
+            <p:ph idx="1"/>
+          </p:nvPr>
+        </p:nvSpPr>
+        <p:spPr/>
+        <p:txBody>
+          <a:bodyPr/>
+          <a:lstStyle/>
+          <a:p>
+            <a:endParaRPr lang="en-US"/>
+          </a:p>
+        </p:txBody>
+      </p:sp>
+    </p:spTree>
+    <p:extLst>
+      <p:ext uri="{BB962C8B-B14F-4D97-AF65-F5344CB8AC3E}">
+        <p14:creationId xmlns:p14="http://schemas.microsoft.com/office/powerpoint/2010/main" val="957051318"/>
+      </p:ext>
+    </p:extLst>
+  </p:cSld>
+  <p:clrMapOvr>
+    <a:masterClrMapping/>
+  </p:clrMapOvr>
+  <p:timing>
+    <p:tnLst>
+      <p:par>
+        <p:cTn id="1" dur="indefinite" restart="never" nodeType="tmRoot"/>
+      </p:par>
+    </p:tnLst>
+  </p:timing>
+</p:sld>
+</file>
+
+<file path=ppt/slides/slide12.xml><?xml version="1.0" encoding="utf-8"?>
+<p:sld xmlns:a="http://schemas.openxmlformats.org/drawingml/2006/main" xmlns:r="http://schemas.openxmlformats.org/officeDocument/2006/relationships" xmlns:p="http://schemas.openxmlformats.org/presentationml/2006/main">
+  <p:cSld>
+    <p:spTree>
+      <p:nvGrpSpPr>
+        <p:cNvPr id="1" name=""/>
+        <p:cNvGrpSpPr/>
+        <p:nvPr/>
+      </p:nvGrpSpPr>
+      <p:grpSpPr>
+        <a:xfrm>
+          <a:off x="0" y="0"/>
+          <a:ext cx="0" cy="0"/>
+          <a:chOff x="0" y="0"/>
+          <a:chExt cx="0" cy="0"/>
+        </a:xfrm>
+      </p:grpSpPr>
+      <p:sp>
+        <p:nvSpPr>
+          <p:cNvPr id="2" name="Title 1"/>
+          <p:cNvSpPr>
+            <a:spLocks noGrp="1"/>
+          </p:cNvSpPr>
+          <p:nvPr>
+            <p:ph type="title"/>
+          </p:nvPr>
+        </p:nvSpPr>
+        <p:spPr/>
+        <p:txBody>
+          <a:bodyPr/>
+          <a:lstStyle/>
+          <a:p>
+            <a:r>
+              <a:rPr lang="en-US" dirty="0" smtClean="0"/>
+              <a:t>Individual and Market Supply (Cont’d)</a:t>
+            </a:r>
+            <a:endParaRPr lang="en-US" dirty="0"/>
+          </a:p>
+        </p:txBody>
+      </p:sp>
+      <p:sp>
+        <p:nvSpPr>
+          <p:cNvPr id="3" name="Content Placeholder 2"/>
+          <p:cNvSpPr>
+            <a:spLocks noGrp="1"/>
+          </p:cNvSpPr>
+          <p:nvPr>
+            <p:ph idx="1"/>
+          </p:nvPr>
+        </p:nvSpPr>
+        <p:spPr/>
+        <p:txBody>
+          <a:bodyPr/>
+          <a:lstStyle/>
+          <a:p>
+            <a:endParaRPr lang="en-US"/>
+          </a:p>
+        </p:txBody>
+      </p:sp>
+    </p:spTree>
+    <p:extLst>
+      <p:ext uri="{BB962C8B-B14F-4D97-AF65-F5344CB8AC3E}">
+        <p14:creationId xmlns:p14="http://schemas.microsoft.com/office/powerpoint/2010/main" val="173887687"/>
+      </p:ext>
+    </p:extLst>
+  </p:cSld>
+  <p:clrMapOvr>
+    <a:masterClrMapping/>
+  </p:clrMapOvr>
+  <p:timing>
+    <p:tnLst>
+      <p:par>
+        <p:cTn id="1" dur="indefinite" restart="never" nodeType="tmRoot"/>
+      </p:par>
+    </p:tnLst>
+  </p:timing>
+</p:sld>
+</file>
+
+<file path=ppt/slides/slide13.xml><?xml version="1.0" encoding="utf-8"?>
+<p:sld xmlns:a="http://schemas.openxmlformats.org/drawingml/2006/main" xmlns:r="http://schemas.openxmlformats.org/officeDocument/2006/relationships" xmlns:p="http://schemas.openxmlformats.org/presentationml/2006/main">
+  <p:cSld>
+    <p:spTree>
+      <p:nvGrpSpPr>
+        <p:cNvPr id="1" name=""/>
+        <p:cNvGrpSpPr/>
+        <p:nvPr/>
+      </p:nvGrpSpPr>
+      <p:grpSpPr>
+        <a:xfrm>
+          <a:off x="0" y="0"/>
+          <a:ext cx="0" cy="0"/>
+          <a:chOff x="0" y="0"/>
+          <a:chExt cx="0" cy="0"/>
+        </a:xfrm>
+      </p:grpSpPr>
+      <p:sp>
+        <p:nvSpPr>
+          <p:cNvPr id="2" name="Title 1"/>
+          <p:cNvSpPr>
+            <a:spLocks noGrp="1"/>
+          </p:cNvSpPr>
+          <p:nvPr>
+            <p:ph type="title"/>
+          </p:nvPr>
+        </p:nvSpPr>
+        <p:spPr/>
+        <p:txBody>
+          <a:bodyPr/>
+          <a:lstStyle/>
+          <a:p>
+            <a:r>
+              <a:rPr lang="en-US" dirty="0" smtClean="0"/>
+              <a:t>Consumer and producer surplus</a:t>
+            </a:r>
+            <a:endParaRPr lang="en-US" dirty="0"/>
+          </a:p>
+        </p:txBody>
+      </p:sp>
+      <p:grpSp>
+        <p:nvGrpSpPr>
+          <p:cNvPr id="4" name="Group 3"/>
+          <p:cNvGrpSpPr/>
+          <p:nvPr/>
+        </p:nvGrpSpPr>
+        <p:grpSpPr>
+          <a:xfrm>
+            <a:off x="473998" y="1640959"/>
+            <a:ext cx="4321522" cy="4336693"/>
+            <a:chOff x="473998" y="1640959"/>
+            <a:chExt cx="4321522" cy="4336693"/>
+          </a:xfrm>
+        </p:grpSpPr>
+        <p:cxnSp>
+          <p:nvCxnSpPr>
+            <p:cNvPr id="5" name="Straight Arrow Connector 4"/>
+            <p:cNvCxnSpPr/>
+            <p:nvPr/>
+          </p:nvCxnSpPr>
+          <p:spPr>
+            <a:xfrm flipV="1">
+              <a:off x="924560" y="1690688"/>
+              <a:ext cx="0" cy="4222432"/>
+            </a:xfrm>
+            <a:prstGeom prst="straightConnector1">
+              <a:avLst/>
+            </a:prstGeom>
+            <a:ln w="38100">
+              <a:solidFill>
+                <a:schemeClr val="tx1">
+                  <a:lumMod val="65000"/>
+                  <a:lumOff val="35000"/>
+                </a:schemeClr>
+              </a:solidFill>
+              <a:tailEnd type="triangle"/>
+            </a:ln>
+          </p:spPr>
+          <p:style>
+            <a:lnRef idx="1">
+              <a:schemeClr val="accent1"/>
+            </a:lnRef>
+            <a:fillRef idx="0">
+              <a:schemeClr val="accent1"/>
+            </a:fillRef>
+            <a:effectRef idx="0">
+              <a:schemeClr val="accent1"/>
+            </a:effectRef>
+            <a:fontRef idx="minor">
+              <a:schemeClr val="tx1"/>
+            </a:fontRef>
+          </p:style>
+        </p:cxnSp>
+        <p:cxnSp>
+          <p:nvCxnSpPr>
+            <p:cNvPr id="6" name="Straight Arrow Connector 5"/>
+            <p:cNvCxnSpPr/>
+            <p:nvPr/>
+          </p:nvCxnSpPr>
+          <p:spPr>
+            <a:xfrm>
+              <a:off x="518160" y="5608320"/>
+              <a:ext cx="4236720" cy="0"/>
+            </a:xfrm>
+            <a:prstGeom prst="straightConnector1">
+              <a:avLst/>
+            </a:prstGeom>
+            <a:ln w="38100">
+              <a:solidFill>
+                <a:schemeClr val="tx1">
+                  <a:lumMod val="65000"/>
+                  <a:lumOff val="35000"/>
+                </a:schemeClr>
+              </a:solidFill>
+              <a:tailEnd type="triangle"/>
+            </a:ln>
+          </p:spPr>
+          <p:style>
+            <a:lnRef idx="1">
+              <a:schemeClr val="accent1"/>
+            </a:lnRef>
+            <a:fillRef idx="0">
+              <a:schemeClr val="accent1"/>
+            </a:fillRef>
+            <a:effectRef idx="0">
+              <a:schemeClr val="accent1"/>
+            </a:effectRef>
+            <a:fontRef idx="minor">
+              <a:schemeClr val="tx1"/>
+            </a:fontRef>
+          </p:style>
+        </p:cxnSp>
+        <p:sp>
+          <p:nvSpPr>
+            <p:cNvPr id="7" name="TextBox 6"/>
+            <p:cNvSpPr txBox="1"/>
+            <p:nvPr/>
+          </p:nvSpPr>
+          <p:spPr>
+            <a:xfrm>
+              <a:off x="473998" y="1640959"/>
+              <a:ext cx="338554" cy="369332"/>
+            </a:xfrm>
+            <a:prstGeom prst="rect">
+              <a:avLst/>
+            </a:prstGeom>
+            <a:noFill/>
+          </p:spPr>
+          <p:txBody>
+            <a:bodyPr wrap="none" rtlCol="0">
+              <a:spAutoFit/>
+            </a:bodyPr>
+            <a:lstStyle/>
+            <a:p>
+              <a:r>
+                <a:rPr lang="en-US" dirty="0" smtClean="0"/>
+                <a:t>P</a:t>
+              </a:r>
+              <a:endParaRPr lang="en-US" dirty="0"/>
+            </a:p>
+          </p:txBody>
+        </p:sp>
+        <p:sp>
+          <p:nvSpPr>
+            <p:cNvPr id="8" name="TextBox 7"/>
+            <p:cNvSpPr txBox="1"/>
+            <p:nvPr/>
+          </p:nvSpPr>
+          <p:spPr>
+            <a:xfrm>
+              <a:off x="4431318" y="5608320"/>
+              <a:ext cx="364202" cy="369332"/>
+            </a:xfrm>
+            <a:prstGeom prst="rect">
+              <a:avLst/>
+            </a:prstGeom>
+            <a:noFill/>
+          </p:spPr>
+          <p:txBody>
+            <a:bodyPr wrap="none" rtlCol="0">
+              <a:spAutoFit/>
+            </a:bodyPr>
+            <a:lstStyle/>
+            <a:p>
+              <a:r>
+                <a:rPr lang="en-US" dirty="0" smtClean="0"/>
+                <a:t>Q</a:t>
+              </a:r>
+              <a:endParaRPr lang="en-US" dirty="0"/>
+            </a:p>
+          </p:txBody>
+        </p:sp>
+      </p:grpSp>
+    </p:spTree>
+    <p:extLst>
+      <p:ext uri="{BB962C8B-B14F-4D97-AF65-F5344CB8AC3E}">
+        <p14:creationId xmlns:p14="http://schemas.microsoft.com/office/powerpoint/2010/main" val="131277029"/>
+      </p:ext>
+    </p:extLst>
+  </p:cSld>
+  <p:clrMapOvr>
+    <a:masterClrMapping/>
+  </p:clrMapOvr>
+  <p:timing>
+    <p:tnLst>
+      <p:par>
+        <p:cTn id="1" dur="indefinite" restart="never" nodeType="tmRoot"/>
+      </p:par>
+    </p:tnLst>
+  </p:timing>
+</p:sld>
+</file>
+
+<file path=ppt/slides/slide14.xml><?xml version="1.0" encoding="utf-8"?>
+<p:sld xmlns:a="http://schemas.openxmlformats.org/drawingml/2006/main" xmlns:r="http://schemas.openxmlformats.org/officeDocument/2006/relationships" xmlns:p="http://schemas.openxmlformats.org/presentationml/2006/main">
+  <p:cSld>
+    <p:spTree>
+      <p:nvGrpSpPr>
+        <p:cNvPr id="1" name=""/>
+        <p:cNvGrpSpPr/>
+        <p:nvPr/>
+      </p:nvGrpSpPr>
+      <p:grpSpPr>
+        <a:xfrm>
+          <a:off x="0" y="0"/>
+          <a:ext cx="0" cy="0"/>
+          <a:chOff x="0" y="0"/>
+          <a:chExt cx="0" cy="0"/>
+        </a:xfrm>
+      </p:grpSpPr>
+      <mc:AlternateContent xmlns:mc="http://schemas.openxmlformats.org/markup-compatibility/2006">
+        <mc:Choice xmlns:a14="http://schemas.microsoft.com/office/drawing/2010/main" Requires="a14">
+          <p:sp>
+            <p:nvSpPr>
+              <p:cNvPr id="2" name="Title 1"/>
+              <p:cNvSpPr>
+                <a:spLocks noGrp="1"/>
+              </p:cNvSpPr>
+              <p:nvPr>
+                <p:ph type="title"/>
+              </p:nvPr>
+            </p:nvSpPr>
+            <p:spPr/>
+            <p:txBody>
+              <a:bodyPr/>
+              <a:lstStyle/>
+              <a:p>
+                <a:r>
+                  <a:rPr lang="en-US" dirty="0" smtClean="0"/>
+                  <a:t>Calculating changes in CS: </a:t>
+                </a:r>
+                <a14:m>
+                  <m:oMath xmlns:m="http://schemas.openxmlformats.org/officeDocument/2006/math">
+                    <m:sSup>
+                      <m:sSupPr>
+                        <m:ctrlPr>
+                          <a:rPr lang="en-US" i="1" dirty="0" smtClean="0">
+                            <a:latin typeface="Cambria Math" charset="0"/>
+                          </a:rPr>
+                        </m:ctrlPr>
+                      </m:sSupPr>
+                      <m:e>
+                        <m:r>
+                          <a:rPr lang="en-US" b="0" i="1" dirty="0" smtClean="0">
+                            <a:latin typeface="Cambria Math" charset="0"/>
+                          </a:rPr>
+                          <m:t>𝑄</m:t>
+                        </m:r>
+                      </m:e>
+                      <m:sup>
+                        <m:r>
+                          <a:rPr lang="en-US" b="0" i="1" dirty="0" smtClean="0">
+                            <a:latin typeface="Cambria Math" charset="0"/>
+                          </a:rPr>
+                          <m:t>𝐷</m:t>
+                        </m:r>
+                      </m:sup>
+                    </m:sSup>
+                    <m:r>
+                      <a:rPr lang="en-US" b="0" i="1" dirty="0" smtClean="0">
+                        <a:latin typeface="Cambria Math" charset="0"/>
+                      </a:rPr>
+                      <m:t>(</m:t>
+                    </m:r>
+                    <m:r>
+                      <a:rPr lang="en-US" b="0" i="1" dirty="0" smtClean="0">
+                        <a:latin typeface="Cambria Math" charset="0"/>
+                      </a:rPr>
+                      <m:t>𝑃</m:t>
+                    </m:r>
+                    <m:r>
+                      <a:rPr lang="en-US" b="0" i="1" dirty="0" smtClean="0">
+                        <a:latin typeface="Cambria Math" charset="0"/>
+                      </a:rPr>
+                      <m:t>)= </m:t>
+                    </m:r>
+                    <m:f>
+                      <m:fPr>
+                        <m:ctrlPr>
+                          <a:rPr lang="bg-BG" i="1" dirty="0" smtClean="0">
+                            <a:latin typeface="Cambria Math" charset="0"/>
+                          </a:rPr>
+                        </m:ctrlPr>
+                      </m:fPr>
+                      <m:num>
+                        <m:r>
+                          <a:rPr lang="en-US" b="0" i="1" dirty="0" smtClean="0">
+                            <a:latin typeface="Cambria Math" charset="0"/>
+                          </a:rPr>
+                          <m:t>𝑎</m:t>
+                        </m:r>
+                      </m:num>
+                      <m:den>
+                        <m:r>
+                          <a:rPr lang="en-US" b="0" i="1" dirty="0" smtClean="0">
+                            <a:latin typeface="Cambria Math" charset="0"/>
+                          </a:rPr>
+                          <m:t>𝑃</m:t>
+                        </m:r>
+                      </m:den>
+                    </m:f>
+                  </m:oMath>
+                </a14:m>
+                <a:endParaRPr lang="en-US" dirty="0"/>
+              </a:p>
+            </p:txBody>
+          </p:sp>
+        </mc:Choice>
+        <mc:Fallback>
+          <p:sp>
+            <p:nvSpPr>
+              <p:cNvPr id="2" name="Title 1"/>
+              <p:cNvSpPr>
+                <a:spLocks noGrp="1" noRot="1" noChangeAspect="1" noMove="1" noResize="1" noEditPoints="1" noAdjustHandles="1" noChangeArrowheads="1" noChangeShapeType="1" noTextEdit="1"/>
+              </p:cNvSpPr>
+              <p:nvPr>
+                <p:ph type="title"/>
+              </p:nvPr>
+            </p:nvSpPr>
+            <p:spPr>
+              <a:blipFill rotWithShape="0">
+                <a:blip r:embed="rId2"/>
+                <a:stretch>
+                  <a:fillRect l="-2377"/>
+                </a:stretch>
+              </a:blipFill>
+            </p:spPr>
+            <p:txBody>
+              <a:bodyPr/>
+              <a:lstStyle/>
+              <a:p>
+                <a:r>
+                  <a:rPr lang="en-US">
+                    <a:noFill/>
+                  </a:rPr>
+                  <a:t> </a:t>
+                </a:r>
+              </a:p>
+            </p:txBody>
+          </p:sp>
+        </mc:Fallback>
+      </mc:AlternateContent>
+      <p:grpSp>
+        <p:nvGrpSpPr>
+          <p:cNvPr id="4" name="Group 3"/>
+          <p:cNvGrpSpPr/>
+          <p:nvPr/>
+        </p:nvGrpSpPr>
+        <p:grpSpPr>
+          <a:xfrm>
+            <a:off x="473998" y="1640959"/>
+            <a:ext cx="4321522" cy="4336693"/>
+            <a:chOff x="473998" y="1640959"/>
+            <a:chExt cx="4321522" cy="4336693"/>
+          </a:xfrm>
+        </p:grpSpPr>
+        <p:cxnSp>
+          <p:nvCxnSpPr>
+            <p:cNvPr id="5" name="Straight Arrow Connector 4"/>
+            <p:cNvCxnSpPr/>
+            <p:nvPr/>
+          </p:nvCxnSpPr>
+          <p:spPr>
+            <a:xfrm flipV="1">
+              <a:off x="924560" y="1690688"/>
+              <a:ext cx="0" cy="4222432"/>
+            </a:xfrm>
+            <a:prstGeom prst="straightConnector1">
+              <a:avLst/>
+            </a:prstGeom>
+            <a:ln w="38100">
+              <a:solidFill>
+                <a:schemeClr val="tx1">
+                  <a:lumMod val="65000"/>
+                  <a:lumOff val="35000"/>
+                </a:schemeClr>
+              </a:solidFill>
+              <a:tailEnd type="triangle"/>
+            </a:ln>
+          </p:spPr>
+          <p:style>
+            <a:lnRef idx="1">
+              <a:schemeClr val="accent1"/>
+            </a:lnRef>
+            <a:fillRef idx="0">
+              <a:schemeClr val="accent1"/>
+            </a:fillRef>
+            <a:effectRef idx="0">
+              <a:schemeClr val="accent1"/>
+            </a:effectRef>
+            <a:fontRef idx="minor">
+              <a:schemeClr val="tx1"/>
+            </a:fontRef>
+          </p:style>
+        </p:cxnSp>
+        <p:cxnSp>
+          <p:nvCxnSpPr>
+            <p:cNvPr id="6" name="Straight Arrow Connector 5"/>
+            <p:cNvCxnSpPr/>
+            <p:nvPr/>
+          </p:nvCxnSpPr>
+          <p:spPr>
+            <a:xfrm>
+              <a:off x="518160" y="5608320"/>
+              <a:ext cx="4236720" cy="0"/>
+            </a:xfrm>
+            <a:prstGeom prst="straightConnector1">
+              <a:avLst/>
+            </a:prstGeom>
+            <a:ln w="38100">
+              <a:solidFill>
+                <a:schemeClr val="tx1">
+                  <a:lumMod val="65000"/>
+                  <a:lumOff val="35000"/>
+                </a:schemeClr>
+              </a:solidFill>
+              <a:tailEnd type="triangle"/>
+            </a:ln>
+          </p:spPr>
+          <p:style>
+            <a:lnRef idx="1">
+              <a:schemeClr val="accent1"/>
+            </a:lnRef>
+            <a:fillRef idx="0">
+              <a:schemeClr val="accent1"/>
+            </a:fillRef>
+            <a:effectRef idx="0">
+              <a:schemeClr val="accent1"/>
+            </a:effectRef>
+            <a:fontRef idx="minor">
+              <a:schemeClr val="tx1"/>
+            </a:fontRef>
+          </p:style>
+        </p:cxnSp>
+        <p:sp>
+          <p:nvSpPr>
+            <p:cNvPr id="7" name="TextBox 6"/>
+            <p:cNvSpPr txBox="1"/>
+            <p:nvPr/>
+          </p:nvSpPr>
+          <p:spPr>
+            <a:xfrm>
+              <a:off x="473998" y="1640959"/>
+              <a:ext cx="338554" cy="369332"/>
+            </a:xfrm>
+            <a:prstGeom prst="rect">
+              <a:avLst/>
+            </a:prstGeom>
+            <a:noFill/>
+          </p:spPr>
+          <p:txBody>
+            <a:bodyPr wrap="none" rtlCol="0">
+              <a:spAutoFit/>
+            </a:bodyPr>
+            <a:lstStyle/>
+            <a:p>
+              <a:r>
+                <a:rPr lang="en-US" dirty="0" smtClean="0"/>
+                <a:t>P</a:t>
+              </a:r>
+              <a:endParaRPr lang="en-US" dirty="0"/>
+            </a:p>
+          </p:txBody>
+        </p:sp>
+        <p:sp>
+          <p:nvSpPr>
+            <p:cNvPr id="8" name="TextBox 7"/>
+            <p:cNvSpPr txBox="1"/>
+            <p:nvPr/>
+          </p:nvSpPr>
+          <p:spPr>
+            <a:xfrm>
+              <a:off x="4431318" y="5608320"/>
+              <a:ext cx="364202" cy="369332"/>
+            </a:xfrm>
+            <a:prstGeom prst="rect">
+              <a:avLst/>
+            </a:prstGeom>
+            <a:noFill/>
+          </p:spPr>
+          <p:txBody>
+            <a:bodyPr wrap="none" rtlCol="0">
+              <a:spAutoFit/>
+            </a:bodyPr>
+            <a:lstStyle/>
+            <a:p>
+              <a:r>
+                <a:rPr lang="en-US" dirty="0" smtClean="0"/>
+                <a:t>Q</a:t>
+              </a:r>
+              <a:endParaRPr lang="en-US" dirty="0"/>
+            </a:p>
+          </p:txBody>
+        </p:sp>
+      </p:grpSp>
+    </p:spTree>
+    <p:extLst>
+      <p:ext uri="{BB962C8B-B14F-4D97-AF65-F5344CB8AC3E}">
+        <p14:creationId xmlns:p14="http://schemas.microsoft.com/office/powerpoint/2010/main" val="342593136"/>
+      </p:ext>
+    </p:extLst>
+  </p:cSld>
+  <p:clrMapOvr>
+    <a:masterClrMapping/>
+  </p:clrMapOvr>
+  <p:timing>
+    <p:tnLst>
+      <p:par>
+        <p:cTn id="1" dur="indefinite" restart="never" nodeType="tmRoot"/>
+      </p:par>
+    </p:tnLst>
+  </p:timing>
+</p:sld>
+</file>
+
+<file path=ppt/slides/slide15.xml><?xml version="1.0" encoding="utf-8"?>
+<p:sld xmlns:a="http://schemas.openxmlformats.org/drawingml/2006/main" xmlns:r="http://schemas.openxmlformats.org/officeDocument/2006/relationships" xmlns:p="http://schemas.openxmlformats.org/presentationml/2006/main">
+  <p:cSld>
+    <p:spTree>
+      <p:nvGrpSpPr>
+        <p:cNvPr id="1" name=""/>
+        <p:cNvGrpSpPr/>
+        <p:nvPr/>
+      </p:nvGrpSpPr>
+      <p:grpSpPr>
+        <a:xfrm>
+          <a:off x="0" y="0"/>
+          <a:ext cx="0" cy="0"/>
+          <a:chOff x="0" y="0"/>
+          <a:chExt cx="0" cy="0"/>
+        </a:xfrm>
+      </p:grpSpPr>
+      <mc:AlternateContent xmlns:mc="http://schemas.openxmlformats.org/markup-compatibility/2006">
+        <mc:Choice xmlns:a14="http://schemas.microsoft.com/office/drawing/2010/main" Requires="a14">
+          <p:sp>
+            <p:nvSpPr>
+              <p:cNvPr id="2" name="Title 1"/>
+              <p:cNvSpPr>
+                <a:spLocks noGrp="1"/>
+              </p:cNvSpPr>
+              <p:nvPr>
+                <p:ph type="title"/>
+              </p:nvPr>
+            </p:nvSpPr>
+            <p:spPr/>
+            <p:txBody>
+              <a:bodyPr>
+                <a:normAutofit/>
+              </a:bodyPr>
+              <a:lstStyle/>
+              <a:p>
+                <a:r>
+                  <a:rPr lang="en-US" dirty="0" smtClean="0"/>
+                  <a:t>Calculating changes in PS: </a:t>
+                </a:r>
+                <a14:m>
+                  <m:oMath xmlns:m="http://schemas.openxmlformats.org/officeDocument/2006/math">
+                    <m:sSup>
+                      <m:sSupPr>
+                        <m:ctrlPr>
+                          <a:rPr lang="en-US" i="1" dirty="0" smtClean="0">
+                            <a:latin typeface="Cambria Math" charset="0"/>
+                          </a:rPr>
+                        </m:ctrlPr>
+                      </m:sSupPr>
+                      <m:e>
+                        <m:r>
+                          <a:rPr lang="en-US" b="0" i="1" dirty="0" smtClean="0">
+                            <a:latin typeface="Cambria Math" charset="0"/>
+                          </a:rPr>
+                          <m:t>𝑄</m:t>
+                        </m:r>
+                      </m:e>
+                      <m:sup>
+                        <m:r>
+                          <a:rPr lang="en-US" b="0" i="1" dirty="0" smtClean="0">
+                            <a:latin typeface="Cambria Math" charset="0"/>
+                          </a:rPr>
+                          <m:t>𝑆</m:t>
+                        </m:r>
+                      </m:sup>
+                    </m:sSup>
+                    <m:r>
+                      <a:rPr lang="en-US" b="0" i="1" dirty="0" smtClean="0">
+                        <a:latin typeface="Cambria Math" charset="0"/>
+                      </a:rPr>
+                      <m:t>(</m:t>
+                    </m:r>
+                    <m:r>
+                      <a:rPr lang="en-US" b="0" i="1" dirty="0" smtClean="0">
+                        <a:latin typeface="Cambria Math" charset="0"/>
+                      </a:rPr>
+                      <m:t>𝑃</m:t>
+                    </m:r>
+                    <m:r>
+                      <a:rPr lang="en-US" b="0" i="1" dirty="0" smtClean="0">
+                        <a:latin typeface="Cambria Math" charset="0"/>
+                      </a:rPr>
+                      <m:t>)=</m:t>
+                    </m:r>
+                    <m:r>
+                      <a:rPr lang="en-US" i="1" dirty="0" smtClean="0">
+                        <a:latin typeface="Cambria Math" charset="0"/>
+                      </a:rPr>
+                      <m:t>𝑎</m:t>
+                    </m:r>
+                    <m:sSup>
+                      <m:sSupPr>
+                        <m:ctrlPr>
+                          <a:rPr lang="en-US" b="0" i="1" dirty="0" smtClean="0">
+                            <a:latin typeface="Cambria Math" charset="0"/>
+                          </a:rPr>
+                        </m:ctrlPr>
+                      </m:sSupPr>
+                      <m:e>
+                        <m:r>
+                          <a:rPr lang="en-US" b="0" i="1" dirty="0" smtClean="0">
+                            <a:latin typeface="Cambria Math" charset="0"/>
+                          </a:rPr>
+                          <m:t>𝑃</m:t>
+                        </m:r>
+                      </m:e>
+                      <m:sup>
+                        <m:r>
+                          <a:rPr lang="en-US" b="0" i="1" dirty="0" smtClean="0">
+                            <a:latin typeface="Cambria Math" charset="0"/>
+                          </a:rPr>
+                          <m:t>𝑏</m:t>
+                        </m:r>
+                      </m:sup>
+                    </m:sSup>
+                  </m:oMath>
+                </a14:m>
+                <a:endParaRPr lang="en-US" dirty="0"/>
+              </a:p>
+            </p:txBody>
+          </p:sp>
+        </mc:Choice>
+        <mc:Fallback>
+          <p:sp>
+            <p:nvSpPr>
+              <p:cNvPr id="2" name="Title 1"/>
+              <p:cNvSpPr>
+                <a:spLocks noGrp="1" noRot="1" noChangeAspect="1" noMove="1" noResize="1" noEditPoints="1" noAdjustHandles="1" noChangeArrowheads="1" noChangeShapeType="1" noTextEdit="1"/>
+              </p:cNvSpPr>
+              <p:nvPr>
+                <p:ph type="title"/>
+              </p:nvPr>
+            </p:nvSpPr>
+            <p:spPr>
+              <a:blipFill rotWithShape="0">
+                <a:blip r:embed="rId2"/>
+                <a:stretch>
+                  <a:fillRect l="-2377"/>
+                </a:stretch>
+              </a:blipFill>
+            </p:spPr>
+            <p:txBody>
+              <a:bodyPr/>
+              <a:lstStyle/>
+              <a:p>
+                <a:r>
+                  <a:rPr lang="en-US">
+                    <a:noFill/>
+                  </a:rPr>
+                  <a:t> </a:t>
+                </a:r>
+              </a:p>
+            </p:txBody>
+          </p:sp>
+        </mc:Fallback>
+      </mc:AlternateContent>
+      <p:grpSp>
+        <p:nvGrpSpPr>
+          <p:cNvPr id="13" name="Group 12"/>
+          <p:cNvGrpSpPr/>
+          <p:nvPr/>
+        </p:nvGrpSpPr>
+        <p:grpSpPr>
+          <a:xfrm>
+            <a:off x="473998" y="1640959"/>
+            <a:ext cx="4321522" cy="4336693"/>
+            <a:chOff x="473998" y="1640959"/>
+            <a:chExt cx="4321522" cy="4336693"/>
+          </a:xfrm>
+        </p:grpSpPr>
+        <p:cxnSp>
+          <p:nvCxnSpPr>
+            <p:cNvPr id="5" name="Straight Arrow Connector 4"/>
+            <p:cNvCxnSpPr/>
+            <p:nvPr/>
+          </p:nvCxnSpPr>
+          <p:spPr>
+            <a:xfrm flipV="1">
+              <a:off x="924560" y="1690688"/>
+              <a:ext cx="0" cy="4222432"/>
+            </a:xfrm>
+            <a:prstGeom prst="straightConnector1">
+              <a:avLst/>
+            </a:prstGeom>
+            <a:ln w="38100">
+              <a:solidFill>
+                <a:schemeClr val="tx1">
+                  <a:lumMod val="65000"/>
+                  <a:lumOff val="35000"/>
+                </a:schemeClr>
+              </a:solidFill>
+              <a:tailEnd type="triangle"/>
+            </a:ln>
+          </p:spPr>
+          <p:style>
+            <a:lnRef idx="1">
+              <a:schemeClr val="accent1"/>
+            </a:lnRef>
+            <a:fillRef idx="0">
+              <a:schemeClr val="accent1"/>
+            </a:fillRef>
+            <a:effectRef idx="0">
+              <a:schemeClr val="accent1"/>
+            </a:effectRef>
+            <a:fontRef idx="minor">
+              <a:schemeClr val="tx1"/>
+            </a:fontRef>
+          </p:style>
+        </p:cxnSp>
+        <p:cxnSp>
+          <p:nvCxnSpPr>
+            <p:cNvPr id="7" name="Straight Arrow Connector 6"/>
+            <p:cNvCxnSpPr/>
+            <p:nvPr/>
+          </p:nvCxnSpPr>
+          <p:spPr>
+            <a:xfrm>
+              <a:off x="518160" y="5608320"/>
+              <a:ext cx="4236720" cy="0"/>
+            </a:xfrm>
+            <a:prstGeom prst="straightConnector1">
+              <a:avLst/>
+            </a:prstGeom>
+            <a:ln w="38100">
+              <a:solidFill>
+                <a:schemeClr val="tx1">
+                  <a:lumMod val="65000"/>
+                  <a:lumOff val="35000"/>
+                </a:schemeClr>
+              </a:solidFill>
+              <a:tailEnd type="triangle"/>
+            </a:ln>
+          </p:spPr>
+          <p:style>
+            <a:lnRef idx="1">
+              <a:schemeClr val="accent1"/>
+            </a:lnRef>
+            <a:fillRef idx="0">
+              <a:schemeClr val="accent1"/>
+            </a:fillRef>
+            <a:effectRef idx="0">
+              <a:schemeClr val="accent1"/>
+            </a:effectRef>
+            <a:fontRef idx="minor">
+              <a:schemeClr val="tx1"/>
+            </a:fontRef>
+          </p:style>
+        </p:cxnSp>
+        <p:sp>
+          <p:nvSpPr>
+            <p:cNvPr id="8" name="TextBox 7"/>
+            <p:cNvSpPr txBox="1"/>
+            <p:nvPr/>
+          </p:nvSpPr>
+          <p:spPr>
+            <a:xfrm>
+              <a:off x="473998" y="1640959"/>
+              <a:ext cx="338554" cy="369332"/>
+            </a:xfrm>
+            <a:prstGeom prst="rect">
+              <a:avLst/>
+            </a:prstGeom>
+            <a:noFill/>
+          </p:spPr>
+          <p:txBody>
+            <a:bodyPr wrap="none" rtlCol="0">
+              <a:spAutoFit/>
+            </a:bodyPr>
+            <a:lstStyle/>
+            <a:p>
+              <a:r>
+                <a:rPr lang="en-US" dirty="0" smtClean="0"/>
+                <a:t>P</a:t>
+              </a:r>
+              <a:endParaRPr lang="en-US" dirty="0"/>
+            </a:p>
+          </p:txBody>
+        </p:sp>
+        <p:sp>
+          <p:nvSpPr>
+            <p:cNvPr id="9" name="TextBox 8"/>
+            <p:cNvSpPr txBox="1"/>
+            <p:nvPr/>
+          </p:nvSpPr>
+          <p:spPr>
+            <a:xfrm>
+              <a:off x="4431318" y="5608320"/>
+              <a:ext cx="364202" cy="369332"/>
+            </a:xfrm>
+            <a:prstGeom prst="rect">
+              <a:avLst/>
+            </a:prstGeom>
+            <a:noFill/>
+          </p:spPr>
+          <p:txBody>
+            <a:bodyPr wrap="none" rtlCol="0">
+              <a:spAutoFit/>
+            </a:bodyPr>
+            <a:lstStyle/>
+            <a:p>
+              <a:r>
+                <a:rPr lang="en-US" dirty="0" smtClean="0"/>
+                <a:t>Q</a:t>
+              </a:r>
+              <a:endParaRPr lang="en-US" dirty="0"/>
+            </a:p>
+          </p:txBody>
+        </p:sp>
+      </p:grpSp>
+    </p:spTree>
+    <p:extLst>
+      <p:ext uri="{BB962C8B-B14F-4D97-AF65-F5344CB8AC3E}">
+        <p14:creationId xmlns:p14="http://schemas.microsoft.com/office/powerpoint/2010/main" val="574762272"/>
+      </p:ext>
+    </p:extLst>
+  </p:cSld>
+  <p:clrMapOvr>
+    <a:masterClrMapping/>
+  </p:clrMapOvr>
+  <p:timing>
+    <p:tnLst>
+      <p:par>
+        <p:cTn id="1" dur="indefinite" restart="never" nodeType="tmRoot"/>
+      </p:par>
+    </p:tnLst>
+  </p:timing>
+</p:sld>
+</file>
+
+<file path=ppt/slides/slide16.xml><?xml version="1.0" encoding="utf-8"?>
+<p:sld xmlns:a="http://schemas.openxmlformats.org/drawingml/2006/main" xmlns:r="http://schemas.openxmlformats.org/officeDocument/2006/relationships" xmlns:p="http://schemas.openxmlformats.org/presentationml/2006/main">
+  <p:cSld>
+    <p:spTree>
+      <p:nvGrpSpPr>
+        <p:cNvPr id="1" name=""/>
+        <p:cNvGrpSpPr/>
+        <p:nvPr/>
+      </p:nvGrpSpPr>
+      <p:grpSpPr>
+        <a:xfrm>
+          <a:off x="0" y="0"/>
+          <a:ext cx="0" cy="0"/>
+          <a:chOff x="0" y="0"/>
+          <a:chExt cx="0" cy="0"/>
+        </a:xfrm>
+      </p:grpSpPr>
+      <p:sp>
+        <p:nvSpPr>
+          <p:cNvPr id="2" name="Title 1"/>
+          <p:cNvSpPr>
+            <a:spLocks noGrp="1"/>
+          </p:cNvSpPr>
+          <p:nvPr>
+            <p:ph type="title"/>
+          </p:nvPr>
+        </p:nvSpPr>
+        <p:spPr/>
+        <p:txBody>
+          <a:bodyPr/>
+          <a:lstStyle/>
+          <a:p>
+            <a:r>
+              <a:rPr lang="en-US" b="1" dirty="0" smtClean="0"/>
+              <a:t>Substitutes</a:t>
+            </a:r>
+            <a:endParaRPr lang="en-US" b="1" dirty="0"/>
+          </a:p>
+        </p:txBody>
+      </p:sp>
+      <mc:AlternateContent xmlns:mc="http://schemas.openxmlformats.org/markup-compatibility/2006" xmlns:a14="http://schemas.microsoft.com/office/drawing/2010/main">
+        <mc:Choice Requires="a14">
+          <p:sp>
+            <p:nvSpPr>
+              <p:cNvPr id="3" name="Content Placeholder 2"/>
+              <p:cNvSpPr>
+                <a:spLocks noGrp="1"/>
+              </p:cNvSpPr>
+              <p:nvPr>
+                <p:ph idx="1"/>
+              </p:nvPr>
+            </p:nvSpPr>
+            <p:spPr/>
+            <p:txBody>
+              <a:bodyPr/>
+              <a:lstStyle/>
+              <a:p>
+                <a:r>
+                  <a:rPr lang="en-US" dirty="0" smtClean="0"/>
+                  <a:t>Goods </a:t>
+                </a:r>
+                <a14:m>
+                  <m:oMath xmlns:m="http://schemas.openxmlformats.org/officeDocument/2006/math">
+                    <m:r>
+                      <a:rPr lang="en-US" b="0" i="1" dirty="0">
+                        <a:latin typeface="Cambria Math" charset="0"/>
+                      </a:rPr>
+                      <m:t>𝑋</m:t>
+                    </m:r>
+                  </m:oMath>
+                </a14:m>
+                <a:r>
+                  <a:rPr lang="en-US" dirty="0" smtClean="0"/>
+                  <a:t> and </a:t>
+                </a:r>
+                <a14:m>
+                  <m:oMath xmlns:m="http://schemas.openxmlformats.org/officeDocument/2006/math">
+                    <m:r>
+                      <a:rPr lang="en-US" b="0" i="1" dirty="0" smtClean="0">
+                        <a:latin typeface="Cambria Math" charset="0"/>
+                      </a:rPr>
+                      <m:t>𝑌</m:t>
+                    </m:r>
+                  </m:oMath>
+                </a14:m>
+                <a:r>
+                  <a:rPr lang="en-US" dirty="0" smtClean="0"/>
+                  <a:t> are </a:t>
+                </a:r>
+                <a:r>
+                  <a:rPr lang="en-US" b="1" dirty="0" smtClean="0"/>
+                  <a:t>substitutes</a:t>
+                </a:r>
+              </a:p>
+              <a:p>
+                <a:r>
+                  <a:rPr lang="en-US" dirty="0" smtClean="0"/>
+                  <a:t>if an </a:t>
+                </a:r>
+                <a:r>
+                  <a:rPr lang="en-US" b="1" dirty="0" smtClean="0"/>
+                  <a:t>increase</a:t>
+                </a:r>
+                <a:r>
+                  <a:rPr lang="en-US" dirty="0" smtClean="0"/>
+                  <a:t> in the price of </a:t>
+                </a:r>
+                <a14:m>
+                  <m:oMath xmlns:m="http://schemas.openxmlformats.org/officeDocument/2006/math">
+                    <m:r>
+                      <a:rPr lang="en-US" i="1" dirty="0">
+                        <a:latin typeface="Cambria Math" charset="0"/>
+                      </a:rPr>
+                      <m:t>𝑌</m:t>
+                    </m:r>
+                  </m:oMath>
+                </a14:m>
+                <a:endParaRPr lang="en-US" dirty="0" smtClean="0"/>
+              </a:p>
+              <a:p>
+                <a:r>
+                  <a:rPr lang="en-US" dirty="0" smtClean="0"/>
+                  <a:t>causes an </a:t>
+                </a:r>
+                <a:r>
+                  <a:rPr lang="en-US" b="1" dirty="0" smtClean="0"/>
+                  <a:t>increase </a:t>
+                </a:r>
+                <a:r>
+                  <a:rPr lang="en-US" dirty="0" smtClean="0"/>
+                  <a:t>in the demand for good </a:t>
+                </a:r>
+                <a14:m>
+                  <m:oMath xmlns:m="http://schemas.openxmlformats.org/officeDocument/2006/math">
+                    <m:r>
+                      <a:rPr lang="en-US" i="1" dirty="0">
+                        <a:latin typeface="Cambria Math" charset="0"/>
+                      </a:rPr>
+                      <m:t>𝑋</m:t>
+                    </m:r>
+                    <m:r>
+                      <a:rPr lang="en-US" i="1" dirty="0">
+                        <a:latin typeface="Cambria Math" charset="0"/>
+                      </a:rPr>
+                      <m:t> </m:t>
+                    </m:r>
+                  </m:oMath>
+                </a14:m>
+                <a:r>
+                  <a:rPr lang="en-US" dirty="0" smtClean="0"/>
+                  <a:t>:</a:t>
+                </a:r>
+              </a:p>
+              <a:p>
+                <a:endParaRPr lang="en-US" dirty="0"/>
+              </a:p>
+              <a:p>
+                <a:pPr algn="ctr"/>
+                <a14:m>
+                  <m:oMathPara xmlns:m="http://schemas.openxmlformats.org/officeDocument/2006/math">
+                    <m:oMathParaPr>
+                      <m:jc m:val="centerGroup"/>
+                    </m:oMathParaPr>
+                    <m:oMath xmlns:m="http://schemas.openxmlformats.org/officeDocument/2006/math">
+                      <m:f>
+                        <m:fPr>
+                          <m:ctrlPr>
+                            <a:rPr lang="en-US" sz="7200" i="1" smtClean="0">
+                              <a:solidFill>
+                                <a:schemeClr val="tx1"/>
+                              </a:solidFill>
+                              <a:latin typeface="Cambria Math" charset="0"/>
+                            </a:rPr>
+                          </m:ctrlPr>
+                        </m:fPr>
+                        <m:num>
+                          <m:r>
+                            <a:rPr lang="en-US" sz="7200" i="1" smtClean="0">
+                              <a:solidFill>
+                                <a:schemeClr val="accent5"/>
+                              </a:solidFill>
+                              <a:latin typeface="Cambria Math" charset="0"/>
+                            </a:rPr>
+                            <m:t>𝜕</m:t>
+                          </m:r>
+                          <m:sSubSup>
+                            <m:sSubSupPr>
+                              <m:ctrlPr>
+                                <a:rPr lang="en-US" sz="7200" i="1">
+                                  <a:solidFill>
+                                    <a:schemeClr val="accent5"/>
+                                  </a:solidFill>
+                                  <a:latin typeface="Cambria Math" charset="0"/>
+                                </a:rPr>
+                              </m:ctrlPr>
+                            </m:sSubSupPr>
+                            <m:e>
+                              <m:r>
+                                <a:rPr lang="en-US" sz="7200" i="1">
+                                  <a:solidFill>
+                                    <a:schemeClr val="accent5"/>
+                                  </a:solidFill>
+                                  <a:latin typeface="Cambria Math" charset="0"/>
+                                </a:rPr>
+                                <m:t>𝑄</m:t>
+                              </m:r>
+                            </m:e>
+                            <m:sub>
+                              <m:r>
+                                <a:rPr lang="en-US" sz="7200" i="1">
+                                  <a:solidFill>
+                                    <a:schemeClr val="accent5"/>
+                                  </a:solidFill>
+                                  <a:latin typeface="Cambria Math" charset="0"/>
+                                </a:rPr>
+                                <m:t>𝑋</m:t>
+                              </m:r>
+                            </m:sub>
+                            <m:sup>
+                              <m:r>
+                                <a:rPr lang="en-US" sz="7200" i="1">
+                                  <a:solidFill>
+                                    <a:schemeClr val="accent5"/>
+                                  </a:solidFill>
+                                  <a:latin typeface="Cambria Math" charset="0"/>
+                                </a:rPr>
+                                <m:t>𝐷</m:t>
+                              </m:r>
+                            </m:sup>
+                          </m:sSubSup>
+                          <m:r>
+                            <a:rPr lang="en-US" sz="7200" i="1">
+                              <a:solidFill>
+                                <a:schemeClr val="tx1"/>
+                              </a:solidFill>
+                              <a:latin typeface="Cambria Math" charset="0"/>
+                            </a:rPr>
+                            <m:t>(</m:t>
+                          </m:r>
+                          <m:sSub>
+                            <m:sSubPr>
+                              <m:ctrlPr>
+                                <a:rPr lang="en-US" sz="7200" i="1">
+                                  <a:solidFill>
+                                    <a:schemeClr val="tx1"/>
+                                  </a:solidFill>
+                                  <a:latin typeface="Cambria Math" charset="0"/>
+                                </a:rPr>
+                              </m:ctrlPr>
+                            </m:sSubPr>
+                            <m:e>
+                              <m:r>
+                                <a:rPr lang="en-US" sz="7200" i="1">
+                                  <a:solidFill>
+                                    <a:schemeClr val="tx1"/>
+                                  </a:solidFill>
+                                  <a:latin typeface="Cambria Math" charset="0"/>
+                                </a:rPr>
+                                <m:t>𝑃</m:t>
+                              </m:r>
+                            </m:e>
+                            <m:sub>
+                              <m:r>
+                                <a:rPr lang="en-US" sz="7200" i="1">
+                                  <a:solidFill>
+                                    <a:schemeClr val="tx1"/>
+                                  </a:solidFill>
+                                  <a:latin typeface="Cambria Math" charset="0"/>
+                                </a:rPr>
+                                <m:t>𝑋</m:t>
+                              </m:r>
+                            </m:sub>
+                          </m:sSub>
+                          <m:r>
+                            <a:rPr lang="en-US" sz="7200" b="0" i="1" smtClean="0">
+                              <a:solidFill>
+                                <a:schemeClr val="tx1"/>
+                              </a:solidFill>
+                              <a:latin typeface="Cambria Math" charset="0"/>
+                            </a:rPr>
+                            <m:t>,</m:t>
+                          </m:r>
+                          <m:sSub>
+                            <m:sSubPr>
+                              <m:ctrlPr>
+                                <a:rPr lang="en-US" sz="7200" i="1" smtClean="0">
+                                  <a:solidFill>
+                                    <a:schemeClr val="bg1">
+                                      <a:lumMod val="50000"/>
+                                    </a:schemeClr>
+                                  </a:solidFill>
+                                  <a:latin typeface="Cambria Math" charset="0"/>
+                                </a:rPr>
+                              </m:ctrlPr>
+                            </m:sSubPr>
+                            <m:e>
+                              <m:r>
+                                <a:rPr lang="en-US" sz="7200" i="1">
+                                  <a:solidFill>
+                                    <a:schemeClr val="bg1">
+                                      <a:lumMod val="50000"/>
+                                    </a:schemeClr>
+                                  </a:solidFill>
+                                  <a:latin typeface="Cambria Math" charset="0"/>
+                                </a:rPr>
+                                <m:t>𝑃</m:t>
+                              </m:r>
+                            </m:e>
+                            <m:sub>
+                              <m:r>
+                                <a:rPr lang="en-US" sz="7200" i="1">
+                                  <a:solidFill>
+                                    <a:schemeClr val="bg1">
+                                      <a:lumMod val="50000"/>
+                                    </a:schemeClr>
+                                  </a:solidFill>
+                                  <a:latin typeface="Cambria Math" charset="0"/>
+                                </a:rPr>
+                                <m:t>𝑌</m:t>
+                              </m:r>
+                            </m:sub>
+                          </m:sSub>
+                          <m:r>
+                            <a:rPr lang="en-US" sz="7200" i="1">
+                              <a:solidFill>
+                                <a:schemeClr val="bg1">
+                                  <a:lumMod val="50000"/>
+                                </a:schemeClr>
+                              </a:solidFill>
+                              <a:latin typeface="Cambria Math" charset="0"/>
+                            </a:rPr>
+                            <m:t>,</m:t>
+                          </m:r>
+                          <m:r>
+                            <a:rPr lang="en-US" sz="7200" i="1">
+                              <a:solidFill>
+                                <a:schemeClr val="bg1">
+                                  <a:lumMod val="50000"/>
+                                </a:schemeClr>
+                              </a:solidFill>
+                              <a:latin typeface="Cambria Math" charset="0"/>
+                            </a:rPr>
+                            <m:t>𝐼</m:t>
+                          </m:r>
+                          <m:r>
+                            <a:rPr lang="en-US" sz="7200" i="1">
+                              <a:solidFill>
+                                <a:schemeClr val="bg1">
+                                  <a:lumMod val="50000"/>
+                                </a:schemeClr>
+                              </a:solidFill>
+                              <a:latin typeface="Cambria Math" charset="0"/>
+                            </a:rPr>
+                            <m:t>,…)</m:t>
+                          </m:r>
+                        </m:num>
+                        <m:den>
+                          <m:r>
+                            <a:rPr lang="en-US" sz="7200" i="1" smtClean="0">
+                              <a:solidFill>
+                                <a:schemeClr val="bg1">
+                                  <a:lumMod val="50000"/>
+                                </a:schemeClr>
+                              </a:solidFill>
+                              <a:latin typeface="Cambria Math" charset="0"/>
+                            </a:rPr>
+                            <m:t>𝜕</m:t>
+                          </m:r>
+                          <m:sSub>
+                            <m:sSubPr>
+                              <m:ctrlPr>
+                                <a:rPr lang="en-US" sz="7200" i="1">
+                                  <a:solidFill>
+                                    <a:schemeClr val="bg1">
+                                      <a:lumMod val="50000"/>
+                                    </a:schemeClr>
+                                  </a:solidFill>
+                                  <a:latin typeface="Cambria Math" charset="0"/>
+                                </a:rPr>
+                              </m:ctrlPr>
+                            </m:sSubPr>
+                            <m:e>
+                              <m:r>
+                                <a:rPr lang="en-US" sz="7200" i="1">
+                                  <a:solidFill>
+                                    <a:schemeClr val="bg1">
+                                      <a:lumMod val="50000"/>
+                                    </a:schemeClr>
+                                  </a:solidFill>
+                                  <a:latin typeface="Cambria Math" charset="0"/>
+                                </a:rPr>
+                                <m:t>𝑃</m:t>
+                              </m:r>
+                            </m:e>
+                            <m:sub>
+                              <m:r>
+                                <a:rPr lang="en-US" sz="7200" i="1">
+                                  <a:solidFill>
+                                    <a:schemeClr val="bg1">
+                                      <a:lumMod val="50000"/>
+                                    </a:schemeClr>
+                                  </a:solidFill>
+                                  <a:latin typeface="Cambria Math" charset="0"/>
+                                </a:rPr>
+                                <m:t>𝑌</m:t>
+                              </m:r>
+                            </m:sub>
+                          </m:sSub>
+                        </m:den>
+                      </m:f>
+                      <m:r>
+                        <a:rPr lang="en-US" sz="7200" b="0" i="1" smtClean="0">
+                          <a:solidFill>
+                            <a:schemeClr val="tx1"/>
+                          </a:solidFill>
+                          <a:latin typeface="Cambria Math" charset="0"/>
+                        </a:rPr>
+                        <m:t>&gt;0</m:t>
+                      </m:r>
+                    </m:oMath>
+                  </m:oMathPara>
+                </a14:m>
+                <a:endParaRPr lang="en-US" sz="7200" dirty="0"/>
+              </a:p>
+            </p:txBody>
+          </p:sp>
+        </mc:Choice>
+        <mc:Fallback xmlns="">
+          <p:sp>
+            <p:nvSpPr>
+              <p:cNvPr id="3" name="Content Placeholder 2"/>
+              <p:cNvSpPr>
+                <a:spLocks noGrp="1" noRot="1" noChangeAspect="1" noMove="1" noResize="1" noEditPoints="1" noAdjustHandles="1" noChangeArrowheads="1" noChangeShapeType="1" noTextEdit="1"/>
+              </p:cNvSpPr>
+              <p:nvPr>
+                <p:ph idx="1"/>
+              </p:nvPr>
+            </p:nvSpPr>
+            <p:spPr>
+              <a:blipFill rotWithShape="0">
+                <a:blip r:embed="rId2"/>
+                <a:stretch>
+                  <a:fillRect l="-1217" t="-2381"/>
+                </a:stretch>
+              </a:blipFill>
+            </p:spPr>
+            <p:txBody>
+              <a:bodyPr/>
+              <a:lstStyle/>
+              <a:p>
+                <a:r>
+                  <a:rPr lang="en-US">
+                    <a:noFill/>
+                  </a:rPr>
+                  <a:t> </a:t>
+                </a:r>
+              </a:p>
+            </p:txBody>
+          </p:sp>
+        </mc:Fallback>
+      </mc:AlternateContent>
+    </p:spTree>
+    <p:extLst>
+      <p:ext uri="{BB962C8B-B14F-4D97-AF65-F5344CB8AC3E}">
+        <p14:creationId xmlns:p14="http://schemas.microsoft.com/office/powerpoint/2010/main" val="471154136"/>
+      </p:ext>
+    </p:extLst>
+  </p:cSld>
+  <p:clrMapOvr>
+    <a:masterClrMapping/>
+  </p:clrMapOvr>
+  <p:timing>
+    <p:tnLst>
+      <p:par>
+        <p:cTn id="1" dur="indefinite" restart="never" nodeType="tmRoot">
+          <p:childTnLst>
+            <p:seq concurrent="1" nextAc="seek">
+              <p:cTn id="2" dur="indefinite" nodeType="mainSeq">
+                <p:childTnLst>
+                  <p:par>
+                    <p:cTn id="3" fill="hold">
+                      <p:stCondLst>
+                        <p:cond delay="indefinite"/>
+                      </p:stCondLst>
+                      <p:childTnLst>
+                        <p:par>
+                          <p:cTn id="4" fill="hold">
+                            <p:stCondLst>
+                              <p:cond delay="0"/>
+                            </p:stCondLst>
+                            <p:childTnLst>
+                              <p:par>
+                                <p:cTn id="5" presetID="1" presetClass="entr" presetSubtype="0" fill="hold" grpId="0" nodeType="clickEffect">
+                                  <p:stCondLst>
+                                    <p:cond delay="0"/>
+                                  </p:stCondLst>
+                                  <p:childTnLst>
+                                    <p:set>
+                                      <p:cBhvr>
+                                        <p:cTn id="6" dur="1" fill="hold">
+                                          <p:stCondLst>
+                                            <p:cond delay="0"/>
+                                          </p:stCondLst>
+                                        </p:cTn>
+                                        <p:tgtEl>
+                                          <p:spTgt spid="3">
+                                            <p:txEl>
+                                              <p:pRg st="0" end="0"/>
+                                            </p:txEl>
+                                          </p:spTgt>
+                                        </p:tgtEl>
+                                        <p:attrNameLst>
+                                          <p:attrName>style.visibility</p:attrName>
+                                        </p:attrNameLst>
+                                      </p:cBhvr>
+                                      <p:to>
+                                        <p:strVal val="visible"/>
+                                      </p:to>
+                                    </p:set>
+                                  </p:childTnLst>
+                                </p:cTn>
+                              </p:par>
+                            </p:childTnLst>
+                          </p:cTn>
+                        </p:par>
+                      </p:childTnLst>
+                    </p:cTn>
+                  </p:par>
+                  <p:par>
+                    <p:cTn id="7" fill="hold">
+                      <p:stCondLst>
+                        <p:cond delay="indefinite"/>
+                      </p:stCondLst>
+                      <p:childTnLst>
+                        <p:par>
+                          <p:cTn id="8" fill="hold">
+                            <p:stCondLst>
+                              <p:cond delay="0"/>
+                            </p:stCondLst>
+                            <p:childTnLst>
+                              <p:par>
+                                <p:cTn id="9" presetID="1" presetClass="entr" presetSubtype="0" fill="hold" grpId="0" nodeType="clickEffect">
+                                  <p:stCondLst>
+                                    <p:cond delay="0"/>
+                                  </p:stCondLst>
+                                  <p:childTnLst>
+                                    <p:set>
+                                      <p:cBhvr>
+                                        <p:cTn id="10" dur="1" fill="hold">
+                                          <p:stCondLst>
+                                            <p:cond delay="0"/>
+                                          </p:stCondLst>
+                                        </p:cTn>
+                                        <p:tgtEl>
+                                          <p:spTgt spid="3">
+                                            <p:txEl>
+                                              <p:pRg st="1" end="1"/>
+                                            </p:txEl>
+                                          </p:spTgt>
+                                        </p:tgtEl>
+                                        <p:attrNameLst>
+                                          <p:attrName>style.visibility</p:attrName>
+                                        </p:attrNameLst>
+                                      </p:cBhvr>
+                                      <p:to>
+                                        <p:strVal val="visible"/>
+                                      </p:to>
+                                    </p:set>
+                                  </p:childTnLst>
+                                </p:cTn>
+                              </p:par>
+                            </p:childTnLst>
+                          </p:cTn>
+                        </p:par>
+                      </p:childTnLst>
+                    </p:cTn>
+                  </p:par>
+                  <p:par>
+                    <p:cTn id="11" fill="hold">
+                      <p:stCondLst>
+                        <p:cond delay="indefinite"/>
+                      </p:stCondLst>
+                      <p:childTnLst>
+                        <p:par>
+                          <p:cTn id="12" fill="hold">
+                            <p:stCondLst>
+                              <p:cond delay="0"/>
+                            </p:stCondLst>
+                            <p:childTnLst>
+                              <p:par>
+                                <p:cTn id="13" presetID="1" presetClass="entr" presetSubtype="0" fill="hold" grpId="0" nodeType="clickEffect">
+                                  <p:stCondLst>
+                                    <p:cond delay="0"/>
+                                  </p:stCondLst>
+                                  <p:childTnLst>
+                                    <p:set>
+                                      <p:cBhvr>
+                                        <p:cTn id="14" dur="1" fill="hold">
+                                          <p:stCondLst>
+                                            <p:cond delay="0"/>
+                                          </p:stCondLst>
+                                        </p:cTn>
+                                        <p:tgtEl>
+                                          <p:spTgt spid="3">
+                                            <p:txEl>
+                                              <p:pRg st="2" end="2"/>
+                                            </p:txEl>
+                                          </p:spTgt>
+                                        </p:tgtEl>
+                                        <p:attrNameLst>
+                                          <p:attrName>style.visibility</p:attrName>
+                                        </p:attrNameLst>
+                                      </p:cBhvr>
+                                      <p:to>
+                                        <p:strVal val="visible"/>
+                                      </p:to>
+                                    </p:set>
+                                  </p:childTnLst>
+                                </p:cTn>
+                              </p:par>
+                            </p:childTnLst>
+                          </p:cTn>
+                        </p:par>
+                      </p:childTnLst>
+                    </p:cTn>
+                  </p:par>
+                  <p:par>
+                    <p:cTn id="15" fill="hold">
+                      <p:stCondLst>
+                        <p:cond delay="indefinite"/>
+                      </p:stCondLst>
+                      <p:childTnLst>
+                        <p:par>
+                          <p:cTn id="16" fill="hold">
+                            <p:stCondLst>
+                              <p:cond delay="0"/>
+                            </p:stCondLst>
+                            <p:childTnLst>
+                              <p:par>
+                                <p:cTn id="17" presetID="1" presetClass="entr" presetSubtype="0" fill="hold" grpId="0" nodeType="clickEffect">
+                                  <p:stCondLst>
+                                    <p:cond delay="0"/>
+                                  </p:stCondLst>
+                                  <p:childTnLst>
+                                    <p:set>
+                                      <p:cBhvr>
+                                        <p:cTn id="18" dur="1" fill="hold">
+                                          <p:stCondLst>
+                                            <p:cond delay="0"/>
+                                          </p:stCondLst>
+                                        </p:cTn>
+                                        <p:tgtEl>
+                                          <p:spTgt spid="3">
+                                            <p:txEl>
+                                              <p:pRg st="4" end="4"/>
+                                            </p:txEl>
+                                          </p:spTgt>
+                                        </p:tgtEl>
+                                        <p:attrNameLst>
+                                          <p:attrName>style.visibility</p:attrName>
+                                        </p:attrNameLst>
+                                      </p:cBhvr>
+                                      <p:to>
+                                        <p:strVal val="visible"/>
+                                      </p:to>
+                                    </p:set>
+                                  </p:childTnLst>
+                                </p:cTn>
+                              </p:par>
+                            </p:childTnLst>
+                          </p:cTn>
+                        </p:par>
+                      </p:childTnLst>
+                    </p:cTn>
+                  </p:par>
+                </p:childTnLst>
+              </p:cTn>
+              <p:prevCondLst>
+                <p:cond evt="onPrev" delay="0">
+                  <p:tgtEl>
+                    <p:sldTgt/>
+                  </p:tgtEl>
+                </p:cond>
+              </p:prevCondLst>
+              <p:nextCondLst>
+                <p:cond evt="onNext" delay="0">
+                  <p:tgtEl>
+                    <p:sldTgt/>
+                  </p:tgtEl>
+                </p:cond>
+              </p:nextCondLst>
+            </p:seq>
+          </p:childTnLst>
+        </p:cTn>
+      </p:par>
+    </p:tnLst>
+    <p:bldLst>
+      <p:bldP spid="3" grpId="0" build="p"/>
+    </p:bldLst>
+  </p:timing>
+</p:sld>
+</file>
+
+<file path=ppt/slides/slide17.xml><?xml version="1.0" encoding="utf-8"?>
+<p:sld xmlns:a="http://schemas.openxmlformats.org/drawingml/2006/main" xmlns:r="http://schemas.openxmlformats.org/officeDocument/2006/relationships" xmlns:p="http://schemas.openxmlformats.org/presentationml/2006/main">
+  <p:cSld>
+    <p:spTree>
+      <p:nvGrpSpPr>
+        <p:cNvPr id="1" name=""/>
+        <p:cNvGrpSpPr/>
+        <p:nvPr/>
+      </p:nvGrpSpPr>
+      <p:grpSpPr>
+        <a:xfrm>
+          <a:off x="0" y="0"/>
+          <a:ext cx="0" cy="0"/>
+          <a:chOff x="0" y="0"/>
+          <a:chExt cx="0" cy="0"/>
+        </a:xfrm>
+      </p:grpSpPr>
+      <p:sp>
+        <p:nvSpPr>
+          <p:cNvPr id="2" name="Title 1"/>
+          <p:cNvSpPr>
+            <a:spLocks noGrp="1"/>
+          </p:cNvSpPr>
+          <p:nvPr>
+            <p:ph type="title"/>
+          </p:nvPr>
+        </p:nvSpPr>
+        <p:spPr/>
+        <p:txBody>
+          <a:bodyPr/>
+          <a:lstStyle/>
+          <a:p>
+            <a:r>
+              <a:rPr lang="en-US" b="1" dirty="0" smtClean="0"/>
+              <a:t>Complements</a:t>
+            </a:r>
+            <a:endParaRPr lang="en-US" b="1" dirty="0"/>
+          </a:p>
+        </p:txBody>
+      </p:sp>
+      <mc:AlternateContent xmlns:mc="http://schemas.openxmlformats.org/markup-compatibility/2006" xmlns:a14="http://schemas.microsoft.com/office/drawing/2010/main">
+        <mc:Choice Requires="a14">
+          <p:sp>
+            <p:nvSpPr>
+              <p:cNvPr id="3" name="Content Placeholder 2"/>
+              <p:cNvSpPr>
+                <a:spLocks noGrp="1"/>
+              </p:cNvSpPr>
+              <p:nvPr>
+                <p:ph idx="1"/>
+              </p:nvPr>
+            </p:nvSpPr>
+            <p:spPr/>
+            <p:txBody>
+              <a:bodyPr/>
+              <a:lstStyle/>
+              <a:p>
+                <a:r>
+                  <a:rPr lang="en-US" dirty="0" smtClean="0"/>
+                  <a:t>Goods </a:t>
+                </a:r>
+                <a14:m>
+                  <m:oMath xmlns:m="http://schemas.openxmlformats.org/officeDocument/2006/math">
+                    <m:r>
+                      <a:rPr lang="en-US" i="1" dirty="0">
+                        <a:latin typeface="Cambria Math" charset="0"/>
+                      </a:rPr>
+                      <m:t>𝑋</m:t>
+                    </m:r>
+                  </m:oMath>
+                </a14:m>
+                <a:r>
+                  <a:rPr lang="en-US" dirty="0"/>
+                  <a:t> and </a:t>
+                </a:r>
+                <a14:m>
+                  <m:oMath xmlns:m="http://schemas.openxmlformats.org/officeDocument/2006/math">
+                    <m:r>
+                      <a:rPr lang="en-US" i="1" dirty="0">
+                        <a:latin typeface="Cambria Math" charset="0"/>
+                      </a:rPr>
+                      <m:t>𝑌</m:t>
+                    </m:r>
+                  </m:oMath>
+                </a14:m>
+                <a:r>
+                  <a:rPr lang="en-US" dirty="0"/>
+                  <a:t> </a:t>
+                </a:r>
+                <a:r>
+                  <a:rPr lang="en-US" dirty="0" smtClean="0"/>
+                  <a:t>are </a:t>
+                </a:r>
+                <a:r>
+                  <a:rPr lang="en-US" b="1" dirty="0" smtClean="0"/>
+                  <a:t>complements</a:t>
+                </a:r>
+              </a:p>
+              <a:p>
+                <a:r>
+                  <a:rPr lang="en-US" dirty="0" smtClean="0"/>
+                  <a:t>if an </a:t>
+                </a:r>
+                <a:r>
+                  <a:rPr lang="en-US" b="1" dirty="0" smtClean="0"/>
+                  <a:t>increase</a:t>
+                </a:r>
+                <a:r>
+                  <a:rPr lang="en-US" dirty="0" smtClean="0"/>
+                  <a:t> in the price of </a:t>
+                </a:r>
+                <a14:m>
+                  <m:oMath xmlns:m="http://schemas.openxmlformats.org/officeDocument/2006/math">
+                    <m:r>
+                      <a:rPr lang="en-US" i="1" dirty="0">
+                        <a:latin typeface="Cambria Math" charset="0"/>
+                      </a:rPr>
+                      <m:t>𝑌</m:t>
+                    </m:r>
+                  </m:oMath>
+                </a14:m>
+                <a:endParaRPr lang="en-US" dirty="0" smtClean="0"/>
+              </a:p>
+              <a:p>
+                <a:r>
+                  <a:rPr lang="en-US" dirty="0" smtClean="0"/>
+                  <a:t>causes a </a:t>
+                </a:r>
+                <a:r>
+                  <a:rPr lang="en-US" b="1" dirty="0" smtClean="0"/>
+                  <a:t>decrease</a:t>
+                </a:r>
+                <a:r>
+                  <a:rPr lang="en-US" dirty="0" smtClean="0"/>
+                  <a:t> in the demand for good </a:t>
+                </a:r>
+                <a14:m>
+                  <m:oMath xmlns:m="http://schemas.openxmlformats.org/officeDocument/2006/math">
+                    <m:r>
+                      <a:rPr lang="en-US" i="1" dirty="0">
+                        <a:latin typeface="Cambria Math" charset="0"/>
+                      </a:rPr>
+                      <m:t>𝑋</m:t>
+                    </m:r>
+                    <m:r>
+                      <a:rPr lang="en-US" i="1" dirty="0">
+                        <a:latin typeface="Cambria Math" charset="0"/>
+                      </a:rPr>
+                      <m:t> </m:t>
+                    </m:r>
+                  </m:oMath>
+                </a14:m>
+                <a:r>
+                  <a:rPr lang="en-US" dirty="0" smtClean="0"/>
+                  <a:t>:</a:t>
+                </a:r>
+              </a:p>
+              <a:p>
+                <a:endParaRPr lang="en-US" dirty="0"/>
+              </a:p>
+              <a:p>
+                <a:pPr algn="ctr"/>
+                <a14:m>
+                  <m:oMathPara xmlns:m="http://schemas.openxmlformats.org/officeDocument/2006/math">
+                    <m:oMathParaPr>
+                      <m:jc m:val="centerGroup"/>
+                    </m:oMathParaPr>
+                    <m:oMath xmlns:m="http://schemas.openxmlformats.org/officeDocument/2006/math">
+                      <m:f>
+                        <m:fPr>
+                          <m:ctrlPr>
+                            <a:rPr lang="en-US" sz="7200" i="1" smtClean="0">
+                              <a:solidFill>
+                                <a:schemeClr val="tx1"/>
+                              </a:solidFill>
+                              <a:latin typeface="Cambria Math" charset="0"/>
+                            </a:rPr>
+                          </m:ctrlPr>
+                        </m:fPr>
+                        <m:num>
+                          <m:r>
+                            <a:rPr lang="en-US" sz="7200" i="1" smtClean="0">
+                              <a:solidFill>
+                                <a:schemeClr val="accent5"/>
+                              </a:solidFill>
+                              <a:latin typeface="Cambria Math" charset="0"/>
+                            </a:rPr>
+                            <m:t>𝜕</m:t>
+                          </m:r>
+                          <m:sSubSup>
+                            <m:sSubSupPr>
+                              <m:ctrlPr>
+                                <a:rPr lang="en-US" sz="7200" i="1">
+                                  <a:solidFill>
+                                    <a:schemeClr val="accent5"/>
+                                  </a:solidFill>
+                                  <a:latin typeface="Cambria Math" charset="0"/>
+                                </a:rPr>
+                              </m:ctrlPr>
+                            </m:sSubSupPr>
+                            <m:e>
+                              <m:r>
+                                <a:rPr lang="en-US" sz="7200" i="1">
+                                  <a:solidFill>
+                                    <a:schemeClr val="accent5"/>
+                                  </a:solidFill>
+                                  <a:latin typeface="Cambria Math" charset="0"/>
+                                </a:rPr>
+                                <m:t>𝑄</m:t>
+                              </m:r>
+                            </m:e>
+                            <m:sub>
+                              <m:r>
+                                <a:rPr lang="en-US" sz="7200" i="1">
+                                  <a:solidFill>
+                                    <a:schemeClr val="accent5"/>
+                                  </a:solidFill>
+                                  <a:latin typeface="Cambria Math" charset="0"/>
+                                </a:rPr>
+                                <m:t>𝑋</m:t>
+                              </m:r>
+                            </m:sub>
+                            <m:sup>
+                              <m:r>
+                                <a:rPr lang="en-US" sz="7200" i="1">
+                                  <a:solidFill>
+                                    <a:schemeClr val="accent5"/>
+                                  </a:solidFill>
+                                  <a:latin typeface="Cambria Math" charset="0"/>
+                                </a:rPr>
+                                <m:t>𝐷</m:t>
+                              </m:r>
+                            </m:sup>
+                          </m:sSubSup>
+                          <m:r>
+                            <a:rPr lang="en-US" sz="7200" i="1">
+                              <a:solidFill>
+                                <a:schemeClr val="tx1"/>
+                              </a:solidFill>
+                              <a:latin typeface="Cambria Math" charset="0"/>
+                            </a:rPr>
+                            <m:t>(</m:t>
+                          </m:r>
+                          <m:sSub>
+                            <m:sSubPr>
+                              <m:ctrlPr>
+                                <a:rPr lang="en-US" sz="7200" i="1">
+                                  <a:solidFill>
+                                    <a:schemeClr val="tx1"/>
+                                  </a:solidFill>
+                                  <a:latin typeface="Cambria Math" charset="0"/>
+                                </a:rPr>
+                              </m:ctrlPr>
+                            </m:sSubPr>
+                            <m:e>
+                              <m:r>
+                                <a:rPr lang="en-US" sz="7200" i="1">
+                                  <a:solidFill>
+                                    <a:schemeClr val="tx1"/>
+                                  </a:solidFill>
+                                  <a:latin typeface="Cambria Math" charset="0"/>
+                                </a:rPr>
+                                <m:t>𝑃</m:t>
+                              </m:r>
+                            </m:e>
+                            <m:sub>
+                              <m:r>
+                                <a:rPr lang="en-US" sz="7200" i="1">
+                                  <a:solidFill>
+                                    <a:schemeClr val="tx1"/>
+                                  </a:solidFill>
+                                  <a:latin typeface="Cambria Math" charset="0"/>
+                                </a:rPr>
+                                <m:t>𝑋</m:t>
+                              </m:r>
+                            </m:sub>
+                          </m:sSub>
+                          <m:r>
+                            <a:rPr lang="en-US" sz="7200" b="0" i="1" smtClean="0">
+                              <a:solidFill>
+                                <a:schemeClr val="tx1"/>
+                              </a:solidFill>
+                              <a:latin typeface="Cambria Math" charset="0"/>
+                            </a:rPr>
+                            <m:t>,</m:t>
+                          </m:r>
+                          <m:sSub>
+                            <m:sSubPr>
+                              <m:ctrlPr>
+                                <a:rPr lang="en-US" sz="7200" i="1" smtClean="0">
+                                  <a:solidFill>
+                                    <a:schemeClr val="bg1">
+                                      <a:lumMod val="50000"/>
+                                    </a:schemeClr>
+                                  </a:solidFill>
+                                  <a:latin typeface="Cambria Math" charset="0"/>
+                                </a:rPr>
+                              </m:ctrlPr>
+                            </m:sSubPr>
+                            <m:e>
+                              <m:r>
+                                <a:rPr lang="en-US" sz="7200" i="1">
+                                  <a:solidFill>
+                                    <a:schemeClr val="bg1">
+                                      <a:lumMod val="50000"/>
+                                    </a:schemeClr>
+                                  </a:solidFill>
+                                  <a:latin typeface="Cambria Math" charset="0"/>
+                                </a:rPr>
+                                <m:t>𝑃</m:t>
+                              </m:r>
+                            </m:e>
+                            <m:sub>
+                              <m:r>
+                                <a:rPr lang="en-US" sz="7200" i="1">
+                                  <a:solidFill>
+                                    <a:schemeClr val="bg1">
+                                      <a:lumMod val="50000"/>
+                                    </a:schemeClr>
+                                  </a:solidFill>
+                                  <a:latin typeface="Cambria Math" charset="0"/>
+                                </a:rPr>
+                                <m:t>𝑌</m:t>
+                              </m:r>
+                            </m:sub>
+                          </m:sSub>
+                          <m:r>
+                            <a:rPr lang="en-US" sz="7200" i="1">
+                              <a:solidFill>
+                                <a:schemeClr val="bg1">
+                                  <a:lumMod val="50000"/>
+                                </a:schemeClr>
+                              </a:solidFill>
+                              <a:latin typeface="Cambria Math" charset="0"/>
+                            </a:rPr>
+                            <m:t>,</m:t>
+                          </m:r>
+                          <m:r>
+                            <a:rPr lang="en-US" sz="7200" i="1">
+                              <a:solidFill>
+                                <a:schemeClr val="bg1">
+                                  <a:lumMod val="50000"/>
+                                </a:schemeClr>
+                              </a:solidFill>
+                              <a:latin typeface="Cambria Math" charset="0"/>
+                            </a:rPr>
+                            <m:t>𝐼</m:t>
+                          </m:r>
+                          <m:r>
+                            <a:rPr lang="en-US" sz="7200" i="1">
+                              <a:solidFill>
+                                <a:schemeClr val="bg1">
+                                  <a:lumMod val="50000"/>
+                                </a:schemeClr>
+                              </a:solidFill>
+                              <a:latin typeface="Cambria Math" charset="0"/>
+                            </a:rPr>
+                            <m:t>,…)</m:t>
+                          </m:r>
+                        </m:num>
+                        <m:den>
+                          <m:r>
+                            <a:rPr lang="en-US" sz="7200" i="1" smtClean="0">
+                              <a:solidFill>
+                                <a:schemeClr val="bg1">
+                                  <a:lumMod val="50000"/>
+                                </a:schemeClr>
+                              </a:solidFill>
+                              <a:latin typeface="Cambria Math" charset="0"/>
+                            </a:rPr>
+                            <m:t>𝜕</m:t>
+                          </m:r>
+                          <m:sSub>
+                            <m:sSubPr>
+                              <m:ctrlPr>
+                                <a:rPr lang="en-US" sz="7200" i="1">
+                                  <a:solidFill>
+                                    <a:schemeClr val="bg1">
+                                      <a:lumMod val="50000"/>
+                                    </a:schemeClr>
+                                  </a:solidFill>
+                                  <a:latin typeface="Cambria Math" charset="0"/>
+                                </a:rPr>
+                              </m:ctrlPr>
+                            </m:sSubPr>
+                            <m:e>
+                              <m:r>
+                                <a:rPr lang="en-US" sz="7200" i="1">
+                                  <a:solidFill>
+                                    <a:schemeClr val="bg1">
+                                      <a:lumMod val="50000"/>
+                                    </a:schemeClr>
+                                  </a:solidFill>
+                                  <a:latin typeface="Cambria Math" charset="0"/>
+                                </a:rPr>
+                                <m:t>𝑃</m:t>
+                              </m:r>
+                            </m:e>
+                            <m:sub>
+                              <m:r>
+                                <a:rPr lang="en-US" sz="7200" i="1">
+                                  <a:solidFill>
+                                    <a:schemeClr val="bg1">
+                                      <a:lumMod val="50000"/>
+                                    </a:schemeClr>
+                                  </a:solidFill>
+                                  <a:latin typeface="Cambria Math" charset="0"/>
+                                </a:rPr>
+                                <m:t>𝑌</m:t>
+                              </m:r>
+                            </m:sub>
+                          </m:sSub>
+                        </m:den>
+                      </m:f>
+                      <m:r>
+                        <a:rPr lang="en-US" sz="7200" b="0" i="1" smtClean="0">
+                          <a:solidFill>
+                            <a:schemeClr val="tx1"/>
+                          </a:solidFill>
+                          <a:latin typeface="Cambria Math" charset="0"/>
+                        </a:rPr>
+                        <m:t>&lt;0</m:t>
+                      </m:r>
+                    </m:oMath>
+                  </m:oMathPara>
+                </a14:m>
+                <a:endParaRPr lang="en-US" sz="7200" dirty="0"/>
+              </a:p>
+            </p:txBody>
+          </p:sp>
+        </mc:Choice>
+        <mc:Fallback xmlns="">
+          <p:sp>
+            <p:nvSpPr>
+              <p:cNvPr id="3" name="Content Placeholder 2"/>
+              <p:cNvSpPr>
+                <a:spLocks noGrp="1" noRot="1" noChangeAspect="1" noMove="1" noResize="1" noEditPoints="1" noAdjustHandles="1" noChangeArrowheads="1" noChangeShapeType="1" noTextEdit="1"/>
+              </p:cNvSpPr>
+              <p:nvPr>
+                <p:ph idx="1"/>
+              </p:nvPr>
+            </p:nvSpPr>
+            <p:spPr>
+              <a:blipFill rotWithShape="0">
+                <a:blip r:embed="rId2"/>
+                <a:stretch>
+                  <a:fillRect l="-1217" t="-2381"/>
+                </a:stretch>
+              </a:blipFill>
+            </p:spPr>
+            <p:txBody>
+              <a:bodyPr/>
+              <a:lstStyle/>
+              <a:p>
+                <a:r>
+                  <a:rPr lang="en-US">
+                    <a:noFill/>
+                  </a:rPr>
+                  <a:t> </a:t>
+                </a:r>
+              </a:p>
+            </p:txBody>
+          </p:sp>
+        </mc:Fallback>
+      </mc:AlternateContent>
+    </p:spTree>
+    <p:extLst>
+      <p:ext uri="{BB962C8B-B14F-4D97-AF65-F5344CB8AC3E}">
+        <p14:creationId xmlns:p14="http://schemas.microsoft.com/office/powerpoint/2010/main" val="1700198495"/>
+      </p:ext>
+    </p:extLst>
+  </p:cSld>
+  <p:clrMapOvr>
+    <a:masterClrMapping/>
+  </p:clrMapOvr>
+  <p:timing>
+    <p:tnLst>
+      <p:par>
+        <p:cTn id="1" dur="indefinite" restart="never" nodeType="tmRoot">
+          <p:childTnLst>
+            <p:seq concurrent="1" nextAc="seek">
+              <p:cTn id="2" dur="indefinite" nodeType="mainSeq">
+                <p:childTnLst>
+                  <p:par>
+                    <p:cTn id="3" fill="hold">
+                      <p:stCondLst>
+                        <p:cond delay="indefinite"/>
+                      </p:stCondLst>
+                      <p:childTnLst>
+                        <p:par>
+                          <p:cTn id="4" fill="hold">
+                            <p:stCondLst>
+                              <p:cond delay="0"/>
+                            </p:stCondLst>
+                            <p:childTnLst>
+                              <p:par>
+                                <p:cTn id="5" presetID="1" presetClass="entr" presetSubtype="0" fill="hold" grpId="0" nodeType="clickEffect">
+                                  <p:stCondLst>
+                                    <p:cond delay="0"/>
+                                  </p:stCondLst>
+                                  <p:childTnLst>
+                                    <p:set>
+                                      <p:cBhvr>
+                                        <p:cTn id="6" dur="1" fill="hold">
+                                          <p:stCondLst>
+                                            <p:cond delay="0"/>
+                                          </p:stCondLst>
+                                        </p:cTn>
+                                        <p:tgtEl>
+                                          <p:spTgt spid="3">
+                                            <p:txEl>
+                                              <p:pRg st="0" end="0"/>
+                                            </p:txEl>
+                                          </p:spTgt>
+                                        </p:tgtEl>
+                                        <p:attrNameLst>
+                                          <p:attrName>style.visibility</p:attrName>
+                                        </p:attrNameLst>
+                                      </p:cBhvr>
+                                      <p:to>
+                                        <p:strVal val="visible"/>
+                                      </p:to>
+                                    </p:set>
+                                  </p:childTnLst>
+                                </p:cTn>
+                              </p:par>
+                            </p:childTnLst>
+                          </p:cTn>
+                        </p:par>
+                      </p:childTnLst>
+                    </p:cTn>
+                  </p:par>
+                  <p:par>
+                    <p:cTn id="7" fill="hold">
+                      <p:stCondLst>
+                        <p:cond delay="indefinite"/>
+                      </p:stCondLst>
+                      <p:childTnLst>
+                        <p:par>
+                          <p:cTn id="8" fill="hold">
+                            <p:stCondLst>
+                              <p:cond delay="0"/>
+                            </p:stCondLst>
+                            <p:childTnLst>
+                              <p:par>
+                                <p:cTn id="9" presetID="1" presetClass="entr" presetSubtype="0" fill="hold" grpId="0" nodeType="clickEffect">
+                                  <p:stCondLst>
+                                    <p:cond delay="0"/>
+                                  </p:stCondLst>
+                                  <p:childTnLst>
+                                    <p:set>
+                                      <p:cBhvr>
+                                        <p:cTn id="10" dur="1" fill="hold">
+                                          <p:stCondLst>
+                                            <p:cond delay="0"/>
+                                          </p:stCondLst>
+                                        </p:cTn>
+                                        <p:tgtEl>
+                                          <p:spTgt spid="3">
+                                            <p:txEl>
+                                              <p:pRg st="1" end="1"/>
+                                            </p:txEl>
+                                          </p:spTgt>
+                                        </p:tgtEl>
+                                        <p:attrNameLst>
+                                          <p:attrName>style.visibility</p:attrName>
+                                        </p:attrNameLst>
+                                      </p:cBhvr>
+                                      <p:to>
+                                        <p:strVal val="visible"/>
+                                      </p:to>
+                                    </p:set>
+                                  </p:childTnLst>
+                                </p:cTn>
+                              </p:par>
+                            </p:childTnLst>
+                          </p:cTn>
+                        </p:par>
+                      </p:childTnLst>
+                    </p:cTn>
+                  </p:par>
+                  <p:par>
+                    <p:cTn id="11" fill="hold">
+                      <p:stCondLst>
+                        <p:cond delay="indefinite"/>
+                      </p:stCondLst>
+                      <p:childTnLst>
+                        <p:par>
+                          <p:cTn id="12" fill="hold">
+                            <p:stCondLst>
+                              <p:cond delay="0"/>
+                            </p:stCondLst>
+                            <p:childTnLst>
+                              <p:par>
+                                <p:cTn id="13" presetID="1" presetClass="entr" presetSubtype="0" fill="hold" grpId="0" nodeType="clickEffect">
+                                  <p:stCondLst>
+                                    <p:cond delay="0"/>
+                                  </p:stCondLst>
+                                  <p:childTnLst>
+                                    <p:set>
+                                      <p:cBhvr>
+                                        <p:cTn id="14" dur="1" fill="hold">
+                                          <p:stCondLst>
+                                            <p:cond delay="0"/>
+                                          </p:stCondLst>
+                                        </p:cTn>
+                                        <p:tgtEl>
+                                          <p:spTgt spid="3">
+                                            <p:txEl>
+                                              <p:pRg st="2" end="2"/>
+                                            </p:txEl>
+                                          </p:spTgt>
+                                        </p:tgtEl>
+                                        <p:attrNameLst>
+                                          <p:attrName>style.visibility</p:attrName>
+                                        </p:attrNameLst>
+                                      </p:cBhvr>
+                                      <p:to>
+                                        <p:strVal val="visible"/>
+                                      </p:to>
+                                    </p:set>
+                                  </p:childTnLst>
+                                </p:cTn>
+                              </p:par>
+                            </p:childTnLst>
+                          </p:cTn>
+                        </p:par>
+                      </p:childTnLst>
+                    </p:cTn>
+                  </p:par>
+                  <p:par>
+                    <p:cTn id="15" fill="hold">
+                      <p:stCondLst>
+                        <p:cond delay="indefinite"/>
+                      </p:stCondLst>
+                      <p:childTnLst>
+                        <p:par>
+                          <p:cTn id="16" fill="hold">
+                            <p:stCondLst>
+                              <p:cond delay="0"/>
+                            </p:stCondLst>
+                            <p:childTnLst>
+                              <p:par>
+                                <p:cTn id="17" presetID="1" presetClass="entr" presetSubtype="0" fill="hold" grpId="0" nodeType="clickEffect">
+                                  <p:stCondLst>
+                                    <p:cond delay="0"/>
+                                  </p:stCondLst>
+                                  <p:childTnLst>
+                                    <p:set>
+                                      <p:cBhvr>
+                                        <p:cTn id="18" dur="1" fill="hold">
+                                          <p:stCondLst>
+                                            <p:cond delay="0"/>
+                                          </p:stCondLst>
+                                        </p:cTn>
+                                        <p:tgtEl>
+                                          <p:spTgt spid="3">
+                                            <p:txEl>
+                                              <p:pRg st="4" end="4"/>
+                                            </p:txEl>
+                                          </p:spTgt>
+                                        </p:tgtEl>
+                                        <p:attrNameLst>
+                                          <p:attrName>style.visibility</p:attrName>
+                                        </p:attrNameLst>
+                                      </p:cBhvr>
+                                      <p:to>
+                                        <p:strVal val="visible"/>
+                                      </p:to>
+                                    </p:set>
+                                  </p:childTnLst>
+                                </p:cTn>
+                              </p:par>
+                            </p:childTnLst>
+                          </p:cTn>
+                        </p:par>
+                      </p:childTnLst>
+                    </p:cTn>
+                  </p:par>
+                </p:childTnLst>
+              </p:cTn>
+              <p:prevCondLst>
+                <p:cond evt="onPrev" delay="0">
+                  <p:tgtEl>
+                    <p:sldTgt/>
+                  </p:tgtEl>
+                </p:cond>
+              </p:prevCondLst>
+              <p:nextCondLst>
+                <p:cond evt="onNext" delay="0">
+                  <p:tgtEl>
+                    <p:sldTgt/>
+                  </p:tgtEl>
+                </p:cond>
+              </p:nextCondLst>
+            </p:seq>
+          </p:childTnLst>
+        </p:cTn>
+      </p:par>
+    </p:tnLst>
+    <p:bldLst>
+      <p:bldP spid="3" grpId="0" build="p"/>
+    </p:bldLst>
+  </p:timing>
+</p:sld>
+</file>
+
+<file path=ppt/slides/slide18.xml><?xml version="1.0" encoding="utf-8"?>
+<p:sld xmlns:a="http://schemas.openxmlformats.org/drawingml/2006/main" xmlns:r="http://schemas.openxmlformats.org/officeDocument/2006/relationships" xmlns:p="http://schemas.openxmlformats.org/presentationml/2006/main">
+  <p:cSld>
+    <p:spTree>
+      <p:nvGrpSpPr>
+        <p:cNvPr id="1" name=""/>
+        <p:cNvGrpSpPr/>
+        <p:nvPr/>
+      </p:nvGrpSpPr>
+      <p:grpSpPr>
+        <a:xfrm>
+          <a:off x="0" y="0"/>
+          <a:ext cx="0" cy="0"/>
+          <a:chOff x="0" y="0"/>
+          <a:chExt cx="0" cy="0"/>
+        </a:xfrm>
+      </p:grpSpPr>
+      <p:sp>
+        <p:nvSpPr>
+          <p:cNvPr id="2" name="Title 1"/>
+          <p:cNvSpPr>
+            <a:spLocks noGrp="1"/>
+          </p:cNvSpPr>
+          <p:nvPr>
+            <p:ph type="title"/>
+          </p:nvPr>
+        </p:nvSpPr>
+        <p:spPr/>
+        <p:txBody>
+          <a:bodyPr/>
+          <a:lstStyle/>
+          <a:p>
+            <a:r>
+              <a:rPr lang="en-US" b="1" dirty="0" smtClean="0"/>
+              <a:t>Normal goods</a:t>
+            </a:r>
+            <a:endParaRPr lang="en-US" b="1" dirty="0"/>
+          </a:p>
+        </p:txBody>
+      </p:sp>
+      <mc:AlternateContent xmlns:mc="http://schemas.openxmlformats.org/markup-compatibility/2006" xmlns:a14="http://schemas.microsoft.com/office/drawing/2010/main">
+        <mc:Choice Requires="a14">
+          <p:sp>
+            <p:nvSpPr>
+              <p:cNvPr id="3" name="Content Placeholder 2"/>
+              <p:cNvSpPr>
+                <a:spLocks noGrp="1"/>
+              </p:cNvSpPr>
+              <p:nvPr>
+                <p:ph idx="1"/>
+              </p:nvPr>
+            </p:nvSpPr>
+            <p:spPr/>
+            <p:txBody>
+              <a:bodyPr/>
+              <a:lstStyle/>
+              <a:p>
+                <a:r>
+                  <a:rPr lang="en-US" dirty="0" smtClean="0"/>
+                  <a:t>Good </a:t>
+                </a:r>
+                <a14:m>
+                  <m:oMath xmlns:m="http://schemas.openxmlformats.org/officeDocument/2006/math">
+                    <m:r>
+                      <a:rPr lang="en-US" i="1" dirty="0">
+                        <a:latin typeface="Cambria Math" charset="0"/>
+                      </a:rPr>
+                      <m:t>𝑋</m:t>
+                    </m:r>
+                  </m:oMath>
+                </a14:m>
+                <a:r>
+                  <a:rPr lang="en-US" dirty="0"/>
+                  <a:t> </a:t>
+                </a:r>
+                <a:r>
+                  <a:rPr lang="en-US" dirty="0" smtClean="0"/>
+                  <a:t>is a </a:t>
+                </a:r>
+                <a:r>
+                  <a:rPr lang="en-US" b="1" dirty="0" smtClean="0"/>
+                  <a:t>normal good</a:t>
+                </a:r>
+              </a:p>
+              <a:p>
+                <a:r>
+                  <a:rPr lang="en-US" dirty="0" smtClean="0"/>
+                  <a:t>if an </a:t>
+                </a:r>
+                <a:r>
+                  <a:rPr lang="en-US" b="1" dirty="0" smtClean="0"/>
+                  <a:t>increase</a:t>
+                </a:r>
+                <a:r>
+                  <a:rPr lang="en-US" dirty="0" smtClean="0"/>
+                  <a:t> in income</a:t>
+                </a:r>
+              </a:p>
+              <a:p>
+                <a:r>
+                  <a:rPr lang="en-US" dirty="0" smtClean="0"/>
+                  <a:t>causes an </a:t>
+                </a:r>
+                <a:r>
+                  <a:rPr lang="en-US" b="1" dirty="0" smtClean="0"/>
+                  <a:t>increase </a:t>
+                </a:r>
+                <a:r>
+                  <a:rPr lang="en-US" dirty="0" smtClean="0"/>
+                  <a:t>in the demand for good </a:t>
+                </a:r>
+                <a14:m>
+                  <m:oMath xmlns:m="http://schemas.openxmlformats.org/officeDocument/2006/math">
+                    <m:r>
+                      <a:rPr lang="en-US" i="1" dirty="0">
+                        <a:latin typeface="Cambria Math" charset="0"/>
+                      </a:rPr>
+                      <m:t>𝑋</m:t>
+                    </m:r>
+                    <m:r>
+                      <a:rPr lang="en-US" i="1" dirty="0">
+                        <a:latin typeface="Cambria Math" charset="0"/>
+                      </a:rPr>
+                      <m:t> </m:t>
+                    </m:r>
+                  </m:oMath>
+                </a14:m>
+                <a:r>
+                  <a:rPr lang="en-US" dirty="0" smtClean="0"/>
+                  <a:t>:</a:t>
+                </a:r>
+              </a:p>
+              <a:p>
+                <a:endParaRPr lang="en-US" dirty="0"/>
+              </a:p>
+              <a:p>
+                <a:pPr algn="ctr"/>
+                <a14:m>
+                  <m:oMathPara xmlns:m="http://schemas.openxmlformats.org/officeDocument/2006/math">
+                    <m:oMathParaPr>
+                      <m:jc m:val="centerGroup"/>
+                    </m:oMathParaPr>
+                    <m:oMath xmlns:m="http://schemas.openxmlformats.org/officeDocument/2006/math">
+                      <m:f>
+                        <m:fPr>
+                          <m:ctrlPr>
+                            <a:rPr lang="en-US" sz="7200" i="1" smtClean="0">
+                              <a:solidFill>
+                                <a:schemeClr val="tx1"/>
+                              </a:solidFill>
+                              <a:latin typeface="Cambria Math" charset="0"/>
+                            </a:rPr>
+                          </m:ctrlPr>
+                        </m:fPr>
+                        <m:num>
+                          <m:r>
+                            <a:rPr lang="en-US" sz="7200" i="1" smtClean="0">
+                              <a:solidFill>
+                                <a:schemeClr val="accent5"/>
+                              </a:solidFill>
+                              <a:latin typeface="Cambria Math" charset="0"/>
+                            </a:rPr>
+                            <m:t>𝜕</m:t>
+                          </m:r>
+                          <m:sSubSup>
+                            <m:sSubSupPr>
+                              <m:ctrlPr>
+                                <a:rPr lang="en-US" sz="7200" i="1">
+                                  <a:solidFill>
+                                    <a:schemeClr val="accent5"/>
+                                  </a:solidFill>
+                                  <a:latin typeface="Cambria Math" charset="0"/>
+                                </a:rPr>
+                              </m:ctrlPr>
+                            </m:sSubSupPr>
+                            <m:e>
+                              <m:r>
+                                <a:rPr lang="en-US" sz="7200" i="1">
+                                  <a:solidFill>
+                                    <a:schemeClr val="accent5"/>
+                                  </a:solidFill>
+                                  <a:latin typeface="Cambria Math" charset="0"/>
+                                </a:rPr>
+                                <m:t>𝑄</m:t>
+                              </m:r>
+                            </m:e>
+                            <m:sub>
+                              <m:r>
+                                <a:rPr lang="en-US" sz="7200" i="1">
+                                  <a:solidFill>
+                                    <a:schemeClr val="accent5"/>
+                                  </a:solidFill>
+                                  <a:latin typeface="Cambria Math" charset="0"/>
+                                </a:rPr>
+                                <m:t>𝑋</m:t>
+                              </m:r>
+                            </m:sub>
+                            <m:sup>
+                              <m:r>
+                                <a:rPr lang="en-US" sz="7200" i="1">
+                                  <a:solidFill>
+                                    <a:schemeClr val="accent5"/>
+                                  </a:solidFill>
+                                  <a:latin typeface="Cambria Math" charset="0"/>
+                                </a:rPr>
+                                <m:t>𝐷</m:t>
+                              </m:r>
+                            </m:sup>
+                          </m:sSubSup>
+                          <m:r>
+                            <a:rPr lang="en-US" sz="7200" i="1">
+                              <a:solidFill>
+                                <a:schemeClr val="tx1"/>
+                              </a:solidFill>
+                              <a:latin typeface="Cambria Math" charset="0"/>
+                            </a:rPr>
+                            <m:t>(</m:t>
+                          </m:r>
+                          <m:sSub>
+                            <m:sSubPr>
+                              <m:ctrlPr>
+                                <a:rPr lang="en-US" sz="7200" i="1">
+                                  <a:solidFill>
+                                    <a:schemeClr val="tx1"/>
+                                  </a:solidFill>
+                                  <a:latin typeface="Cambria Math" charset="0"/>
+                                </a:rPr>
+                              </m:ctrlPr>
+                            </m:sSubPr>
+                            <m:e>
+                              <m:r>
+                                <a:rPr lang="en-US" sz="7200" i="1">
+                                  <a:solidFill>
+                                    <a:schemeClr val="tx1"/>
+                                  </a:solidFill>
+                                  <a:latin typeface="Cambria Math" charset="0"/>
+                                </a:rPr>
+                                <m:t>𝑃</m:t>
+                              </m:r>
+                            </m:e>
+                            <m:sub>
+                              <m:r>
+                                <a:rPr lang="en-US" sz="7200" i="1">
+                                  <a:solidFill>
+                                    <a:schemeClr val="tx1"/>
+                                  </a:solidFill>
+                                  <a:latin typeface="Cambria Math" charset="0"/>
+                                </a:rPr>
+                                <m:t>𝑋</m:t>
+                              </m:r>
+                            </m:sub>
+                          </m:sSub>
+                          <m:r>
+                            <a:rPr lang="en-US" sz="7200" b="0" i="1" smtClean="0">
+                              <a:solidFill>
+                                <a:schemeClr val="tx1"/>
+                              </a:solidFill>
+                              <a:latin typeface="Cambria Math" charset="0"/>
+                            </a:rPr>
+                            <m:t>,</m:t>
+                          </m:r>
+                          <m:sSub>
+                            <m:sSubPr>
+                              <m:ctrlPr>
+                                <a:rPr lang="en-US" sz="7200" i="1" smtClean="0">
+                                  <a:solidFill>
+                                    <a:schemeClr val="bg1">
+                                      <a:lumMod val="50000"/>
+                                    </a:schemeClr>
+                                  </a:solidFill>
+                                  <a:latin typeface="Cambria Math" charset="0"/>
+                                </a:rPr>
+                              </m:ctrlPr>
+                            </m:sSubPr>
+                            <m:e>
+                              <m:r>
+                                <a:rPr lang="en-US" sz="7200" i="1">
+                                  <a:solidFill>
+                                    <a:schemeClr val="bg1">
+                                      <a:lumMod val="50000"/>
+                                    </a:schemeClr>
+                                  </a:solidFill>
+                                  <a:latin typeface="Cambria Math" charset="0"/>
+                                </a:rPr>
+                                <m:t>𝑃</m:t>
+                              </m:r>
+                            </m:e>
+                            <m:sub>
+                              <m:r>
+                                <a:rPr lang="en-US" sz="7200" i="1">
+                                  <a:solidFill>
+                                    <a:schemeClr val="bg1">
+                                      <a:lumMod val="50000"/>
+                                    </a:schemeClr>
+                                  </a:solidFill>
+                                  <a:latin typeface="Cambria Math" charset="0"/>
+                                </a:rPr>
+                                <m:t>𝑌</m:t>
+                              </m:r>
+                            </m:sub>
+                          </m:sSub>
+                          <m:r>
+                            <a:rPr lang="en-US" sz="7200" i="1">
+                              <a:solidFill>
+                                <a:schemeClr val="bg1">
+                                  <a:lumMod val="50000"/>
+                                </a:schemeClr>
+                              </a:solidFill>
+                              <a:latin typeface="Cambria Math" charset="0"/>
+                            </a:rPr>
+                            <m:t>,</m:t>
+                          </m:r>
+                          <m:r>
+                            <a:rPr lang="en-US" sz="7200" i="1">
+                              <a:solidFill>
+                                <a:schemeClr val="bg1">
+                                  <a:lumMod val="50000"/>
+                                </a:schemeClr>
+                              </a:solidFill>
+                              <a:latin typeface="Cambria Math" charset="0"/>
+                            </a:rPr>
+                            <m:t>𝐼</m:t>
+                          </m:r>
+                          <m:r>
+                            <a:rPr lang="en-US" sz="7200" i="1">
+                              <a:solidFill>
+                                <a:schemeClr val="bg1">
+                                  <a:lumMod val="50000"/>
+                                </a:schemeClr>
+                              </a:solidFill>
+                              <a:latin typeface="Cambria Math" charset="0"/>
+                            </a:rPr>
+                            <m:t>,…)</m:t>
+                          </m:r>
+                        </m:num>
+                        <m:den>
+                          <m:r>
+                            <a:rPr lang="en-US" sz="7200" i="1" smtClean="0">
+                              <a:solidFill>
+                                <a:schemeClr val="bg1">
+                                  <a:lumMod val="50000"/>
+                                </a:schemeClr>
+                              </a:solidFill>
+                              <a:latin typeface="Cambria Math" charset="0"/>
+                            </a:rPr>
+                            <m:t>𝜕</m:t>
+                          </m:r>
+                          <m:r>
+                            <a:rPr lang="en-US" sz="7200" b="0" i="1" smtClean="0">
+                              <a:solidFill>
+                                <a:schemeClr val="bg1">
+                                  <a:lumMod val="50000"/>
+                                </a:schemeClr>
+                              </a:solidFill>
+                              <a:latin typeface="Cambria Math" charset="0"/>
+                            </a:rPr>
+                            <m:t>𝐼</m:t>
+                          </m:r>
+                        </m:den>
+                      </m:f>
+                      <m:r>
+                        <a:rPr lang="en-US" sz="7200" b="0" i="1" smtClean="0">
+                          <a:solidFill>
+                            <a:schemeClr val="tx1"/>
+                          </a:solidFill>
+                          <a:latin typeface="Cambria Math" charset="0"/>
+                        </a:rPr>
+                        <m:t>&gt;0</m:t>
+                      </m:r>
+                    </m:oMath>
+                  </m:oMathPara>
+                </a14:m>
+                <a:endParaRPr lang="en-US" sz="7200" dirty="0"/>
+              </a:p>
+            </p:txBody>
+          </p:sp>
+        </mc:Choice>
+        <mc:Fallback xmlns="">
+          <p:sp>
+            <p:nvSpPr>
+              <p:cNvPr id="3" name="Content Placeholder 2"/>
+              <p:cNvSpPr>
+                <a:spLocks noGrp="1" noRot="1" noChangeAspect="1" noMove="1" noResize="1" noEditPoints="1" noAdjustHandles="1" noChangeArrowheads="1" noChangeShapeType="1" noTextEdit="1"/>
+              </p:cNvSpPr>
+              <p:nvPr>
+                <p:ph idx="1"/>
+              </p:nvPr>
+            </p:nvSpPr>
+            <p:spPr>
+              <a:blipFill rotWithShape="0">
+                <a:blip r:embed="rId2"/>
+                <a:stretch>
+                  <a:fillRect l="-1217" t="-2381"/>
+                </a:stretch>
+              </a:blipFill>
+            </p:spPr>
+            <p:txBody>
+              <a:bodyPr/>
+              <a:lstStyle/>
+              <a:p>
+                <a:r>
+                  <a:rPr lang="en-US">
+                    <a:noFill/>
+                  </a:rPr>
+                  <a:t> </a:t>
+                </a:r>
+              </a:p>
+            </p:txBody>
+          </p:sp>
+        </mc:Fallback>
+      </mc:AlternateContent>
+    </p:spTree>
+    <p:extLst>
+      <p:ext uri="{BB962C8B-B14F-4D97-AF65-F5344CB8AC3E}">
+        <p14:creationId xmlns:p14="http://schemas.microsoft.com/office/powerpoint/2010/main" val="320087468"/>
+      </p:ext>
+    </p:extLst>
+  </p:cSld>
+  <p:clrMapOvr>
+    <a:masterClrMapping/>
+  </p:clrMapOvr>
+  <p:timing>
+    <p:tnLst>
+      <p:par>
+        <p:cTn id="1" dur="indefinite" restart="never" nodeType="tmRoot">
+          <p:childTnLst>
+            <p:seq concurrent="1" nextAc="seek">
+              <p:cTn id="2" dur="indefinite" nodeType="mainSeq">
+                <p:childTnLst>
+                  <p:par>
+                    <p:cTn id="3" fill="hold">
+                      <p:stCondLst>
+                        <p:cond delay="indefinite"/>
+                      </p:stCondLst>
+                      <p:childTnLst>
+                        <p:par>
+                          <p:cTn id="4" fill="hold">
+                            <p:stCondLst>
+                              <p:cond delay="0"/>
+                            </p:stCondLst>
+                            <p:childTnLst>
+                              <p:par>
+                                <p:cTn id="5" presetID="1" presetClass="entr" presetSubtype="0" fill="hold" grpId="0" nodeType="clickEffect">
+                                  <p:stCondLst>
+                                    <p:cond delay="0"/>
+                                  </p:stCondLst>
+                                  <p:childTnLst>
+                                    <p:set>
+                                      <p:cBhvr>
+                                        <p:cTn id="6" dur="1" fill="hold">
+                                          <p:stCondLst>
+                                            <p:cond delay="0"/>
+                                          </p:stCondLst>
+                                        </p:cTn>
+                                        <p:tgtEl>
+                                          <p:spTgt spid="3">
+                                            <p:txEl>
+                                              <p:pRg st="0" end="0"/>
+                                            </p:txEl>
+                                          </p:spTgt>
+                                        </p:tgtEl>
+                                        <p:attrNameLst>
+                                          <p:attrName>style.visibility</p:attrName>
+                                        </p:attrNameLst>
+                                      </p:cBhvr>
+                                      <p:to>
+                                        <p:strVal val="visible"/>
+                                      </p:to>
+                                    </p:set>
+                                  </p:childTnLst>
+                                </p:cTn>
+                              </p:par>
+                            </p:childTnLst>
+                          </p:cTn>
+                        </p:par>
+                      </p:childTnLst>
+                    </p:cTn>
+                  </p:par>
+                  <p:par>
+                    <p:cTn id="7" fill="hold">
+                      <p:stCondLst>
+                        <p:cond delay="indefinite"/>
+                      </p:stCondLst>
+                      <p:childTnLst>
+                        <p:par>
+                          <p:cTn id="8" fill="hold">
+                            <p:stCondLst>
+                              <p:cond delay="0"/>
+                            </p:stCondLst>
+                            <p:childTnLst>
+                              <p:par>
+                                <p:cTn id="9" presetID="1" presetClass="entr" presetSubtype="0" fill="hold" grpId="0" nodeType="clickEffect">
+                                  <p:stCondLst>
+                                    <p:cond delay="0"/>
+                                  </p:stCondLst>
+                                  <p:childTnLst>
+                                    <p:set>
+                                      <p:cBhvr>
+                                        <p:cTn id="10" dur="1" fill="hold">
+                                          <p:stCondLst>
+                                            <p:cond delay="0"/>
+                                          </p:stCondLst>
+                                        </p:cTn>
+                                        <p:tgtEl>
+                                          <p:spTgt spid="3">
+                                            <p:txEl>
+                                              <p:pRg st="1" end="1"/>
+                                            </p:txEl>
+                                          </p:spTgt>
+                                        </p:tgtEl>
+                                        <p:attrNameLst>
+                                          <p:attrName>style.visibility</p:attrName>
+                                        </p:attrNameLst>
+                                      </p:cBhvr>
+                                      <p:to>
+                                        <p:strVal val="visible"/>
+                                      </p:to>
+                                    </p:set>
+                                  </p:childTnLst>
+                                </p:cTn>
+                              </p:par>
+                            </p:childTnLst>
+                          </p:cTn>
+                        </p:par>
+                      </p:childTnLst>
+                    </p:cTn>
+                  </p:par>
+                  <p:par>
+                    <p:cTn id="11" fill="hold">
+                      <p:stCondLst>
+                        <p:cond delay="indefinite"/>
+                      </p:stCondLst>
+                      <p:childTnLst>
+                        <p:par>
+                          <p:cTn id="12" fill="hold">
+                            <p:stCondLst>
+                              <p:cond delay="0"/>
+                            </p:stCondLst>
+                            <p:childTnLst>
+                              <p:par>
+                                <p:cTn id="13" presetID="1" presetClass="entr" presetSubtype="0" fill="hold" grpId="0" nodeType="clickEffect">
+                                  <p:stCondLst>
+                                    <p:cond delay="0"/>
+                                  </p:stCondLst>
+                                  <p:childTnLst>
+                                    <p:set>
+                                      <p:cBhvr>
+                                        <p:cTn id="14" dur="1" fill="hold">
+                                          <p:stCondLst>
+                                            <p:cond delay="0"/>
+                                          </p:stCondLst>
+                                        </p:cTn>
+                                        <p:tgtEl>
+                                          <p:spTgt spid="3">
+                                            <p:txEl>
+                                              <p:pRg st="2" end="2"/>
+                                            </p:txEl>
+                                          </p:spTgt>
+                                        </p:tgtEl>
+                                        <p:attrNameLst>
+                                          <p:attrName>style.visibility</p:attrName>
+                                        </p:attrNameLst>
+                                      </p:cBhvr>
+                                      <p:to>
+                                        <p:strVal val="visible"/>
+                                      </p:to>
+                                    </p:set>
+                                  </p:childTnLst>
+                                </p:cTn>
+                              </p:par>
+                            </p:childTnLst>
+                          </p:cTn>
+                        </p:par>
+                      </p:childTnLst>
+                    </p:cTn>
+                  </p:par>
+                  <p:par>
+                    <p:cTn id="15" fill="hold">
+                      <p:stCondLst>
+                        <p:cond delay="indefinite"/>
+                      </p:stCondLst>
+                      <p:childTnLst>
+                        <p:par>
+                          <p:cTn id="16" fill="hold">
+                            <p:stCondLst>
+                              <p:cond delay="0"/>
+                            </p:stCondLst>
+                            <p:childTnLst>
+                              <p:par>
+                                <p:cTn id="17" presetID="1" presetClass="entr" presetSubtype="0" fill="hold" grpId="0" nodeType="clickEffect">
+                                  <p:stCondLst>
+                                    <p:cond delay="0"/>
+                                  </p:stCondLst>
+                                  <p:childTnLst>
+                                    <p:set>
+                                      <p:cBhvr>
+                                        <p:cTn id="18" dur="1" fill="hold">
+                                          <p:stCondLst>
+                                            <p:cond delay="0"/>
+                                          </p:stCondLst>
+                                        </p:cTn>
+                                        <p:tgtEl>
+                                          <p:spTgt spid="3">
+                                            <p:txEl>
+                                              <p:pRg st="4" end="4"/>
+                                            </p:txEl>
+                                          </p:spTgt>
+                                        </p:tgtEl>
+                                        <p:attrNameLst>
+                                          <p:attrName>style.visibility</p:attrName>
+                                        </p:attrNameLst>
+                                      </p:cBhvr>
+                                      <p:to>
+                                        <p:strVal val="visible"/>
+                                      </p:to>
+                                    </p:set>
+                                  </p:childTnLst>
+                                </p:cTn>
+                              </p:par>
+                            </p:childTnLst>
+                          </p:cTn>
+                        </p:par>
+                      </p:childTnLst>
+                    </p:cTn>
+                  </p:par>
+                </p:childTnLst>
+              </p:cTn>
+              <p:prevCondLst>
+                <p:cond evt="onPrev" delay="0">
+                  <p:tgtEl>
+                    <p:sldTgt/>
+                  </p:tgtEl>
+                </p:cond>
+              </p:prevCondLst>
+              <p:nextCondLst>
+                <p:cond evt="onNext" delay="0">
+                  <p:tgtEl>
+                    <p:sldTgt/>
+                  </p:tgtEl>
+                </p:cond>
+              </p:nextCondLst>
+            </p:seq>
+          </p:childTnLst>
+        </p:cTn>
+      </p:par>
+    </p:tnLst>
+    <p:bldLst>
+      <p:bldP spid="3" grpId="0" build="p"/>
+    </p:bldLst>
+  </p:timing>
+</p:sld>
+</file>
+
+<file path=ppt/slides/slide19.xml><?xml version="1.0" encoding="utf-8"?>
 <p:sld xmlns:a="http://schemas.openxmlformats.org/drawingml/2006/main" xmlns:r="http://schemas.openxmlformats.org/officeDocument/2006/relationships" xmlns:p="http://schemas.openxmlformats.org/presentationml/2006/main">
   <p:cSld>
     <p:spTree>
@@ -4635,7 +7824,324 @@
 </p:sld>
 </file>
 
-<file path=ppt/slides/slide11.xml><?xml version="1.0" encoding="utf-8"?>
+<file path=ppt/slides/slide2.xml><?xml version="1.0" encoding="utf-8"?>
+<p:sld xmlns:a="http://schemas.openxmlformats.org/drawingml/2006/main" xmlns:r="http://schemas.openxmlformats.org/officeDocument/2006/relationships" xmlns:p="http://schemas.openxmlformats.org/presentationml/2006/main">
+  <p:cSld>
+    <p:spTree>
+      <p:nvGrpSpPr>
+        <p:cNvPr id="1" name=""/>
+        <p:cNvGrpSpPr/>
+        <p:nvPr/>
+      </p:nvGrpSpPr>
+      <p:grpSpPr>
+        <a:xfrm>
+          <a:off x="0" y="0"/>
+          <a:ext cx="0" cy="0"/>
+          <a:chOff x="0" y="0"/>
+          <a:chExt cx="0" cy="0"/>
+        </a:xfrm>
+      </p:grpSpPr>
+      <p:sp>
+        <p:nvSpPr>
+          <p:cNvPr id="2" name="Title 1"/>
+          <p:cNvSpPr>
+            <a:spLocks noGrp="1"/>
+          </p:cNvSpPr>
+          <p:nvPr>
+            <p:ph type="title"/>
+          </p:nvPr>
+        </p:nvSpPr>
+        <p:spPr/>
+        <p:txBody>
+          <a:bodyPr/>
+          <a:lstStyle/>
+          <a:p>
+            <a:r>
+              <a:rPr lang="en-US" dirty="0" smtClean="0"/>
+              <a:t>By the end of today, you should:</a:t>
+            </a:r>
+            <a:endParaRPr lang="en-US" dirty="0"/>
+          </a:p>
+        </p:txBody>
+      </p:sp>
+      <p:sp>
+        <p:nvSpPr>
+          <p:cNvPr id="3" name="Content Placeholder 2"/>
+          <p:cNvSpPr>
+            <a:spLocks noGrp="1"/>
+          </p:cNvSpPr>
+          <p:nvPr>
+            <p:ph idx="1"/>
+          </p:nvPr>
+        </p:nvSpPr>
+        <p:spPr/>
+        <p:txBody>
+          <a:bodyPr/>
+          <a:lstStyle/>
+          <a:p>
+            <a:r>
+              <a:rPr lang="en-US" dirty="0" smtClean="0"/>
+              <a:t>Know the difference between</a:t>
+            </a:r>
+            <a:br>
+              <a:rPr lang="en-US" dirty="0" smtClean="0"/>
+            </a:br>
+            <a:r>
+              <a:rPr lang="en-US" b="1" dirty="0" smtClean="0"/>
+              <a:t>exogenous</a:t>
+            </a:r>
+            <a:r>
+              <a:rPr lang="en-US" dirty="0" smtClean="0"/>
+              <a:t> and </a:t>
+            </a:r>
+            <a:r>
+              <a:rPr lang="en-US" b="1" dirty="0" smtClean="0"/>
+              <a:t>endogenous </a:t>
+            </a:r>
+            <a:r>
+              <a:rPr lang="en-US" dirty="0" smtClean="0"/>
+              <a:t>variables</a:t>
+            </a:r>
+          </a:p>
+          <a:p>
+            <a:endParaRPr lang="en-US" dirty="0"/>
+          </a:p>
+          <a:p>
+            <a:r>
+              <a:rPr lang="en-US" dirty="0" smtClean="0"/>
+              <a:t>Know how to solve for </a:t>
+            </a:r>
+            <a:r>
+              <a:rPr lang="en-US" b="1" dirty="0" smtClean="0"/>
+              <a:t>endogenous variables</a:t>
+            </a:r>
+            <a:br>
+              <a:rPr lang="en-US" b="1" dirty="0" smtClean="0"/>
+            </a:br>
+            <a:r>
+              <a:rPr lang="en-US" dirty="0" smtClean="0"/>
+              <a:t>in terms of </a:t>
+            </a:r>
+            <a:r>
+              <a:rPr lang="en-US" b="1" dirty="0" smtClean="0"/>
+              <a:t>exogenous variables</a:t>
+            </a:r>
+          </a:p>
+          <a:p>
+            <a:endParaRPr lang="en-US" dirty="0" smtClean="0"/>
+          </a:p>
+          <a:p>
+            <a:r>
+              <a:rPr lang="en-US" dirty="0" smtClean="0"/>
+              <a:t>Be able to relate </a:t>
+            </a:r>
+            <a:r>
+              <a:rPr lang="en-US" b="1" dirty="0" smtClean="0"/>
+              <a:t>functional forms </a:t>
+            </a:r>
+            <a:r>
+              <a:rPr lang="en-US" dirty="0" smtClean="0"/>
+              <a:t>to </a:t>
+            </a:r>
+            <a:r>
+              <a:rPr lang="en-US" b="1" dirty="0" smtClean="0"/>
+              <a:t>economics concepts</a:t>
+            </a:r>
+            <a:endParaRPr lang="en-US" b="1" dirty="0"/>
+          </a:p>
+        </p:txBody>
+      </p:sp>
+    </p:spTree>
+    <p:extLst>
+      <p:ext uri="{BB962C8B-B14F-4D97-AF65-F5344CB8AC3E}">
+        <p14:creationId xmlns:p14="http://schemas.microsoft.com/office/powerpoint/2010/main" val="1159130037"/>
+      </p:ext>
+    </p:extLst>
+  </p:cSld>
+  <p:clrMapOvr>
+    <a:masterClrMapping/>
+  </p:clrMapOvr>
+  <p:timing>
+    <p:tnLst>
+      <p:par>
+        <p:cTn id="1" dur="indefinite" restart="never" nodeType="tmRoot">
+          <p:childTnLst>
+            <p:seq concurrent="1" nextAc="seek">
+              <p:cTn id="2" dur="indefinite" nodeType="mainSeq">
+                <p:childTnLst>
+                  <p:par>
+                    <p:cTn id="3" fill="hold">
+                      <p:stCondLst>
+                        <p:cond delay="indefinite"/>
+                      </p:stCondLst>
+                      <p:childTnLst>
+                        <p:par>
+                          <p:cTn id="4" fill="hold">
+                            <p:stCondLst>
+                              <p:cond delay="0"/>
+                            </p:stCondLst>
+                            <p:childTnLst>
+                              <p:par>
+                                <p:cTn id="5" presetID="1" presetClass="entr" presetSubtype="0" fill="hold" nodeType="clickEffect">
+                                  <p:stCondLst>
+                                    <p:cond delay="0"/>
+                                  </p:stCondLst>
+                                  <p:childTnLst>
+                                    <p:set>
+                                      <p:cBhvr>
+                                        <p:cTn id="6" dur="1" fill="hold">
+                                          <p:stCondLst>
+                                            <p:cond delay="0"/>
+                                          </p:stCondLst>
+                                        </p:cTn>
+                                        <p:tgtEl>
+                                          <p:spTgt spid="3">
+                                            <p:txEl>
+                                              <p:pRg st="0" end="0"/>
+                                            </p:txEl>
+                                          </p:spTgt>
+                                        </p:tgtEl>
+                                        <p:attrNameLst>
+                                          <p:attrName>style.visibility</p:attrName>
+                                        </p:attrNameLst>
+                                      </p:cBhvr>
+                                      <p:to>
+                                        <p:strVal val="visible"/>
+                                      </p:to>
+                                    </p:set>
+                                  </p:childTnLst>
+                                </p:cTn>
+                              </p:par>
+                            </p:childTnLst>
+                          </p:cTn>
+                        </p:par>
+                      </p:childTnLst>
+                    </p:cTn>
+                  </p:par>
+                  <p:par>
+                    <p:cTn id="7" fill="hold">
+                      <p:stCondLst>
+                        <p:cond delay="indefinite"/>
+                      </p:stCondLst>
+                      <p:childTnLst>
+                        <p:par>
+                          <p:cTn id="8" fill="hold">
+                            <p:stCondLst>
+                              <p:cond delay="0"/>
+                            </p:stCondLst>
+                            <p:childTnLst>
+                              <p:par>
+                                <p:cTn id="9" presetID="1" presetClass="entr" presetSubtype="0" fill="hold" nodeType="clickEffect">
+                                  <p:stCondLst>
+                                    <p:cond delay="0"/>
+                                  </p:stCondLst>
+                                  <p:childTnLst>
+                                    <p:set>
+                                      <p:cBhvr>
+                                        <p:cTn id="10" dur="1" fill="hold">
+                                          <p:stCondLst>
+                                            <p:cond delay="0"/>
+                                          </p:stCondLst>
+                                        </p:cTn>
+                                        <p:tgtEl>
+                                          <p:spTgt spid="3">
+                                            <p:txEl>
+                                              <p:pRg st="2" end="2"/>
+                                            </p:txEl>
+                                          </p:spTgt>
+                                        </p:tgtEl>
+                                        <p:attrNameLst>
+                                          <p:attrName>style.visibility</p:attrName>
+                                        </p:attrNameLst>
+                                      </p:cBhvr>
+                                      <p:to>
+                                        <p:strVal val="visible"/>
+                                      </p:to>
+                                    </p:set>
+                                  </p:childTnLst>
+                                </p:cTn>
+                              </p:par>
+                            </p:childTnLst>
+                          </p:cTn>
+                        </p:par>
+                      </p:childTnLst>
+                    </p:cTn>
+                  </p:par>
+                  <p:par>
+                    <p:cTn id="11" fill="hold">
+                      <p:stCondLst>
+                        <p:cond delay="indefinite"/>
+                      </p:stCondLst>
+                      <p:childTnLst>
+                        <p:par>
+                          <p:cTn id="12" fill="hold">
+                            <p:stCondLst>
+                              <p:cond delay="0"/>
+                            </p:stCondLst>
+                            <p:childTnLst>
+                              <p:par>
+                                <p:cTn id="13" presetID="1" presetClass="entr" presetSubtype="0" fill="hold" nodeType="clickEffect">
+                                  <p:stCondLst>
+                                    <p:cond delay="0"/>
+                                  </p:stCondLst>
+                                  <p:childTnLst>
+                                    <p:set>
+                                      <p:cBhvr>
+                                        <p:cTn id="14" dur="1" fill="hold">
+                                          <p:stCondLst>
+                                            <p:cond delay="0"/>
+                                          </p:stCondLst>
+                                        </p:cTn>
+                                        <p:tgtEl>
+                                          <p:spTgt spid="3">
+                                            <p:txEl>
+                                              <p:pRg st="4" end="4"/>
+                                            </p:txEl>
+                                          </p:spTgt>
+                                        </p:tgtEl>
+                                        <p:attrNameLst>
+                                          <p:attrName>style.visibility</p:attrName>
+                                        </p:attrNameLst>
+                                      </p:cBhvr>
+                                      <p:to>
+                                        <p:strVal val="visible"/>
+                                      </p:to>
+                                    </p:set>
+                                  </p:childTnLst>
+                                </p:cTn>
+                              </p:par>
+                            </p:childTnLst>
+                          </p:cTn>
+                        </p:par>
+                      </p:childTnLst>
+                    </p:cTn>
+                  </p:par>
+                </p:childTnLst>
+              </p:cTn>
+              <p:prevCondLst>
+                <p:cond evt="onPrev" delay="0">
+                  <p:tgtEl>
+                    <p:sldTgt/>
+                  </p:tgtEl>
+                </p:cond>
+              </p:prevCondLst>
+              <p:nextCondLst>
+                <p:cond evt="onNext" delay="0">
+                  <p:tgtEl>
+                    <p:sldTgt/>
+                  </p:tgtEl>
+                </p:cond>
+              </p:nextCondLst>
+            </p:seq>
+          </p:childTnLst>
+        </p:cTn>
+      </p:par>
+    </p:tnLst>
+  </p:timing>
+</p:sld>
+</file>
+
+<file path=ppt/slides/slide20.xml><?xml version="1.0" encoding="utf-8"?>
 <p:sld xmlns:a="http://schemas.openxmlformats.org/drawingml/2006/main" xmlns:r="http://schemas.openxmlformats.org/officeDocument/2006/relationships" xmlns:p="http://schemas.openxmlformats.org/presentationml/2006/main">
   <p:cSld>
     <p:spTree>
@@ -5312,7 +8818,7 @@
 </p:sld>
 </file>
 
-<file path=ppt/slides/slide12.xml><?xml version="1.0" encoding="utf-8"?>
+<file path=ppt/slides/slide21.xml><?xml version="1.0" encoding="utf-8"?>
 <p:sld xmlns:a="http://schemas.openxmlformats.org/drawingml/2006/main" xmlns:r="http://schemas.openxmlformats.org/officeDocument/2006/relationships" xmlns:p="http://schemas.openxmlformats.org/presentationml/2006/main">
   <p:cSld>
     <p:spTree>
@@ -5352,368 +8858,68 @@
           </a:p>
         </p:txBody>
       </p:sp>
-      <mc:AlternateContent xmlns:mc="http://schemas.openxmlformats.org/markup-compatibility/2006" xmlns:a14="http://schemas.microsoft.com/office/drawing/2010/main">
-        <mc:Choice Requires="a14">
-          <p:sp>
-            <p:nvSpPr>
-              <p:cNvPr id="3" name="Content Placeholder 2"/>
-              <p:cNvSpPr>
-                <a:spLocks noGrp="1"/>
-              </p:cNvSpPr>
-              <p:nvPr>
-                <p:ph idx="1"/>
-              </p:nvPr>
-            </p:nvSpPr>
-            <p:spPr/>
-            <p:txBody>
-              <a:bodyPr/>
-              <a:lstStyle/>
-              <a:p>
-                <a:r>
-                  <a:rPr lang="en-US" smtClean="0"/>
-                  <a:t>An increase in the price of </a:t>
-                </a:r>
-                <a:endParaRPr lang="en-US" b="1" dirty="0" smtClean="0"/>
-              </a:p>
-              <a:p>
-                <a:r>
-                  <a:rPr lang="en-US" dirty="0" smtClean="0"/>
-                  <a:t>if an </a:t>
-                </a:r>
-                <a:r>
-                  <a:rPr lang="en-US" b="1" dirty="0" smtClean="0"/>
-                  <a:t>increase</a:t>
-                </a:r>
-                <a:r>
-                  <a:rPr lang="en-US" dirty="0" smtClean="0"/>
-                  <a:t> in price</a:t>
-                </a:r>
-              </a:p>
-              <a:p>
-                <a:r>
-                  <a:rPr lang="en-US" dirty="0" smtClean="0"/>
-                  <a:t>causes an </a:t>
-                </a:r>
-                <a:r>
-                  <a:rPr lang="en-US" b="1" dirty="0" smtClean="0"/>
-                  <a:t>increase </a:t>
-                </a:r>
-                <a:r>
-                  <a:rPr lang="en-US" dirty="0" smtClean="0"/>
-                  <a:t>in the quantity demanded of good </a:t>
-                </a:r>
-                <a14:m>
-                  <m:oMath xmlns:m="http://schemas.openxmlformats.org/officeDocument/2006/math">
-                    <m:r>
-                      <a:rPr lang="en-US" i="1" dirty="0">
-                        <a:latin typeface="Cambria Math" charset="0"/>
-                      </a:rPr>
-                      <m:t>𝑋</m:t>
-                    </m:r>
-                    <m:r>
-                      <a:rPr lang="en-US" i="1" dirty="0">
-                        <a:latin typeface="Cambria Math" charset="0"/>
-                      </a:rPr>
-                      <m:t> </m:t>
-                    </m:r>
-                  </m:oMath>
-                </a14:m>
-                <a:r>
-                  <a:rPr lang="en-US" dirty="0" smtClean="0"/>
-                  <a:t>:</a:t>
-                </a:r>
-              </a:p>
-              <a:p>
-                <a:endParaRPr lang="en-US" dirty="0"/>
-              </a:p>
-              <a:p>
-                <a:pPr algn="ctr"/>
-                <a14:m>
-                  <m:oMathPara xmlns:m="http://schemas.openxmlformats.org/officeDocument/2006/math">
-                    <m:oMathParaPr>
-                      <m:jc m:val="centerGroup"/>
-                    </m:oMathParaPr>
-                    <m:oMath xmlns:m="http://schemas.openxmlformats.org/officeDocument/2006/math">
-                      <m:f>
-                        <m:fPr>
-                          <m:ctrlPr>
-                            <a:rPr lang="en-US" sz="7200" i="1" smtClean="0">
-                              <a:solidFill>
-                                <a:schemeClr val="tx1"/>
-                              </a:solidFill>
-                              <a:latin typeface="Cambria Math" charset="0"/>
-                            </a:rPr>
-                          </m:ctrlPr>
-                        </m:fPr>
-                        <m:num>
-                          <m:r>
-                            <a:rPr lang="en-US" sz="7200" i="1" smtClean="0">
-                              <a:solidFill>
-                                <a:schemeClr val="accent5"/>
-                              </a:solidFill>
-                              <a:latin typeface="Cambria Math" charset="0"/>
-                            </a:rPr>
-                            <m:t>𝜕</m:t>
-                          </m:r>
-                          <m:sSubSup>
-                            <m:sSubSupPr>
-                              <m:ctrlPr>
-                                <a:rPr lang="en-US" sz="7200" i="1">
-                                  <a:solidFill>
-                                    <a:schemeClr val="accent5"/>
-                                  </a:solidFill>
-                                  <a:latin typeface="Cambria Math" charset="0"/>
-                                </a:rPr>
-                              </m:ctrlPr>
-                            </m:sSubSupPr>
-                            <m:e>
-                              <m:r>
-                                <a:rPr lang="en-US" sz="7200" i="1">
-                                  <a:solidFill>
-                                    <a:schemeClr val="accent5"/>
-                                  </a:solidFill>
-                                  <a:latin typeface="Cambria Math" charset="0"/>
-                                </a:rPr>
-                                <m:t>𝑄</m:t>
-                              </m:r>
-                            </m:e>
-                            <m:sub>
-                              <m:r>
-                                <a:rPr lang="en-US" sz="7200" i="1">
-                                  <a:solidFill>
-                                    <a:schemeClr val="accent5"/>
-                                  </a:solidFill>
-                                  <a:latin typeface="Cambria Math" charset="0"/>
-                                </a:rPr>
-                                <m:t>𝑋</m:t>
-                              </m:r>
-                            </m:sub>
-                            <m:sup>
-                              <m:r>
-                                <a:rPr lang="en-US" sz="7200" i="1">
-                                  <a:solidFill>
-                                    <a:schemeClr val="accent5"/>
-                                  </a:solidFill>
-                                  <a:latin typeface="Cambria Math" charset="0"/>
-                                </a:rPr>
-                                <m:t>𝐷</m:t>
-                              </m:r>
-                            </m:sup>
-                          </m:sSubSup>
-                          <m:r>
-                            <a:rPr lang="en-US" sz="7200" i="1">
-                              <a:solidFill>
-                                <a:schemeClr val="tx1"/>
-                              </a:solidFill>
-                              <a:latin typeface="Cambria Math" charset="0"/>
-                            </a:rPr>
-                            <m:t>(</m:t>
-                          </m:r>
-                          <m:sSub>
-                            <m:sSubPr>
-                              <m:ctrlPr>
-                                <a:rPr lang="en-US" sz="7200" i="1">
-                                  <a:solidFill>
-                                    <a:schemeClr val="tx1"/>
-                                  </a:solidFill>
-                                  <a:latin typeface="Cambria Math" charset="0"/>
-                                </a:rPr>
-                              </m:ctrlPr>
-                            </m:sSubPr>
-                            <m:e>
-                              <m:r>
-                                <a:rPr lang="en-US" sz="7200" i="1">
-                                  <a:solidFill>
-                                    <a:schemeClr val="tx1"/>
-                                  </a:solidFill>
-                                  <a:latin typeface="Cambria Math" charset="0"/>
-                                </a:rPr>
-                                <m:t>𝑃</m:t>
-                              </m:r>
-                            </m:e>
-                            <m:sub>
-                              <m:r>
-                                <a:rPr lang="en-US" sz="7200" i="1">
-                                  <a:solidFill>
-                                    <a:schemeClr val="tx1"/>
-                                  </a:solidFill>
-                                  <a:latin typeface="Cambria Math" charset="0"/>
-                                </a:rPr>
-                                <m:t>𝑋</m:t>
-                              </m:r>
-                            </m:sub>
-                          </m:sSub>
-                          <m:r>
-                            <a:rPr lang="en-US" sz="7200" b="0" i="1" smtClean="0">
-                              <a:solidFill>
-                                <a:schemeClr val="tx1"/>
-                              </a:solidFill>
-                              <a:latin typeface="Cambria Math" charset="0"/>
-                            </a:rPr>
-                            <m:t>,</m:t>
-                          </m:r>
-                          <m:sSub>
-                            <m:sSubPr>
-                              <m:ctrlPr>
-                                <a:rPr lang="en-US" sz="7200" i="1" smtClean="0">
-                                  <a:solidFill>
-                                    <a:schemeClr val="bg1">
-                                      <a:lumMod val="50000"/>
-                                    </a:schemeClr>
-                                  </a:solidFill>
-                                  <a:latin typeface="Cambria Math" charset="0"/>
-                                </a:rPr>
-                              </m:ctrlPr>
-                            </m:sSubPr>
-                            <m:e>
-                              <m:r>
-                                <a:rPr lang="en-US" sz="7200" i="1">
-                                  <a:solidFill>
-                                    <a:schemeClr val="bg1">
-                                      <a:lumMod val="50000"/>
-                                    </a:schemeClr>
-                                  </a:solidFill>
-                                  <a:latin typeface="Cambria Math" charset="0"/>
-                                </a:rPr>
-                                <m:t>𝑃</m:t>
-                              </m:r>
-                            </m:e>
-                            <m:sub>
-                              <m:r>
-                                <a:rPr lang="en-US" sz="7200" i="1">
-                                  <a:solidFill>
-                                    <a:schemeClr val="bg1">
-                                      <a:lumMod val="50000"/>
-                                    </a:schemeClr>
-                                  </a:solidFill>
-                                  <a:latin typeface="Cambria Math" charset="0"/>
-                                </a:rPr>
-                                <m:t>𝑌</m:t>
-                              </m:r>
-                            </m:sub>
-                          </m:sSub>
-                          <m:r>
-                            <a:rPr lang="en-US" sz="7200" i="1">
-                              <a:solidFill>
-                                <a:schemeClr val="bg1">
-                                  <a:lumMod val="50000"/>
-                                </a:schemeClr>
-                              </a:solidFill>
-                              <a:latin typeface="Cambria Math" charset="0"/>
-                            </a:rPr>
-                            <m:t>,</m:t>
-                          </m:r>
-                          <m:r>
-                            <a:rPr lang="en-US" sz="7200" i="1">
-                              <a:solidFill>
-                                <a:schemeClr val="bg1">
-                                  <a:lumMod val="50000"/>
-                                </a:schemeClr>
-                              </a:solidFill>
-                              <a:latin typeface="Cambria Math" charset="0"/>
-                            </a:rPr>
-                            <m:t>𝐼</m:t>
-                          </m:r>
-                          <m:r>
-                            <a:rPr lang="en-US" sz="7200" i="1">
-                              <a:solidFill>
-                                <a:schemeClr val="bg1">
-                                  <a:lumMod val="50000"/>
-                                </a:schemeClr>
-                              </a:solidFill>
-                              <a:latin typeface="Cambria Math" charset="0"/>
-                            </a:rPr>
-                            <m:t>,…)</m:t>
-                          </m:r>
-                        </m:num>
-                        <m:den>
-                          <m:r>
-                            <a:rPr lang="en-US" sz="7200" i="1" smtClean="0">
-                              <a:solidFill>
-                                <a:schemeClr val="tx1"/>
-                              </a:solidFill>
-                              <a:latin typeface="Cambria Math" charset="0"/>
-                            </a:rPr>
-                            <m:t>𝜕</m:t>
-                          </m:r>
-                          <m:sSub>
-                            <m:sSubPr>
-                              <m:ctrlPr>
-                                <a:rPr lang="en-US" sz="7200" i="1">
-                                  <a:latin typeface="Cambria Math" charset="0"/>
-                                </a:rPr>
-                              </m:ctrlPr>
-                            </m:sSubPr>
-                            <m:e>
-                              <m:r>
-                                <a:rPr lang="en-US" sz="7200" i="1">
-                                  <a:latin typeface="Cambria Math" charset="0"/>
-                                </a:rPr>
-                                <m:t>𝑃</m:t>
-                              </m:r>
-                            </m:e>
-                            <m:sub>
-                              <m:r>
-                                <a:rPr lang="en-US" sz="7200" i="1">
-                                  <a:latin typeface="Cambria Math" charset="0"/>
-                                </a:rPr>
-                                <m:t>𝑋</m:t>
-                              </m:r>
-                            </m:sub>
-                          </m:sSub>
-                        </m:den>
-                      </m:f>
-                      <m:r>
-                        <a:rPr lang="en-US" sz="7200" b="0" i="1" smtClean="0">
-                          <a:solidFill>
-                            <a:schemeClr val="tx1"/>
-                          </a:solidFill>
-                          <a:latin typeface="Cambria Math" charset="0"/>
-                        </a:rPr>
-                        <m:t>&gt;0</m:t>
-                      </m:r>
-                    </m:oMath>
-                  </m:oMathPara>
-                </a14:m>
-                <a:endParaRPr lang="en-US" sz="7200" dirty="0"/>
-              </a:p>
-            </p:txBody>
-          </p:sp>
-        </mc:Choice>
-        <mc:Fallback xmlns="">
-          <p:sp>
-            <p:nvSpPr>
-              <p:cNvPr id="3" name="Content Placeholder 2"/>
-              <p:cNvSpPr>
-                <a:spLocks noGrp="1" noRot="1" noChangeAspect="1" noMove="1" noResize="1" noEditPoints="1" noAdjustHandles="1" noChangeArrowheads="1" noChangeShapeType="1" noTextEdit="1"/>
-              </p:cNvSpPr>
-              <p:nvPr>
-                <p:ph idx="1"/>
-              </p:nvPr>
-            </p:nvSpPr>
-            <p:spPr>
-              <a:blipFill rotWithShape="0">
-                <a:blip r:embed="rId2"/>
-                <a:stretch>
-                  <a:fillRect l="-1217" t="-2381"/>
-                </a:stretch>
-              </a:blipFill>
-            </p:spPr>
-            <p:txBody>
-              <a:bodyPr/>
-              <a:lstStyle/>
-              <a:p>
-                <a:r>
-                  <a:rPr lang="en-US">
-                    <a:noFill/>
-                  </a:rPr>
-                  <a:t> </a:t>
-                </a:r>
-              </a:p>
-            </p:txBody>
-          </p:sp>
-        </mc:Fallback>
-      </mc:AlternateContent>
+      <p:sp>
+        <p:nvSpPr>
+          <p:cNvPr id="3" name="Content Placeholder 2"/>
+          <p:cNvSpPr>
+            <a:spLocks noGrp="1"/>
+          </p:cNvSpPr>
+          <p:nvPr>
+            <p:ph idx="1"/>
+          </p:nvPr>
+        </p:nvSpPr>
+        <p:spPr/>
+        <p:txBody>
+          <a:bodyPr>
+            <a:normAutofit/>
+          </a:bodyPr>
+          <a:lstStyle/>
+          <a:p>
+            <a:r>
+              <a:rPr lang="en-US" sz="3600" b="1" dirty="0" smtClean="0"/>
+              <a:t>Income effect</a:t>
+            </a:r>
+            <a:r>
+              <a:rPr lang="en-US" sz="3600" dirty="0" smtClean="0"/>
+              <a:t>:</a:t>
+            </a:r>
+            <a:br>
+              <a:rPr lang="en-US" sz="3600" dirty="0" smtClean="0"/>
+            </a:br>
+            <a:r>
+              <a:rPr lang="en-US" sz="3600" dirty="0" smtClean="0"/>
+              <a:t>When the price of good X goes up,</a:t>
+            </a:r>
+          </a:p>
+          <a:p>
+            <a:r>
+              <a:rPr lang="en-US" sz="3600" dirty="0" smtClean="0"/>
+              <a:t>it’s as if your income goes down.</a:t>
+            </a:r>
+          </a:p>
+          <a:p>
+            <a:endParaRPr lang="en-US" sz="3600" dirty="0"/>
+          </a:p>
+          <a:p>
+            <a:r>
+              <a:rPr lang="en-US" sz="3600" b="1" dirty="0" smtClean="0"/>
+              <a:t>Substitution effect:</a:t>
+            </a:r>
+          </a:p>
+          <a:p>
+            <a:r>
+              <a:rPr lang="en-US" sz="3600" dirty="0" smtClean="0"/>
+              <a:t>When the price of good X goes up,</a:t>
+            </a:r>
+          </a:p>
+          <a:p>
+            <a:r>
+              <a:rPr lang="en-US" sz="3600" dirty="0" smtClean="0"/>
+              <a:t>other goods become relatively cheaper</a:t>
+            </a:r>
+          </a:p>
+        </p:txBody>
+      </p:sp>
     </p:spTree>
     <p:extLst>
       <p:ext uri="{BB962C8B-B14F-4D97-AF65-F5344CB8AC3E}">
@@ -5858,7 +9064,7 @@
                                         <p:tgtEl>
                                           <p:spTgt spid="3">
                                             <p:txEl>
-                                              <p:pRg st="2" end="2"/>
+                                              <p:pRg st="3" end="3"/>
                                             </p:txEl>
                                           </p:spTgt>
                                         </p:tgtEl>
@@ -5928,6 +9134,55 @@
                       </p:childTnLst>
                     </p:cTn>
                   </p:par>
+                  <p:par>
+                    <p:cTn id="19" fill="hold">
+                      <p:stCondLst>
+                        <p:cond delay="indefinite"/>
+                      </p:stCondLst>
+                      <p:childTnLst>
+                        <p:par>
+                          <p:cTn id="20" fill="hold">
+                            <p:stCondLst>
+                              <p:cond delay="0"/>
+                            </p:stCondLst>
+                            <p:childTnLst>
+                              <p:par>
+                                <p:cTn id="21" presetID="1" presetClass="entr" presetSubtype="0" fill="hold" grpId="0" nodeType="clickEffect">
+                                  <p:stCondLst>
+                                    <p:cond delay="0"/>
+                                  </p:stCondLst>
+                                  <p:childTnLst>
+                                    <p:set>
+                                      <p:cBhvr>
+                                        <p:cTn id="22" dur="1" fill="hold">
+                                          <p:stCondLst>
+                                            <p:cond delay="0"/>
+                                          </p:stCondLst>
+                                        </p:cTn>
+                                        <p:tgtEl>
+                                          <p:spTgt spid="3">
+                                            <p:txEl>
+                                              <p:pRg st="5" end="5"/>
+                                            </p:txEl>
+                                          </p:spTgt>
+                                        </p:tgtEl>
+                                        <p:attrNameLst>
+                                          <p:attrName>style.visibility</p:attrName>
+                                        </p:attrNameLst>
+                                      </p:cBhvr>
+                                      <p:to>
+                                        <p:strVal val="visible"/>
+                                      </p:to>
+                                    </p:set>
+                                  </p:childTnLst>
+                                </p:cTn>
+                              </p:par>
+                            </p:childTnLst>
+                          </p:cTn>
+                        </p:par>
+                      </p:childTnLst>
+                    </p:cTn>
+                  </p:par>
                 </p:childTnLst>
               </p:cTn>
               <p:prevCondLst>
@@ -5956,7 +9211,7 @@
 </p:sld>
 </file>
 
-<file path=ppt/slides/slide2.xml><?xml version="1.0" encoding="utf-8"?>
+<file path=ppt/slides/slide3.xml><?xml version="1.0" encoding="utf-8"?>
 <p:sld xmlns:a="http://schemas.openxmlformats.org/drawingml/2006/main" xmlns:r="http://schemas.openxmlformats.org/officeDocument/2006/relationships" xmlns:p="http://schemas.openxmlformats.org/presentationml/2006/main">
   <p:cSld>
     <p:spTree>
@@ -6038,8 +9293,77 @@
             </a:pPr>
             <a:r>
               <a:rPr lang="en-US" sz="2400" dirty="0" smtClean="0"/>
+              <a:t>Endogenous vs. Exogenous</a:t>
+            </a:r>
+          </a:p>
+          <a:p>
+            <a:pPr>
+              <a:tabLst>
+                <a:tab pos="223838" algn="l"/>
+              </a:tabLst>
+            </a:pPr>
+            <a:r>
+              <a:rPr lang="en-US" sz="2400" dirty="0" smtClean="0"/>
+              <a:t>Equilibrium</a:t>
+            </a:r>
+          </a:p>
+          <a:p>
+            <a:pPr>
+              <a:tabLst>
+                <a:tab pos="223838" algn="l"/>
+              </a:tabLst>
+            </a:pPr>
+            <a:r>
+              <a:rPr lang="en-US" sz="2400" dirty="0"/>
+              <a:t>	</a:t>
+            </a:r>
+            <a:r>
+              <a:rPr lang="en-US" sz="2400" dirty="0" smtClean="0"/>
+              <a:t>Individual and market demand</a:t>
+            </a:r>
+          </a:p>
+          <a:p>
+            <a:pPr>
+              <a:tabLst>
+                <a:tab pos="223838" algn="l"/>
+              </a:tabLst>
+            </a:pPr>
+            <a:r>
+              <a:rPr lang="en-US" sz="2400" dirty="0"/>
+              <a:t>	</a:t>
+            </a:r>
+            <a:r>
+              <a:rPr lang="en-US" sz="2400" dirty="0" smtClean="0"/>
+              <a:t>Individual and market supply</a:t>
+            </a:r>
+          </a:p>
+          <a:p>
+            <a:pPr>
+              <a:tabLst>
+                <a:tab pos="223838" algn="l"/>
+              </a:tabLst>
+            </a:pPr>
+            <a:r>
+              <a:rPr lang="en-US" sz="2400" dirty="0"/>
+              <a:t>	</a:t>
+            </a:r>
+            <a:r>
+              <a:rPr lang="en-US" sz="2400" dirty="0" smtClean="0"/>
+              <a:t>Consumer and producer surplus</a:t>
+            </a:r>
+            <a:endParaRPr lang="en-US" sz="2400" dirty="0" smtClean="0"/>
+          </a:p>
+          <a:p>
+            <a:pPr>
+              <a:tabLst>
+                <a:tab pos="223838" algn="l"/>
+              </a:tabLst>
+            </a:pPr>
+            <a:r>
+              <a:rPr lang="en-US" sz="2400" dirty="0" smtClean="0"/>
               <a:t>Demand</a:t>
             </a:r>
+            <a:endParaRPr lang="en-US" sz="2400" dirty="0" smtClean="0"/>
           </a:p>
           <a:p>
             <a:pPr>
@@ -6083,67 +9407,13 @@
             </a:r>
             <a:r>
               <a:rPr lang="en-US" sz="2400" dirty="0" smtClean="0"/>
-              <a:t>Income and Substitution Effects</a:t>
-            </a:r>
-          </a:p>
-          <a:p>
-            <a:pPr>
-              <a:tabLst>
-                <a:tab pos="223838" algn="l"/>
-              </a:tabLst>
-            </a:pPr>
-            <a:r>
-              <a:rPr lang="en-US" sz="2400" dirty="0" smtClean="0"/>
-              <a:t>Supply</a:t>
-            </a:r>
-          </a:p>
-          <a:p>
-            <a:pPr>
-              <a:tabLst>
-                <a:tab pos="223838" algn="l"/>
-              </a:tabLst>
-            </a:pPr>
-            <a:r>
-              <a:rPr lang="en-US" sz="2400" dirty="0" smtClean="0"/>
-              <a:t>	Production and Cost</a:t>
-            </a:r>
-          </a:p>
-          <a:p>
-            <a:pPr>
-              <a:tabLst>
-                <a:tab pos="223838" algn="l"/>
-              </a:tabLst>
-            </a:pPr>
-            <a:r>
-              <a:rPr lang="en-US" sz="2400" dirty="0"/>
-              <a:t>	</a:t>
+              <a:t>Income and Substitution </a:t>
             </a:r>
             <a:r>
               <a:rPr lang="en-US" sz="2400" dirty="0" smtClean="0"/>
-              <a:t>Supply in the Short and Long Run</a:t>
+              <a:t>Effects</a:t>
             </a:r>
-          </a:p>
-          <a:p>
-            <a:pPr>
-              <a:tabLst>
-                <a:tab pos="223838" algn="l"/>
-              </a:tabLst>
-            </a:pPr>
-            <a:r>
-              <a:rPr lang="en-US" sz="2400" dirty="0" smtClean="0"/>
-              <a:t>Equilibrium</a:t>
-            </a:r>
-          </a:p>
-          <a:p>
-            <a:pPr>
-              <a:tabLst>
-                <a:tab pos="223838" algn="l"/>
-              </a:tabLst>
-            </a:pPr>
-            <a:r>
-              <a:rPr lang="en-US" sz="2400" dirty="0" smtClean="0"/>
-              <a:t>Welfare Analysis (CS, PS)</a:t>
-            </a:r>
+            <a:endParaRPr lang="en-US" sz="2400" dirty="0" smtClean="0"/>
           </a:p>
         </p:txBody>
       </p:sp>
@@ -6202,25 +9472,17 @@
           <a:p>
             <a:r>
               <a:rPr lang="en-US" sz="2400" dirty="0" smtClean="0"/>
-              <a:t>Parsing demand equations</a:t>
+              <a:t>Calculating </a:t>
             </a:r>
-          </a:p>
-          <a:p>
             <a:r>
               <a:rPr lang="en-US" sz="2400" dirty="0" smtClean="0"/>
-              <a:t>Parsing supply equations</a:t>
+              <a:t>equilibrium as a function of exogenous variables</a:t>
             </a:r>
           </a:p>
           <a:p>
             <a:r>
-              <a:rPr lang="en-US" sz="2400" dirty="0" smtClean="0"/>
-              <a:t>Calculating equilibrium as a function of exogenous variables</a:t>
-            </a:r>
-          </a:p>
-          <a:p>
-            <a:r>
-              <a:rPr lang="en-US" sz="2400" dirty="0" smtClean="0"/>
-              <a:t>Using integrals to calculate changes in consumer and producer surplus</a:t>
+              <a:rPr lang="en-US" sz="2400" dirty="0"/>
+              <a:t>Parsing demand equations</a:t>
             </a:r>
           </a:p>
         </p:txBody>
@@ -6712,7 +9974,67 @@
 </p:sld>
 </file>
 
-<file path=ppt/slides/slide3.xml><?xml version="1.0" encoding="utf-8"?>
+<file path=ppt/slides/slide4.xml><?xml version="1.0" encoding="utf-8"?>
+<p:sld xmlns:a="http://schemas.openxmlformats.org/drawingml/2006/main" xmlns:r="http://schemas.openxmlformats.org/officeDocument/2006/relationships" xmlns:p="http://schemas.openxmlformats.org/presentationml/2006/main">
+  <p:cSld>
+    <p:spTree>
+      <p:nvGrpSpPr>
+        <p:cNvPr id="1" name=""/>
+        <p:cNvGrpSpPr/>
+        <p:nvPr/>
+      </p:nvGrpSpPr>
+      <p:grpSpPr>
+        <a:xfrm>
+          <a:off x="0" y="0"/>
+          <a:ext cx="0" cy="0"/>
+          <a:chOff x="0" y="0"/>
+          <a:chExt cx="0" cy="0"/>
+        </a:xfrm>
+      </p:grpSpPr>
+      <p:sp>
+        <p:nvSpPr>
+          <p:cNvPr id="2" name="Title 1"/>
+          <p:cNvSpPr>
+            <a:spLocks noGrp="1"/>
+          </p:cNvSpPr>
+          <p:nvPr>
+            <p:ph type="title"/>
+          </p:nvPr>
+        </p:nvSpPr>
+        <p:spPr/>
+        <p:txBody>
+          <a:bodyPr/>
+          <a:lstStyle/>
+          <a:p>
+            <a:r>
+              <a:rPr lang="en-US" dirty="0" smtClean="0"/>
+              <a:t>Endogenous vs. Exogenous</a:t>
+            </a:r>
+            <a:endParaRPr lang="en-US" dirty="0"/>
+          </a:p>
+        </p:txBody>
+      </p:sp>
+    </p:spTree>
+    <p:extLst>
+      <p:ext uri="{BB962C8B-B14F-4D97-AF65-F5344CB8AC3E}">
+        <p14:creationId xmlns:p14="http://schemas.microsoft.com/office/powerpoint/2010/main" val="590672433"/>
+      </p:ext>
+    </p:extLst>
+  </p:cSld>
+  <p:clrMapOvr>
+    <a:masterClrMapping/>
+  </p:clrMapOvr>
+  <p:timing>
+    <p:tnLst>
+      <p:par>
+        <p:cTn id="1" dur="indefinite" restart="never" nodeType="tmRoot"/>
+      </p:par>
+    </p:tnLst>
+  </p:timing>
+</p:sld>
+</file>
+
+<file path=ppt/slides/slide5.xml><?xml version="1.0" encoding="utf-8"?>
 <p:sld xmlns:a="http://schemas.openxmlformats.org/drawingml/2006/main" xmlns:r="http://schemas.openxmlformats.org/officeDocument/2006/relationships" xmlns:p="http://schemas.openxmlformats.org/presentationml/2006/main">
   <p:cSld>
     <p:spTree>
@@ -7632,7 +10954,7 @@
 </p:sld>
 </file>
 
-<file path=ppt/slides/slide4.xml><?xml version="1.0" encoding="utf-8"?>
+<file path=ppt/slides/slide6.xml><?xml version="1.0" encoding="utf-8"?>
 <p:sld xmlns:a="http://schemas.openxmlformats.org/drawingml/2006/main" xmlns:r="http://schemas.openxmlformats.org/officeDocument/2006/relationships" xmlns:p="http://schemas.openxmlformats.org/presentationml/2006/main">
   <p:cSld>
     <p:spTree>
@@ -8427,7 +11749,7 @@
 </p:sld>
 </file>
 
-<file path=ppt/slides/slide5.xml><?xml version="1.0" encoding="utf-8"?>
+<file path=ppt/slides/slide7.xml><?xml version="1.0" encoding="utf-8"?>
 <p:sld xmlns:a="http://schemas.openxmlformats.org/drawingml/2006/main" xmlns:r="http://schemas.openxmlformats.org/officeDocument/2006/relationships" xmlns:p="http://schemas.openxmlformats.org/presentationml/2006/main">
   <p:cSld>
     <p:spTree>
@@ -9462,7 +12784,7 @@
 </p:sld>
 </file>
 
-<file path=ppt/slides/slide6.xml><?xml version="1.0" encoding="utf-8"?>
+<file path=ppt/slides/slide8.xml><?xml version="1.0" encoding="utf-8"?>
 <p:sld xmlns:a="http://schemas.openxmlformats.org/drawingml/2006/main" xmlns:r="http://schemas.openxmlformats.org/officeDocument/2006/relationships" xmlns:p="http://schemas.openxmlformats.org/presentationml/2006/main">
   <p:cSld>
     <p:spTree>
@@ -10552,1416 +13874,6 @@
 </p:sld>
 </file>
 
-<file path=ppt/slides/slide7.xml><?xml version="1.0" encoding="utf-8"?>
-<p:sld xmlns:a="http://schemas.openxmlformats.org/drawingml/2006/main" xmlns:r="http://schemas.openxmlformats.org/officeDocument/2006/relationships" xmlns:p="http://schemas.openxmlformats.org/presentationml/2006/main">
-  <p:cSld>
-    <p:spTree>
-      <p:nvGrpSpPr>
-        <p:cNvPr id="1" name=""/>
-        <p:cNvGrpSpPr/>
-        <p:nvPr/>
-      </p:nvGrpSpPr>
-      <p:grpSpPr>
-        <a:xfrm>
-          <a:off x="0" y="0"/>
-          <a:ext cx="0" cy="0"/>
-          <a:chOff x="0" y="0"/>
-          <a:chExt cx="0" cy="0"/>
-        </a:xfrm>
-      </p:grpSpPr>
-      <p:sp>
-        <p:nvSpPr>
-          <p:cNvPr id="2" name="Title 1"/>
-          <p:cNvSpPr>
-            <a:spLocks noGrp="1"/>
-          </p:cNvSpPr>
-          <p:nvPr>
-            <p:ph type="title"/>
-          </p:nvPr>
-        </p:nvSpPr>
-        <p:spPr/>
-        <p:txBody>
-          <a:bodyPr/>
-          <a:lstStyle/>
-          <a:p>
-            <a:r>
-              <a:rPr lang="en-US" b="1" dirty="0" smtClean="0"/>
-              <a:t>Substitutes</a:t>
-            </a:r>
-            <a:endParaRPr lang="en-US" b="1" dirty="0"/>
-          </a:p>
-        </p:txBody>
-      </p:sp>
-      <mc:AlternateContent xmlns:mc="http://schemas.openxmlformats.org/markup-compatibility/2006" xmlns:a14="http://schemas.microsoft.com/office/drawing/2010/main">
-        <mc:Choice Requires="a14">
-          <p:sp>
-            <p:nvSpPr>
-              <p:cNvPr id="3" name="Content Placeholder 2"/>
-              <p:cNvSpPr>
-                <a:spLocks noGrp="1"/>
-              </p:cNvSpPr>
-              <p:nvPr>
-                <p:ph idx="1"/>
-              </p:nvPr>
-            </p:nvSpPr>
-            <p:spPr/>
-            <p:txBody>
-              <a:bodyPr/>
-              <a:lstStyle/>
-              <a:p>
-                <a:r>
-                  <a:rPr lang="en-US" dirty="0" smtClean="0"/>
-                  <a:t>Goods </a:t>
-                </a:r>
-                <a14:m>
-                  <m:oMath xmlns:m="http://schemas.openxmlformats.org/officeDocument/2006/math">
-                    <m:r>
-                      <a:rPr lang="en-US" b="0" i="1" dirty="0">
-                        <a:latin typeface="Cambria Math" charset="0"/>
-                      </a:rPr>
-                      <m:t>𝑋</m:t>
-                    </m:r>
-                  </m:oMath>
-                </a14:m>
-                <a:r>
-                  <a:rPr lang="en-US" dirty="0" smtClean="0"/>
-                  <a:t> and </a:t>
-                </a:r>
-                <a14:m>
-                  <m:oMath xmlns:m="http://schemas.openxmlformats.org/officeDocument/2006/math">
-                    <m:r>
-                      <a:rPr lang="en-US" b="0" i="1" dirty="0" smtClean="0">
-                        <a:latin typeface="Cambria Math" charset="0"/>
-                      </a:rPr>
-                      <m:t>𝑌</m:t>
-                    </m:r>
-                  </m:oMath>
-                </a14:m>
-                <a:r>
-                  <a:rPr lang="en-US" dirty="0" smtClean="0"/>
-                  <a:t> are </a:t>
-                </a:r>
-                <a:r>
-                  <a:rPr lang="en-US" b="1" dirty="0" smtClean="0"/>
-                  <a:t>substitutes</a:t>
-                </a:r>
-              </a:p>
-              <a:p>
-                <a:r>
-                  <a:rPr lang="en-US" dirty="0" smtClean="0"/>
-                  <a:t>if an </a:t>
-                </a:r>
-                <a:r>
-                  <a:rPr lang="en-US" b="1" dirty="0" smtClean="0"/>
-                  <a:t>increase</a:t>
-                </a:r>
-                <a:r>
-                  <a:rPr lang="en-US" dirty="0" smtClean="0"/>
-                  <a:t> in the price of </a:t>
-                </a:r>
-                <a14:m>
-                  <m:oMath xmlns:m="http://schemas.openxmlformats.org/officeDocument/2006/math">
-                    <m:r>
-                      <a:rPr lang="en-US" i="1" dirty="0">
-                        <a:latin typeface="Cambria Math" charset="0"/>
-                      </a:rPr>
-                      <m:t>𝑌</m:t>
-                    </m:r>
-                  </m:oMath>
-                </a14:m>
-                <a:endParaRPr lang="en-US" dirty="0" smtClean="0"/>
-              </a:p>
-              <a:p>
-                <a:r>
-                  <a:rPr lang="en-US" dirty="0" smtClean="0"/>
-                  <a:t>causes an </a:t>
-                </a:r>
-                <a:r>
-                  <a:rPr lang="en-US" b="1" dirty="0" smtClean="0"/>
-                  <a:t>increase </a:t>
-                </a:r>
-                <a:r>
-                  <a:rPr lang="en-US" dirty="0" smtClean="0"/>
-                  <a:t>in the demand for good </a:t>
-                </a:r>
-                <a14:m>
-                  <m:oMath xmlns:m="http://schemas.openxmlformats.org/officeDocument/2006/math">
-                    <m:r>
-                      <a:rPr lang="en-US" i="1" dirty="0">
-                        <a:latin typeface="Cambria Math" charset="0"/>
-                      </a:rPr>
-                      <m:t>𝑋</m:t>
-                    </m:r>
-                    <m:r>
-                      <a:rPr lang="en-US" i="1" dirty="0">
-                        <a:latin typeface="Cambria Math" charset="0"/>
-                      </a:rPr>
-                      <m:t> </m:t>
-                    </m:r>
-                  </m:oMath>
-                </a14:m>
-                <a:r>
-                  <a:rPr lang="en-US" dirty="0" smtClean="0"/>
-                  <a:t>:</a:t>
-                </a:r>
-              </a:p>
-              <a:p>
-                <a:endParaRPr lang="en-US" dirty="0"/>
-              </a:p>
-              <a:p>
-                <a:pPr algn="ctr"/>
-                <a14:m>
-                  <m:oMathPara xmlns:m="http://schemas.openxmlformats.org/officeDocument/2006/math">
-                    <m:oMathParaPr>
-                      <m:jc m:val="centerGroup"/>
-                    </m:oMathParaPr>
-                    <m:oMath xmlns:m="http://schemas.openxmlformats.org/officeDocument/2006/math">
-                      <m:f>
-                        <m:fPr>
-                          <m:ctrlPr>
-                            <a:rPr lang="en-US" sz="7200" i="1" smtClean="0">
-                              <a:solidFill>
-                                <a:schemeClr val="tx1"/>
-                              </a:solidFill>
-                              <a:latin typeface="Cambria Math" charset="0"/>
-                            </a:rPr>
-                          </m:ctrlPr>
-                        </m:fPr>
-                        <m:num>
-                          <m:r>
-                            <a:rPr lang="en-US" sz="7200" i="1" smtClean="0">
-                              <a:solidFill>
-                                <a:schemeClr val="accent5"/>
-                              </a:solidFill>
-                              <a:latin typeface="Cambria Math" charset="0"/>
-                            </a:rPr>
-                            <m:t>𝜕</m:t>
-                          </m:r>
-                          <m:sSubSup>
-                            <m:sSubSupPr>
-                              <m:ctrlPr>
-                                <a:rPr lang="en-US" sz="7200" i="1">
-                                  <a:solidFill>
-                                    <a:schemeClr val="accent5"/>
-                                  </a:solidFill>
-                                  <a:latin typeface="Cambria Math" charset="0"/>
-                                </a:rPr>
-                              </m:ctrlPr>
-                            </m:sSubSupPr>
-                            <m:e>
-                              <m:r>
-                                <a:rPr lang="en-US" sz="7200" i="1">
-                                  <a:solidFill>
-                                    <a:schemeClr val="accent5"/>
-                                  </a:solidFill>
-                                  <a:latin typeface="Cambria Math" charset="0"/>
-                                </a:rPr>
-                                <m:t>𝑄</m:t>
-                              </m:r>
-                            </m:e>
-                            <m:sub>
-                              <m:r>
-                                <a:rPr lang="en-US" sz="7200" i="1">
-                                  <a:solidFill>
-                                    <a:schemeClr val="accent5"/>
-                                  </a:solidFill>
-                                  <a:latin typeface="Cambria Math" charset="0"/>
-                                </a:rPr>
-                                <m:t>𝑋</m:t>
-                              </m:r>
-                            </m:sub>
-                            <m:sup>
-                              <m:r>
-                                <a:rPr lang="en-US" sz="7200" i="1">
-                                  <a:solidFill>
-                                    <a:schemeClr val="accent5"/>
-                                  </a:solidFill>
-                                  <a:latin typeface="Cambria Math" charset="0"/>
-                                </a:rPr>
-                                <m:t>𝐷</m:t>
-                              </m:r>
-                            </m:sup>
-                          </m:sSubSup>
-                          <m:r>
-                            <a:rPr lang="en-US" sz="7200" i="1">
-                              <a:solidFill>
-                                <a:schemeClr val="tx1"/>
-                              </a:solidFill>
-                              <a:latin typeface="Cambria Math" charset="0"/>
-                            </a:rPr>
-                            <m:t>(</m:t>
-                          </m:r>
-                          <m:sSub>
-                            <m:sSubPr>
-                              <m:ctrlPr>
-                                <a:rPr lang="en-US" sz="7200" i="1">
-                                  <a:solidFill>
-                                    <a:schemeClr val="tx1"/>
-                                  </a:solidFill>
-                                  <a:latin typeface="Cambria Math" charset="0"/>
-                                </a:rPr>
-                              </m:ctrlPr>
-                            </m:sSubPr>
-                            <m:e>
-                              <m:r>
-                                <a:rPr lang="en-US" sz="7200" i="1">
-                                  <a:solidFill>
-                                    <a:schemeClr val="tx1"/>
-                                  </a:solidFill>
-                                  <a:latin typeface="Cambria Math" charset="0"/>
-                                </a:rPr>
-                                <m:t>𝑃</m:t>
-                              </m:r>
-                            </m:e>
-                            <m:sub>
-                              <m:r>
-                                <a:rPr lang="en-US" sz="7200" i="1">
-                                  <a:solidFill>
-                                    <a:schemeClr val="tx1"/>
-                                  </a:solidFill>
-                                  <a:latin typeface="Cambria Math" charset="0"/>
-                                </a:rPr>
-                                <m:t>𝑋</m:t>
-                              </m:r>
-                            </m:sub>
-                          </m:sSub>
-                          <m:r>
-                            <a:rPr lang="en-US" sz="7200" b="0" i="1" smtClean="0">
-                              <a:solidFill>
-                                <a:schemeClr val="tx1"/>
-                              </a:solidFill>
-                              <a:latin typeface="Cambria Math" charset="0"/>
-                            </a:rPr>
-                            <m:t>,</m:t>
-                          </m:r>
-                          <m:sSub>
-                            <m:sSubPr>
-                              <m:ctrlPr>
-                                <a:rPr lang="en-US" sz="7200" i="1" smtClean="0">
-                                  <a:solidFill>
-                                    <a:schemeClr val="bg1">
-                                      <a:lumMod val="50000"/>
-                                    </a:schemeClr>
-                                  </a:solidFill>
-                                  <a:latin typeface="Cambria Math" charset="0"/>
-                                </a:rPr>
-                              </m:ctrlPr>
-                            </m:sSubPr>
-                            <m:e>
-                              <m:r>
-                                <a:rPr lang="en-US" sz="7200" i="1">
-                                  <a:solidFill>
-                                    <a:schemeClr val="bg1">
-                                      <a:lumMod val="50000"/>
-                                    </a:schemeClr>
-                                  </a:solidFill>
-                                  <a:latin typeface="Cambria Math" charset="0"/>
-                                </a:rPr>
-                                <m:t>𝑃</m:t>
-                              </m:r>
-                            </m:e>
-                            <m:sub>
-                              <m:r>
-                                <a:rPr lang="en-US" sz="7200" i="1">
-                                  <a:solidFill>
-                                    <a:schemeClr val="bg1">
-                                      <a:lumMod val="50000"/>
-                                    </a:schemeClr>
-                                  </a:solidFill>
-                                  <a:latin typeface="Cambria Math" charset="0"/>
-                                </a:rPr>
-                                <m:t>𝑌</m:t>
-                              </m:r>
-                            </m:sub>
-                          </m:sSub>
-                          <m:r>
-                            <a:rPr lang="en-US" sz="7200" i="1">
-                              <a:solidFill>
-                                <a:schemeClr val="bg1">
-                                  <a:lumMod val="50000"/>
-                                </a:schemeClr>
-                              </a:solidFill>
-                              <a:latin typeface="Cambria Math" charset="0"/>
-                            </a:rPr>
-                            <m:t>,</m:t>
-                          </m:r>
-                          <m:r>
-                            <a:rPr lang="en-US" sz="7200" i="1">
-                              <a:solidFill>
-                                <a:schemeClr val="bg1">
-                                  <a:lumMod val="50000"/>
-                                </a:schemeClr>
-                              </a:solidFill>
-                              <a:latin typeface="Cambria Math" charset="0"/>
-                            </a:rPr>
-                            <m:t>𝐼</m:t>
-                          </m:r>
-                          <m:r>
-                            <a:rPr lang="en-US" sz="7200" i="1">
-                              <a:solidFill>
-                                <a:schemeClr val="bg1">
-                                  <a:lumMod val="50000"/>
-                                </a:schemeClr>
-                              </a:solidFill>
-                              <a:latin typeface="Cambria Math" charset="0"/>
-                            </a:rPr>
-                            <m:t>,…)</m:t>
-                          </m:r>
-                        </m:num>
-                        <m:den>
-                          <m:r>
-                            <a:rPr lang="en-US" sz="7200" i="1" smtClean="0">
-                              <a:solidFill>
-                                <a:schemeClr val="bg1">
-                                  <a:lumMod val="50000"/>
-                                </a:schemeClr>
-                              </a:solidFill>
-                              <a:latin typeface="Cambria Math" charset="0"/>
-                            </a:rPr>
-                            <m:t>𝜕</m:t>
-                          </m:r>
-                          <m:sSub>
-                            <m:sSubPr>
-                              <m:ctrlPr>
-                                <a:rPr lang="en-US" sz="7200" i="1">
-                                  <a:solidFill>
-                                    <a:schemeClr val="bg1">
-                                      <a:lumMod val="50000"/>
-                                    </a:schemeClr>
-                                  </a:solidFill>
-                                  <a:latin typeface="Cambria Math" charset="0"/>
-                                </a:rPr>
-                              </m:ctrlPr>
-                            </m:sSubPr>
-                            <m:e>
-                              <m:r>
-                                <a:rPr lang="en-US" sz="7200" i="1">
-                                  <a:solidFill>
-                                    <a:schemeClr val="bg1">
-                                      <a:lumMod val="50000"/>
-                                    </a:schemeClr>
-                                  </a:solidFill>
-                                  <a:latin typeface="Cambria Math" charset="0"/>
-                                </a:rPr>
-                                <m:t>𝑃</m:t>
-                              </m:r>
-                            </m:e>
-                            <m:sub>
-                              <m:r>
-                                <a:rPr lang="en-US" sz="7200" i="1">
-                                  <a:solidFill>
-                                    <a:schemeClr val="bg1">
-                                      <a:lumMod val="50000"/>
-                                    </a:schemeClr>
-                                  </a:solidFill>
-                                  <a:latin typeface="Cambria Math" charset="0"/>
-                                </a:rPr>
-                                <m:t>𝑌</m:t>
-                              </m:r>
-                            </m:sub>
-                          </m:sSub>
-                        </m:den>
-                      </m:f>
-                      <m:r>
-                        <a:rPr lang="en-US" sz="7200" b="0" i="1" smtClean="0">
-                          <a:solidFill>
-                            <a:schemeClr val="tx1"/>
-                          </a:solidFill>
-                          <a:latin typeface="Cambria Math" charset="0"/>
-                        </a:rPr>
-                        <m:t>&gt;0</m:t>
-                      </m:r>
-                    </m:oMath>
-                  </m:oMathPara>
-                </a14:m>
-                <a:endParaRPr lang="en-US" sz="7200" dirty="0"/>
-              </a:p>
-            </p:txBody>
-          </p:sp>
-        </mc:Choice>
-        <mc:Fallback xmlns="">
-          <p:sp>
-            <p:nvSpPr>
-              <p:cNvPr id="3" name="Content Placeholder 2"/>
-              <p:cNvSpPr>
-                <a:spLocks noGrp="1" noRot="1" noChangeAspect="1" noMove="1" noResize="1" noEditPoints="1" noAdjustHandles="1" noChangeArrowheads="1" noChangeShapeType="1" noTextEdit="1"/>
-              </p:cNvSpPr>
-              <p:nvPr>
-                <p:ph idx="1"/>
-              </p:nvPr>
-            </p:nvSpPr>
-            <p:spPr>
-              <a:blipFill rotWithShape="0">
-                <a:blip r:embed="rId2"/>
-                <a:stretch>
-                  <a:fillRect l="-1217" t="-2381"/>
-                </a:stretch>
-              </a:blipFill>
-            </p:spPr>
-            <p:txBody>
-              <a:bodyPr/>
-              <a:lstStyle/>
-              <a:p>
-                <a:r>
-                  <a:rPr lang="en-US">
-                    <a:noFill/>
-                  </a:rPr>
-                  <a:t> </a:t>
-                </a:r>
-              </a:p>
-            </p:txBody>
-          </p:sp>
-        </mc:Fallback>
-      </mc:AlternateContent>
-    </p:spTree>
-    <p:extLst>
-      <p:ext uri="{BB962C8B-B14F-4D97-AF65-F5344CB8AC3E}">
-        <p14:creationId xmlns:p14="http://schemas.microsoft.com/office/powerpoint/2010/main" val="471154136"/>
-      </p:ext>
-    </p:extLst>
-  </p:cSld>
-  <p:clrMapOvr>
-    <a:masterClrMapping/>
-  </p:clrMapOvr>
-  <p:timing>
-    <p:tnLst>
-      <p:par>
-        <p:cTn id="1" dur="indefinite" restart="never" nodeType="tmRoot">
-          <p:childTnLst>
-            <p:seq concurrent="1" nextAc="seek">
-              <p:cTn id="2" dur="indefinite" nodeType="mainSeq">
-                <p:childTnLst>
-                  <p:par>
-                    <p:cTn id="3" fill="hold">
-                      <p:stCondLst>
-                        <p:cond delay="indefinite"/>
-                      </p:stCondLst>
-                      <p:childTnLst>
-                        <p:par>
-                          <p:cTn id="4" fill="hold">
-                            <p:stCondLst>
-                              <p:cond delay="0"/>
-                            </p:stCondLst>
-                            <p:childTnLst>
-                              <p:par>
-                                <p:cTn id="5" presetID="1" presetClass="entr" presetSubtype="0" fill="hold" grpId="0" nodeType="clickEffect">
-                                  <p:stCondLst>
-                                    <p:cond delay="0"/>
-                                  </p:stCondLst>
-                                  <p:childTnLst>
-                                    <p:set>
-                                      <p:cBhvr>
-                                        <p:cTn id="6" dur="1" fill="hold">
-                                          <p:stCondLst>
-                                            <p:cond delay="0"/>
-                                          </p:stCondLst>
-                                        </p:cTn>
-                                        <p:tgtEl>
-                                          <p:spTgt spid="3">
-                                            <p:txEl>
-                                              <p:pRg st="0" end="0"/>
-                                            </p:txEl>
-                                          </p:spTgt>
-                                        </p:tgtEl>
-                                        <p:attrNameLst>
-                                          <p:attrName>style.visibility</p:attrName>
-                                        </p:attrNameLst>
-                                      </p:cBhvr>
-                                      <p:to>
-                                        <p:strVal val="visible"/>
-                                      </p:to>
-                                    </p:set>
-                                  </p:childTnLst>
-                                </p:cTn>
-                              </p:par>
-                            </p:childTnLst>
-                          </p:cTn>
-                        </p:par>
-                      </p:childTnLst>
-                    </p:cTn>
-                  </p:par>
-                  <p:par>
-                    <p:cTn id="7" fill="hold">
-                      <p:stCondLst>
-                        <p:cond delay="indefinite"/>
-                      </p:stCondLst>
-                      <p:childTnLst>
-                        <p:par>
-                          <p:cTn id="8" fill="hold">
-                            <p:stCondLst>
-                              <p:cond delay="0"/>
-                            </p:stCondLst>
-                            <p:childTnLst>
-                              <p:par>
-                                <p:cTn id="9" presetID="1" presetClass="entr" presetSubtype="0" fill="hold" grpId="0" nodeType="clickEffect">
-                                  <p:stCondLst>
-                                    <p:cond delay="0"/>
-                                  </p:stCondLst>
-                                  <p:childTnLst>
-                                    <p:set>
-                                      <p:cBhvr>
-                                        <p:cTn id="10" dur="1" fill="hold">
-                                          <p:stCondLst>
-                                            <p:cond delay="0"/>
-                                          </p:stCondLst>
-                                        </p:cTn>
-                                        <p:tgtEl>
-                                          <p:spTgt spid="3">
-                                            <p:txEl>
-                                              <p:pRg st="1" end="1"/>
-                                            </p:txEl>
-                                          </p:spTgt>
-                                        </p:tgtEl>
-                                        <p:attrNameLst>
-                                          <p:attrName>style.visibility</p:attrName>
-                                        </p:attrNameLst>
-                                      </p:cBhvr>
-                                      <p:to>
-                                        <p:strVal val="visible"/>
-                                      </p:to>
-                                    </p:set>
-                                  </p:childTnLst>
-                                </p:cTn>
-                              </p:par>
-                            </p:childTnLst>
-                          </p:cTn>
-                        </p:par>
-                      </p:childTnLst>
-                    </p:cTn>
-                  </p:par>
-                  <p:par>
-                    <p:cTn id="11" fill="hold">
-                      <p:stCondLst>
-                        <p:cond delay="indefinite"/>
-                      </p:stCondLst>
-                      <p:childTnLst>
-                        <p:par>
-                          <p:cTn id="12" fill="hold">
-                            <p:stCondLst>
-                              <p:cond delay="0"/>
-                            </p:stCondLst>
-                            <p:childTnLst>
-                              <p:par>
-                                <p:cTn id="13" presetID="1" presetClass="entr" presetSubtype="0" fill="hold" grpId="0" nodeType="clickEffect">
-                                  <p:stCondLst>
-                                    <p:cond delay="0"/>
-                                  </p:stCondLst>
-                                  <p:childTnLst>
-                                    <p:set>
-                                      <p:cBhvr>
-                                        <p:cTn id="14" dur="1" fill="hold">
-                                          <p:stCondLst>
-                                            <p:cond delay="0"/>
-                                          </p:stCondLst>
-                                        </p:cTn>
-                                        <p:tgtEl>
-                                          <p:spTgt spid="3">
-                                            <p:txEl>
-                                              <p:pRg st="2" end="2"/>
-                                            </p:txEl>
-                                          </p:spTgt>
-                                        </p:tgtEl>
-                                        <p:attrNameLst>
-                                          <p:attrName>style.visibility</p:attrName>
-                                        </p:attrNameLst>
-                                      </p:cBhvr>
-                                      <p:to>
-                                        <p:strVal val="visible"/>
-                                      </p:to>
-                                    </p:set>
-                                  </p:childTnLst>
-                                </p:cTn>
-                              </p:par>
-                            </p:childTnLst>
-                          </p:cTn>
-                        </p:par>
-                      </p:childTnLst>
-                    </p:cTn>
-                  </p:par>
-                  <p:par>
-                    <p:cTn id="15" fill="hold">
-                      <p:stCondLst>
-                        <p:cond delay="indefinite"/>
-                      </p:stCondLst>
-                      <p:childTnLst>
-                        <p:par>
-                          <p:cTn id="16" fill="hold">
-                            <p:stCondLst>
-                              <p:cond delay="0"/>
-                            </p:stCondLst>
-                            <p:childTnLst>
-                              <p:par>
-                                <p:cTn id="17" presetID="1" presetClass="entr" presetSubtype="0" fill="hold" grpId="0" nodeType="clickEffect">
-                                  <p:stCondLst>
-                                    <p:cond delay="0"/>
-                                  </p:stCondLst>
-                                  <p:childTnLst>
-                                    <p:set>
-                                      <p:cBhvr>
-                                        <p:cTn id="18" dur="1" fill="hold">
-                                          <p:stCondLst>
-                                            <p:cond delay="0"/>
-                                          </p:stCondLst>
-                                        </p:cTn>
-                                        <p:tgtEl>
-                                          <p:spTgt spid="3">
-                                            <p:txEl>
-                                              <p:pRg st="4" end="4"/>
-                                            </p:txEl>
-                                          </p:spTgt>
-                                        </p:tgtEl>
-                                        <p:attrNameLst>
-                                          <p:attrName>style.visibility</p:attrName>
-                                        </p:attrNameLst>
-                                      </p:cBhvr>
-                                      <p:to>
-                                        <p:strVal val="visible"/>
-                                      </p:to>
-                                    </p:set>
-                                  </p:childTnLst>
-                                </p:cTn>
-                              </p:par>
-                            </p:childTnLst>
-                          </p:cTn>
-                        </p:par>
-                      </p:childTnLst>
-                    </p:cTn>
-                  </p:par>
-                </p:childTnLst>
-              </p:cTn>
-              <p:prevCondLst>
-                <p:cond evt="onPrev" delay="0">
-                  <p:tgtEl>
-                    <p:sldTgt/>
-                  </p:tgtEl>
-                </p:cond>
-              </p:prevCondLst>
-              <p:nextCondLst>
-                <p:cond evt="onNext" delay="0">
-                  <p:tgtEl>
-                    <p:sldTgt/>
-                  </p:tgtEl>
-                </p:cond>
-              </p:nextCondLst>
-            </p:seq>
-          </p:childTnLst>
-        </p:cTn>
-      </p:par>
-    </p:tnLst>
-    <p:bldLst>
-      <p:bldP spid="3" grpId="0" build="p"/>
-    </p:bldLst>
-  </p:timing>
-</p:sld>
-</file>
-
-<file path=ppt/slides/slide8.xml><?xml version="1.0" encoding="utf-8"?>
-<p:sld xmlns:a="http://schemas.openxmlformats.org/drawingml/2006/main" xmlns:r="http://schemas.openxmlformats.org/officeDocument/2006/relationships" xmlns:p="http://schemas.openxmlformats.org/presentationml/2006/main">
-  <p:cSld>
-    <p:spTree>
-      <p:nvGrpSpPr>
-        <p:cNvPr id="1" name=""/>
-        <p:cNvGrpSpPr/>
-        <p:nvPr/>
-      </p:nvGrpSpPr>
-      <p:grpSpPr>
-        <a:xfrm>
-          <a:off x="0" y="0"/>
-          <a:ext cx="0" cy="0"/>
-          <a:chOff x="0" y="0"/>
-          <a:chExt cx="0" cy="0"/>
-        </a:xfrm>
-      </p:grpSpPr>
-      <p:sp>
-        <p:nvSpPr>
-          <p:cNvPr id="2" name="Title 1"/>
-          <p:cNvSpPr>
-            <a:spLocks noGrp="1"/>
-          </p:cNvSpPr>
-          <p:nvPr>
-            <p:ph type="title"/>
-          </p:nvPr>
-        </p:nvSpPr>
-        <p:spPr/>
-        <p:txBody>
-          <a:bodyPr/>
-          <a:lstStyle/>
-          <a:p>
-            <a:r>
-              <a:rPr lang="en-US" b="1" dirty="0" smtClean="0"/>
-              <a:t>Complements</a:t>
-            </a:r>
-            <a:endParaRPr lang="en-US" b="1" dirty="0"/>
-          </a:p>
-        </p:txBody>
-      </p:sp>
-      <mc:AlternateContent xmlns:mc="http://schemas.openxmlformats.org/markup-compatibility/2006" xmlns:a14="http://schemas.microsoft.com/office/drawing/2010/main">
-        <mc:Choice Requires="a14">
-          <p:sp>
-            <p:nvSpPr>
-              <p:cNvPr id="3" name="Content Placeholder 2"/>
-              <p:cNvSpPr>
-                <a:spLocks noGrp="1"/>
-              </p:cNvSpPr>
-              <p:nvPr>
-                <p:ph idx="1"/>
-              </p:nvPr>
-            </p:nvSpPr>
-            <p:spPr/>
-            <p:txBody>
-              <a:bodyPr/>
-              <a:lstStyle/>
-              <a:p>
-                <a:r>
-                  <a:rPr lang="en-US" dirty="0" smtClean="0"/>
-                  <a:t>Goods </a:t>
-                </a:r>
-                <a14:m>
-                  <m:oMath xmlns:m="http://schemas.openxmlformats.org/officeDocument/2006/math">
-                    <m:r>
-                      <a:rPr lang="en-US" i="1" dirty="0">
-                        <a:latin typeface="Cambria Math" charset="0"/>
-                      </a:rPr>
-                      <m:t>𝑋</m:t>
-                    </m:r>
-                  </m:oMath>
-                </a14:m>
-                <a:r>
-                  <a:rPr lang="en-US" dirty="0"/>
-                  <a:t> and </a:t>
-                </a:r>
-                <a14:m>
-                  <m:oMath xmlns:m="http://schemas.openxmlformats.org/officeDocument/2006/math">
-                    <m:r>
-                      <a:rPr lang="en-US" i="1" dirty="0">
-                        <a:latin typeface="Cambria Math" charset="0"/>
-                      </a:rPr>
-                      <m:t>𝑌</m:t>
-                    </m:r>
-                  </m:oMath>
-                </a14:m>
-                <a:r>
-                  <a:rPr lang="en-US" dirty="0"/>
-                  <a:t> </a:t>
-                </a:r>
-                <a:r>
-                  <a:rPr lang="en-US" dirty="0" smtClean="0"/>
-                  <a:t>are </a:t>
-                </a:r>
-                <a:r>
-                  <a:rPr lang="en-US" b="1" dirty="0" smtClean="0"/>
-                  <a:t>complements</a:t>
-                </a:r>
-              </a:p>
-              <a:p>
-                <a:r>
-                  <a:rPr lang="en-US" dirty="0" smtClean="0"/>
-                  <a:t>if an </a:t>
-                </a:r>
-                <a:r>
-                  <a:rPr lang="en-US" b="1" dirty="0" smtClean="0"/>
-                  <a:t>increase</a:t>
-                </a:r>
-                <a:r>
-                  <a:rPr lang="en-US" dirty="0" smtClean="0"/>
-                  <a:t> in the price of </a:t>
-                </a:r>
-                <a14:m>
-                  <m:oMath xmlns:m="http://schemas.openxmlformats.org/officeDocument/2006/math">
-                    <m:r>
-                      <a:rPr lang="en-US" i="1" dirty="0">
-                        <a:latin typeface="Cambria Math" charset="0"/>
-                      </a:rPr>
-                      <m:t>𝑌</m:t>
-                    </m:r>
-                  </m:oMath>
-                </a14:m>
-                <a:endParaRPr lang="en-US" dirty="0" smtClean="0"/>
-              </a:p>
-              <a:p>
-                <a:r>
-                  <a:rPr lang="en-US" dirty="0" smtClean="0"/>
-                  <a:t>causes a </a:t>
-                </a:r>
-                <a:r>
-                  <a:rPr lang="en-US" b="1" dirty="0" smtClean="0"/>
-                  <a:t>decrease</a:t>
-                </a:r>
-                <a:r>
-                  <a:rPr lang="en-US" dirty="0" smtClean="0"/>
-                  <a:t> in the demand for good </a:t>
-                </a:r>
-                <a14:m>
-                  <m:oMath xmlns:m="http://schemas.openxmlformats.org/officeDocument/2006/math">
-                    <m:r>
-                      <a:rPr lang="en-US" i="1" dirty="0">
-                        <a:latin typeface="Cambria Math" charset="0"/>
-                      </a:rPr>
-                      <m:t>𝑋</m:t>
-                    </m:r>
-                    <m:r>
-                      <a:rPr lang="en-US" i="1" dirty="0">
-                        <a:latin typeface="Cambria Math" charset="0"/>
-                      </a:rPr>
-                      <m:t> </m:t>
-                    </m:r>
-                  </m:oMath>
-                </a14:m>
-                <a:r>
-                  <a:rPr lang="en-US" dirty="0" smtClean="0"/>
-                  <a:t>:</a:t>
-                </a:r>
-              </a:p>
-              <a:p>
-                <a:endParaRPr lang="en-US" dirty="0"/>
-              </a:p>
-              <a:p>
-                <a:pPr algn="ctr"/>
-                <a14:m>
-                  <m:oMathPara xmlns:m="http://schemas.openxmlformats.org/officeDocument/2006/math">
-                    <m:oMathParaPr>
-                      <m:jc m:val="centerGroup"/>
-                    </m:oMathParaPr>
-                    <m:oMath xmlns:m="http://schemas.openxmlformats.org/officeDocument/2006/math">
-                      <m:f>
-                        <m:fPr>
-                          <m:ctrlPr>
-                            <a:rPr lang="en-US" sz="7200" i="1" smtClean="0">
-                              <a:solidFill>
-                                <a:schemeClr val="tx1"/>
-                              </a:solidFill>
-                              <a:latin typeface="Cambria Math" charset="0"/>
-                            </a:rPr>
-                          </m:ctrlPr>
-                        </m:fPr>
-                        <m:num>
-                          <m:r>
-                            <a:rPr lang="en-US" sz="7200" i="1" smtClean="0">
-                              <a:solidFill>
-                                <a:schemeClr val="accent5"/>
-                              </a:solidFill>
-                              <a:latin typeface="Cambria Math" charset="0"/>
-                            </a:rPr>
-                            <m:t>𝜕</m:t>
-                          </m:r>
-                          <m:sSubSup>
-                            <m:sSubSupPr>
-                              <m:ctrlPr>
-                                <a:rPr lang="en-US" sz="7200" i="1">
-                                  <a:solidFill>
-                                    <a:schemeClr val="accent5"/>
-                                  </a:solidFill>
-                                  <a:latin typeface="Cambria Math" charset="0"/>
-                                </a:rPr>
-                              </m:ctrlPr>
-                            </m:sSubSupPr>
-                            <m:e>
-                              <m:r>
-                                <a:rPr lang="en-US" sz="7200" i="1">
-                                  <a:solidFill>
-                                    <a:schemeClr val="accent5"/>
-                                  </a:solidFill>
-                                  <a:latin typeface="Cambria Math" charset="0"/>
-                                </a:rPr>
-                                <m:t>𝑄</m:t>
-                              </m:r>
-                            </m:e>
-                            <m:sub>
-                              <m:r>
-                                <a:rPr lang="en-US" sz="7200" i="1">
-                                  <a:solidFill>
-                                    <a:schemeClr val="accent5"/>
-                                  </a:solidFill>
-                                  <a:latin typeface="Cambria Math" charset="0"/>
-                                </a:rPr>
-                                <m:t>𝑋</m:t>
-                              </m:r>
-                            </m:sub>
-                            <m:sup>
-                              <m:r>
-                                <a:rPr lang="en-US" sz="7200" i="1">
-                                  <a:solidFill>
-                                    <a:schemeClr val="accent5"/>
-                                  </a:solidFill>
-                                  <a:latin typeface="Cambria Math" charset="0"/>
-                                </a:rPr>
-                                <m:t>𝐷</m:t>
-                              </m:r>
-                            </m:sup>
-                          </m:sSubSup>
-                          <m:r>
-                            <a:rPr lang="en-US" sz="7200" i="1">
-                              <a:solidFill>
-                                <a:schemeClr val="tx1"/>
-                              </a:solidFill>
-                              <a:latin typeface="Cambria Math" charset="0"/>
-                            </a:rPr>
-                            <m:t>(</m:t>
-                          </m:r>
-                          <m:sSub>
-                            <m:sSubPr>
-                              <m:ctrlPr>
-                                <a:rPr lang="en-US" sz="7200" i="1">
-                                  <a:solidFill>
-                                    <a:schemeClr val="tx1"/>
-                                  </a:solidFill>
-                                  <a:latin typeface="Cambria Math" charset="0"/>
-                                </a:rPr>
-                              </m:ctrlPr>
-                            </m:sSubPr>
-                            <m:e>
-                              <m:r>
-                                <a:rPr lang="en-US" sz="7200" i="1">
-                                  <a:solidFill>
-                                    <a:schemeClr val="tx1"/>
-                                  </a:solidFill>
-                                  <a:latin typeface="Cambria Math" charset="0"/>
-                                </a:rPr>
-                                <m:t>𝑃</m:t>
-                              </m:r>
-                            </m:e>
-                            <m:sub>
-                              <m:r>
-                                <a:rPr lang="en-US" sz="7200" i="1">
-                                  <a:solidFill>
-                                    <a:schemeClr val="tx1"/>
-                                  </a:solidFill>
-                                  <a:latin typeface="Cambria Math" charset="0"/>
-                                </a:rPr>
-                                <m:t>𝑋</m:t>
-                              </m:r>
-                            </m:sub>
-                          </m:sSub>
-                          <m:r>
-                            <a:rPr lang="en-US" sz="7200" b="0" i="1" smtClean="0">
-                              <a:solidFill>
-                                <a:schemeClr val="tx1"/>
-                              </a:solidFill>
-                              <a:latin typeface="Cambria Math" charset="0"/>
-                            </a:rPr>
-                            <m:t>,</m:t>
-                          </m:r>
-                          <m:sSub>
-                            <m:sSubPr>
-                              <m:ctrlPr>
-                                <a:rPr lang="en-US" sz="7200" i="1" smtClean="0">
-                                  <a:solidFill>
-                                    <a:schemeClr val="bg1">
-                                      <a:lumMod val="50000"/>
-                                    </a:schemeClr>
-                                  </a:solidFill>
-                                  <a:latin typeface="Cambria Math" charset="0"/>
-                                </a:rPr>
-                              </m:ctrlPr>
-                            </m:sSubPr>
-                            <m:e>
-                              <m:r>
-                                <a:rPr lang="en-US" sz="7200" i="1">
-                                  <a:solidFill>
-                                    <a:schemeClr val="bg1">
-                                      <a:lumMod val="50000"/>
-                                    </a:schemeClr>
-                                  </a:solidFill>
-                                  <a:latin typeface="Cambria Math" charset="0"/>
-                                </a:rPr>
-                                <m:t>𝑃</m:t>
-                              </m:r>
-                            </m:e>
-                            <m:sub>
-                              <m:r>
-                                <a:rPr lang="en-US" sz="7200" i="1">
-                                  <a:solidFill>
-                                    <a:schemeClr val="bg1">
-                                      <a:lumMod val="50000"/>
-                                    </a:schemeClr>
-                                  </a:solidFill>
-                                  <a:latin typeface="Cambria Math" charset="0"/>
-                                </a:rPr>
-                                <m:t>𝑌</m:t>
-                              </m:r>
-                            </m:sub>
-                          </m:sSub>
-                          <m:r>
-                            <a:rPr lang="en-US" sz="7200" i="1">
-                              <a:solidFill>
-                                <a:schemeClr val="bg1">
-                                  <a:lumMod val="50000"/>
-                                </a:schemeClr>
-                              </a:solidFill>
-                              <a:latin typeface="Cambria Math" charset="0"/>
-                            </a:rPr>
-                            <m:t>,</m:t>
-                          </m:r>
-                          <m:r>
-                            <a:rPr lang="en-US" sz="7200" i="1">
-                              <a:solidFill>
-                                <a:schemeClr val="bg1">
-                                  <a:lumMod val="50000"/>
-                                </a:schemeClr>
-                              </a:solidFill>
-                              <a:latin typeface="Cambria Math" charset="0"/>
-                            </a:rPr>
-                            <m:t>𝐼</m:t>
-                          </m:r>
-                          <m:r>
-                            <a:rPr lang="en-US" sz="7200" i="1">
-                              <a:solidFill>
-                                <a:schemeClr val="bg1">
-                                  <a:lumMod val="50000"/>
-                                </a:schemeClr>
-                              </a:solidFill>
-                              <a:latin typeface="Cambria Math" charset="0"/>
-                            </a:rPr>
-                            <m:t>,…)</m:t>
-                          </m:r>
-                        </m:num>
-                        <m:den>
-                          <m:r>
-                            <a:rPr lang="en-US" sz="7200" i="1" smtClean="0">
-                              <a:solidFill>
-                                <a:schemeClr val="bg1">
-                                  <a:lumMod val="50000"/>
-                                </a:schemeClr>
-                              </a:solidFill>
-                              <a:latin typeface="Cambria Math" charset="0"/>
-                            </a:rPr>
-                            <m:t>𝜕</m:t>
-                          </m:r>
-                          <m:sSub>
-                            <m:sSubPr>
-                              <m:ctrlPr>
-                                <a:rPr lang="en-US" sz="7200" i="1">
-                                  <a:solidFill>
-                                    <a:schemeClr val="bg1">
-                                      <a:lumMod val="50000"/>
-                                    </a:schemeClr>
-                                  </a:solidFill>
-                                  <a:latin typeface="Cambria Math" charset="0"/>
-                                </a:rPr>
-                              </m:ctrlPr>
-                            </m:sSubPr>
-                            <m:e>
-                              <m:r>
-                                <a:rPr lang="en-US" sz="7200" i="1">
-                                  <a:solidFill>
-                                    <a:schemeClr val="bg1">
-                                      <a:lumMod val="50000"/>
-                                    </a:schemeClr>
-                                  </a:solidFill>
-                                  <a:latin typeface="Cambria Math" charset="0"/>
-                                </a:rPr>
-                                <m:t>𝑃</m:t>
-                              </m:r>
-                            </m:e>
-                            <m:sub>
-                              <m:r>
-                                <a:rPr lang="en-US" sz="7200" i="1">
-                                  <a:solidFill>
-                                    <a:schemeClr val="bg1">
-                                      <a:lumMod val="50000"/>
-                                    </a:schemeClr>
-                                  </a:solidFill>
-                                  <a:latin typeface="Cambria Math" charset="0"/>
-                                </a:rPr>
-                                <m:t>𝑌</m:t>
-                              </m:r>
-                            </m:sub>
-                          </m:sSub>
-                        </m:den>
-                      </m:f>
-                      <m:r>
-                        <a:rPr lang="en-US" sz="7200" b="0" i="1" smtClean="0">
-                          <a:solidFill>
-                            <a:schemeClr val="tx1"/>
-                          </a:solidFill>
-                          <a:latin typeface="Cambria Math" charset="0"/>
-                        </a:rPr>
-                        <m:t>&lt;0</m:t>
-                      </m:r>
-                    </m:oMath>
-                  </m:oMathPara>
-                </a14:m>
-                <a:endParaRPr lang="en-US" sz="7200" dirty="0"/>
-              </a:p>
-            </p:txBody>
-          </p:sp>
-        </mc:Choice>
-        <mc:Fallback xmlns="">
-          <p:sp>
-            <p:nvSpPr>
-              <p:cNvPr id="3" name="Content Placeholder 2"/>
-              <p:cNvSpPr>
-                <a:spLocks noGrp="1" noRot="1" noChangeAspect="1" noMove="1" noResize="1" noEditPoints="1" noAdjustHandles="1" noChangeArrowheads="1" noChangeShapeType="1" noTextEdit="1"/>
-              </p:cNvSpPr>
-              <p:nvPr>
-                <p:ph idx="1"/>
-              </p:nvPr>
-            </p:nvSpPr>
-            <p:spPr>
-              <a:blipFill rotWithShape="0">
-                <a:blip r:embed="rId2"/>
-                <a:stretch>
-                  <a:fillRect l="-1217" t="-2381"/>
-                </a:stretch>
-              </a:blipFill>
-            </p:spPr>
-            <p:txBody>
-              <a:bodyPr/>
-              <a:lstStyle/>
-              <a:p>
-                <a:r>
-                  <a:rPr lang="en-US">
-                    <a:noFill/>
-                  </a:rPr>
-                  <a:t> </a:t>
-                </a:r>
-              </a:p>
-            </p:txBody>
-          </p:sp>
-        </mc:Fallback>
-      </mc:AlternateContent>
-    </p:spTree>
-    <p:extLst>
-      <p:ext uri="{BB962C8B-B14F-4D97-AF65-F5344CB8AC3E}">
-        <p14:creationId xmlns:p14="http://schemas.microsoft.com/office/powerpoint/2010/main" val="1700198495"/>
-      </p:ext>
-    </p:extLst>
-  </p:cSld>
-  <p:clrMapOvr>
-    <a:masterClrMapping/>
-  </p:clrMapOvr>
-  <p:timing>
-    <p:tnLst>
-      <p:par>
-        <p:cTn id="1" dur="indefinite" restart="never" nodeType="tmRoot">
-          <p:childTnLst>
-            <p:seq concurrent="1" nextAc="seek">
-              <p:cTn id="2" dur="indefinite" nodeType="mainSeq">
-                <p:childTnLst>
-                  <p:par>
-                    <p:cTn id="3" fill="hold">
-                      <p:stCondLst>
-                        <p:cond delay="indefinite"/>
-                      </p:stCondLst>
-                      <p:childTnLst>
-                        <p:par>
-                          <p:cTn id="4" fill="hold">
-                            <p:stCondLst>
-                              <p:cond delay="0"/>
-                            </p:stCondLst>
-                            <p:childTnLst>
-                              <p:par>
-                                <p:cTn id="5" presetID="1" presetClass="entr" presetSubtype="0" fill="hold" grpId="0" nodeType="clickEffect">
-                                  <p:stCondLst>
-                                    <p:cond delay="0"/>
-                                  </p:stCondLst>
-                                  <p:childTnLst>
-                                    <p:set>
-                                      <p:cBhvr>
-                                        <p:cTn id="6" dur="1" fill="hold">
-                                          <p:stCondLst>
-                                            <p:cond delay="0"/>
-                                          </p:stCondLst>
-                                        </p:cTn>
-                                        <p:tgtEl>
-                                          <p:spTgt spid="3">
-                                            <p:txEl>
-                                              <p:pRg st="0" end="0"/>
-                                            </p:txEl>
-                                          </p:spTgt>
-                                        </p:tgtEl>
-                                        <p:attrNameLst>
-                                          <p:attrName>style.visibility</p:attrName>
-                                        </p:attrNameLst>
-                                      </p:cBhvr>
-                                      <p:to>
-                                        <p:strVal val="visible"/>
-                                      </p:to>
-                                    </p:set>
-                                  </p:childTnLst>
-                                </p:cTn>
-                              </p:par>
-                            </p:childTnLst>
-                          </p:cTn>
-                        </p:par>
-                      </p:childTnLst>
-                    </p:cTn>
-                  </p:par>
-                  <p:par>
-                    <p:cTn id="7" fill="hold">
-                      <p:stCondLst>
-                        <p:cond delay="indefinite"/>
-                      </p:stCondLst>
-                      <p:childTnLst>
-                        <p:par>
-                          <p:cTn id="8" fill="hold">
-                            <p:stCondLst>
-                              <p:cond delay="0"/>
-                            </p:stCondLst>
-                            <p:childTnLst>
-                              <p:par>
-                                <p:cTn id="9" presetID="1" presetClass="entr" presetSubtype="0" fill="hold" grpId="0" nodeType="clickEffect">
-                                  <p:stCondLst>
-                                    <p:cond delay="0"/>
-                                  </p:stCondLst>
-                                  <p:childTnLst>
-                                    <p:set>
-                                      <p:cBhvr>
-                                        <p:cTn id="10" dur="1" fill="hold">
-                                          <p:stCondLst>
-                                            <p:cond delay="0"/>
-                                          </p:stCondLst>
-                                        </p:cTn>
-                                        <p:tgtEl>
-                                          <p:spTgt spid="3">
-                                            <p:txEl>
-                                              <p:pRg st="1" end="1"/>
-                                            </p:txEl>
-                                          </p:spTgt>
-                                        </p:tgtEl>
-                                        <p:attrNameLst>
-                                          <p:attrName>style.visibility</p:attrName>
-                                        </p:attrNameLst>
-                                      </p:cBhvr>
-                                      <p:to>
-                                        <p:strVal val="visible"/>
-                                      </p:to>
-                                    </p:set>
-                                  </p:childTnLst>
-                                </p:cTn>
-                              </p:par>
-                            </p:childTnLst>
-                          </p:cTn>
-                        </p:par>
-                      </p:childTnLst>
-                    </p:cTn>
-                  </p:par>
-                  <p:par>
-                    <p:cTn id="11" fill="hold">
-                      <p:stCondLst>
-                        <p:cond delay="indefinite"/>
-                      </p:stCondLst>
-                      <p:childTnLst>
-                        <p:par>
-                          <p:cTn id="12" fill="hold">
-                            <p:stCondLst>
-                              <p:cond delay="0"/>
-                            </p:stCondLst>
-                            <p:childTnLst>
-                              <p:par>
-                                <p:cTn id="13" presetID="1" presetClass="entr" presetSubtype="0" fill="hold" grpId="0" nodeType="clickEffect">
-                                  <p:stCondLst>
-                                    <p:cond delay="0"/>
-                                  </p:stCondLst>
-                                  <p:childTnLst>
-                                    <p:set>
-                                      <p:cBhvr>
-                                        <p:cTn id="14" dur="1" fill="hold">
-                                          <p:stCondLst>
-                                            <p:cond delay="0"/>
-                                          </p:stCondLst>
-                                        </p:cTn>
-                                        <p:tgtEl>
-                                          <p:spTgt spid="3">
-                                            <p:txEl>
-                                              <p:pRg st="2" end="2"/>
-                                            </p:txEl>
-                                          </p:spTgt>
-                                        </p:tgtEl>
-                                        <p:attrNameLst>
-                                          <p:attrName>style.visibility</p:attrName>
-                                        </p:attrNameLst>
-                                      </p:cBhvr>
-                                      <p:to>
-                                        <p:strVal val="visible"/>
-                                      </p:to>
-                                    </p:set>
-                                  </p:childTnLst>
-                                </p:cTn>
-                              </p:par>
-                            </p:childTnLst>
-                          </p:cTn>
-                        </p:par>
-                      </p:childTnLst>
-                    </p:cTn>
-                  </p:par>
-                  <p:par>
-                    <p:cTn id="15" fill="hold">
-                      <p:stCondLst>
-                        <p:cond delay="indefinite"/>
-                      </p:stCondLst>
-                      <p:childTnLst>
-                        <p:par>
-                          <p:cTn id="16" fill="hold">
-                            <p:stCondLst>
-                              <p:cond delay="0"/>
-                            </p:stCondLst>
-                            <p:childTnLst>
-                              <p:par>
-                                <p:cTn id="17" presetID="1" presetClass="entr" presetSubtype="0" fill="hold" grpId="0" nodeType="clickEffect">
-                                  <p:stCondLst>
-                                    <p:cond delay="0"/>
-                                  </p:stCondLst>
-                                  <p:childTnLst>
-                                    <p:set>
-                                      <p:cBhvr>
-                                        <p:cTn id="18" dur="1" fill="hold">
-                                          <p:stCondLst>
-                                            <p:cond delay="0"/>
-                                          </p:stCondLst>
-                                        </p:cTn>
-                                        <p:tgtEl>
-                                          <p:spTgt spid="3">
-                                            <p:txEl>
-                                              <p:pRg st="4" end="4"/>
-                                            </p:txEl>
-                                          </p:spTgt>
-                                        </p:tgtEl>
-                                        <p:attrNameLst>
-                                          <p:attrName>style.visibility</p:attrName>
-                                        </p:attrNameLst>
-                                      </p:cBhvr>
-                                      <p:to>
-                                        <p:strVal val="visible"/>
-                                      </p:to>
-                                    </p:set>
-                                  </p:childTnLst>
-                                </p:cTn>
-                              </p:par>
-                            </p:childTnLst>
-                          </p:cTn>
-                        </p:par>
-                      </p:childTnLst>
-                    </p:cTn>
-                  </p:par>
-                </p:childTnLst>
-              </p:cTn>
-              <p:prevCondLst>
-                <p:cond evt="onPrev" delay="0">
-                  <p:tgtEl>
-                    <p:sldTgt/>
-                  </p:tgtEl>
-                </p:cond>
-              </p:prevCondLst>
-              <p:nextCondLst>
-                <p:cond evt="onNext" delay="0">
-                  <p:tgtEl>
-                    <p:sldTgt/>
-                  </p:tgtEl>
-                </p:cond>
-              </p:nextCondLst>
-            </p:seq>
-          </p:childTnLst>
-        </p:cTn>
-      </p:par>
-    </p:tnLst>
-    <p:bldLst>
-      <p:bldP spid="3" grpId="0" build="p"/>
-    </p:bldLst>
-  </p:timing>
-</p:sld>
-</file>
-
 <file path=ppt/slides/slide9.xml><?xml version="1.0" encoding="utf-8"?>
 <p:sld xmlns:a="http://schemas.openxmlformats.org/drawingml/2006/main" xmlns:r="http://schemas.openxmlformats.org/officeDocument/2006/relationships" xmlns:p="http://schemas.openxmlformats.org/presentationml/2006/main">
   <p:cSld>
@@ -11995,388 +13907,36 @@
           <a:lstStyle/>
           <a:p>
             <a:r>
-              <a:rPr lang="en-US" b="1" dirty="0" smtClean="0"/>
-              <a:t>Normal goods</a:t>
+              <a:rPr lang="en-US" dirty="0" smtClean="0"/>
+              <a:t>Individual and Market Demand</a:t>
             </a:r>
-            <a:endParaRPr lang="en-US" b="1" dirty="0"/>
+            <a:endParaRPr lang="en-US" dirty="0"/>
           </a:p>
         </p:txBody>
       </p:sp>
-      <mc:AlternateContent xmlns:mc="http://schemas.openxmlformats.org/markup-compatibility/2006" xmlns:a14="http://schemas.microsoft.com/office/drawing/2010/main">
-        <mc:Choice Requires="a14">
-          <p:sp>
-            <p:nvSpPr>
-              <p:cNvPr id="3" name="Content Placeholder 2"/>
-              <p:cNvSpPr>
-                <a:spLocks noGrp="1"/>
-              </p:cNvSpPr>
-              <p:nvPr>
-                <p:ph idx="1"/>
-              </p:nvPr>
-            </p:nvSpPr>
-            <p:spPr/>
-            <p:txBody>
-              <a:bodyPr/>
-              <a:lstStyle/>
-              <a:p>
-                <a:r>
-                  <a:rPr lang="en-US" dirty="0" smtClean="0"/>
-                  <a:t>Good </a:t>
-                </a:r>
-                <a14:m>
-                  <m:oMath xmlns:m="http://schemas.openxmlformats.org/officeDocument/2006/math">
-                    <m:r>
-                      <a:rPr lang="en-US" i="1" dirty="0">
-                        <a:latin typeface="Cambria Math" charset="0"/>
-                      </a:rPr>
-                      <m:t>𝑋</m:t>
-                    </m:r>
-                  </m:oMath>
-                </a14:m>
-                <a:r>
-                  <a:rPr lang="en-US" dirty="0"/>
-                  <a:t> </a:t>
-                </a:r>
-                <a:r>
-                  <a:rPr lang="en-US" dirty="0" smtClean="0"/>
-                  <a:t>is a </a:t>
-                </a:r>
-                <a:r>
-                  <a:rPr lang="en-US" b="1" dirty="0" smtClean="0"/>
-                  <a:t>normal good</a:t>
-                </a:r>
-              </a:p>
-              <a:p>
-                <a:r>
-                  <a:rPr lang="en-US" dirty="0" smtClean="0"/>
-                  <a:t>if an </a:t>
-                </a:r>
-                <a:r>
-                  <a:rPr lang="en-US" b="1" dirty="0" smtClean="0"/>
-                  <a:t>increase</a:t>
-                </a:r>
-                <a:r>
-                  <a:rPr lang="en-US" dirty="0" smtClean="0"/>
-                  <a:t> in income</a:t>
-                </a:r>
-              </a:p>
-              <a:p>
-                <a:r>
-                  <a:rPr lang="en-US" dirty="0" smtClean="0"/>
-                  <a:t>causes an </a:t>
-                </a:r>
-                <a:r>
-                  <a:rPr lang="en-US" b="1" dirty="0" smtClean="0"/>
-                  <a:t>increase </a:t>
-                </a:r>
-                <a:r>
-                  <a:rPr lang="en-US" dirty="0" smtClean="0"/>
-                  <a:t>in the demand for good </a:t>
-                </a:r>
-                <a14:m>
-                  <m:oMath xmlns:m="http://schemas.openxmlformats.org/officeDocument/2006/math">
-                    <m:r>
-                      <a:rPr lang="en-US" i="1" dirty="0">
-                        <a:latin typeface="Cambria Math" charset="0"/>
-                      </a:rPr>
-                      <m:t>𝑋</m:t>
-                    </m:r>
-                    <m:r>
-                      <a:rPr lang="en-US" i="1" dirty="0">
-                        <a:latin typeface="Cambria Math" charset="0"/>
-                      </a:rPr>
-                      <m:t> </m:t>
-                    </m:r>
-                  </m:oMath>
-                </a14:m>
-                <a:r>
-                  <a:rPr lang="en-US" dirty="0" smtClean="0"/>
-                  <a:t>:</a:t>
-                </a:r>
-              </a:p>
-              <a:p>
-                <a:endParaRPr lang="en-US" dirty="0"/>
-              </a:p>
-              <a:p>
-                <a:pPr algn="ctr"/>
-                <a14:m>
-                  <m:oMathPara xmlns:m="http://schemas.openxmlformats.org/officeDocument/2006/math">
-                    <m:oMathParaPr>
-                      <m:jc m:val="centerGroup"/>
-                    </m:oMathParaPr>
-                    <m:oMath xmlns:m="http://schemas.openxmlformats.org/officeDocument/2006/math">
-                      <m:f>
-                        <m:fPr>
-                          <m:ctrlPr>
-                            <a:rPr lang="en-US" sz="7200" i="1" smtClean="0">
-                              <a:solidFill>
-                                <a:schemeClr val="tx1"/>
-                              </a:solidFill>
-                              <a:latin typeface="Cambria Math" charset="0"/>
-                            </a:rPr>
-                          </m:ctrlPr>
-                        </m:fPr>
-                        <m:num>
-                          <m:r>
-                            <a:rPr lang="en-US" sz="7200" i="1" smtClean="0">
-                              <a:solidFill>
-                                <a:schemeClr val="accent5"/>
-                              </a:solidFill>
-                              <a:latin typeface="Cambria Math" charset="0"/>
-                            </a:rPr>
-                            <m:t>𝜕</m:t>
-                          </m:r>
-                          <m:sSubSup>
-                            <m:sSubSupPr>
-                              <m:ctrlPr>
-                                <a:rPr lang="en-US" sz="7200" i="1">
-                                  <a:solidFill>
-                                    <a:schemeClr val="accent5"/>
-                                  </a:solidFill>
-                                  <a:latin typeface="Cambria Math" charset="0"/>
-                                </a:rPr>
-                              </m:ctrlPr>
-                            </m:sSubSupPr>
-                            <m:e>
-                              <m:r>
-                                <a:rPr lang="en-US" sz="7200" i="1">
-                                  <a:solidFill>
-                                    <a:schemeClr val="accent5"/>
-                                  </a:solidFill>
-                                  <a:latin typeface="Cambria Math" charset="0"/>
-                                </a:rPr>
-                                <m:t>𝑄</m:t>
-                              </m:r>
-                            </m:e>
-                            <m:sub>
-                              <m:r>
-                                <a:rPr lang="en-US" sz="7200" i="1">
-                                  <a:solidFill>
-                                    <a:schemeClr val="accent5"/>
-                                  </a:solidFill>
-                                  <a:latin typeface="Cambria Math" charset="0"/>
-                                </a:rPr>
-                                <m:t>𝑋</m:t>
-                              </m:r>
-                            </m:sub>
-                            <m:sup>
-                              <m:r>
-                                <a:rPr lang="en-US" sz="7200" i="1">
-                                  <a:solidFill>
-                                    <a:schemeClr val="accent5"/>
-                                  </a:solidFill>
-                                  <a:latin typeface="Cambria Math" charset="0"/>
-                                </a:rPr>
-                                <m:t>𝐷</m:t>
-                              </m:r>
-                            </m:sup>
-                          </m:sSubSup>
-                          <m:r>
-                            <a:rPr lang="en-US" sz="7200" i="1">
-                              <a:solidFill>
-                                <a:schemeClr val="tx1"/>
-                              </a:solidFill>
-                              <a:latin typeface="Cambria Math" charset="0"/>
-                            </a:rPr>
-                            <m:t>(</m:t>
-                          </m:r>
-                          <m:sSub>
-                            <m:sSubPr>
-                              <m:ctrlPr>
-                                <a:rPr lang="en-US" sz="7200" i="1">
-                                  <a:solidFill>
-                                    <a:schemeClr val="tx1"/>
-                                  </a:solidFill>
-                                  <a:latin typeface="Cambria Math" charset="0"/>
-                                </a:rPr>
-                              </m:ctrlPr>
-                            </m:sSubPr>
-                            <m:e>
-                              <m:r>
-                                <a:rPr lang="en-US" sz="7200" i="1">
-                                  <a:solidFill>
-                                    <a:schemeClr val="tx1"/>
-                                  </a:solidFill>
-                                  <a:latin typeface="Cambria Math" charset="0"/>
-                                </a:rPr>
-                                <m:t>𝑃</m:t>
-                              </m:r>
-                            </m:e>
-                            <m:sub>
-                              <m:r>
-                                <a:rPr lang="en-US" sz="7200" i="1">
-                                  <a:solidFill>
-                                    <a:schemeClr val="tx1"/>
-                                  </a:solidFill>
-                                  <a:latin typeface="Cambria Math" charset="0"/>
-                                </a:rPr>
-                                <m:t>𝑋</m:t>
-                              </m:r>
-                            </m:sub>
-                          </m:sSub>
-                          <m:r>
-                            <a:rPr lang="en-US" sz="7200" b="0" i="1" smtClean="0">
-                              <a:solidFill>
-                                <a:schemeClr val="tx1"/>
-                              </a:solidFill>
-                              <a:latin typeface="Cambria Math" charset="0"/>
-                            </a:rPr>
-                            <m:t>,</m:t>
-                          </m:r>
-                          <m:sSub>
-                            <m:sSubPr>
-                              <m:ctrlPr>
-                                <a:rPr lang="en-US" sz="7200" i="1" smtClean="0">
-                                  <a:solidFill>
-                                    <a:schemeClr val="bg1">
-                                      <a:lumMod val="50000"/>
-                                    </a:schemeClr>
-                                  </a:solidFill>
-                                  <a:latin typeface="Cambria Math" charset="0"/>
-                                </a:rPr>
-                              </m:ctrlPr>
-                            </m:sSubPr>
-                            <m:e>
-                              <m:r>
-                                <a:rPr lang="en-US" sz="7200" i="1">
-                                  <a:solidFill>
-                                    <a:schemeClr val="bg1">
-                                      <a:lumMod val="50000"/>
-                                    </a:schemeClr>
-                                  </a:solidFill>
-                                  <a:latin typeface="Cambria Math" charset="0"/>
-                                </a:rPr>
-                                <m:t>𝑃</m:t>
-                              </m:r>
-                            </m:e>
-                            <m:sub>
-                              <m:r>
-                                <a:rPr lang="en-US" sz="7200" i="1">
-                                  <a:solidFill>
-                                    <a:schemeClr val="bg1">
-                                      <a:lumMod val="50000"/>
-                                    </a:schemeClr>
-                                  </a:solidFill>
-                                  <a:latin typeface="Cambria Math" charset="0"/>
-                                </a:rPr>
-                                <m:t>𝑌</m:t>
-                              </m:r>
-                            </m:sub>
-                          </m:sSub>
-                          <m:r>
-                            <a:rPr lang="en-US" sz="7200" i="1">
-                              <a:solidFill>
-                                <a:schemeClr val="bg1">
-                                  <a:lumMod val="50000"/>
-                                </a:schemeClr>
-                              </a:solidFill>
-                              <a:latin typeface="Cambria Math" charset="0"/>
-                            </a:rPr>
-                            <m:t>,</m:t>
-                          </m:r>
-                          <m:r>
-                            <a:rPr lang="en-US" sz="7200" i="1">
-                              <a:solidFill>
-                                <a:schemeClr val="bg1">
-                                  <a:lumMod val="50000"/>
-                                </a:schemeClr>
-                              </a:solidFill>
-                              <a:latin typeface="Cambria Math" charset="0"/>
-                            </a:rPr>
-                            <m:t>𝐼</m:t>
-                          </m:r>
-                          <m:r>
-                            <a:rPr lang="en-US" sz="7200" i="1">
-                              <a:solidFill>
-                                <a:schemeClr val="bg1">
-                                  <a:lumMod val="50000"/>
-                                </a:schemeClr>
-                              </a:solidFill>
-                              <a:latin typeface="Cambria Math" charset="0"/>
-                            </a:rPr>
-                            <m:t>,…)</m:t>
-                          </m:r>
-                        </m:num>
-                        <m:den>
-                          <m:r>
-                            <a:rPr lang="en-US" sz="7200" i="1" smtClean="0">
-                              <a:solidFill>
-                                <a:schemeClr val="bg1">
-                                  <a:lumMod val="50000"/>
-                                </a:schemeClr>
-                              </a:solidFill>
-                              <a:latin typeface="Cambria Math" charset="0"/>
-                            </a:rPr>
-                            <m:t>𝜕</m:t>
-                          </m:r>
-                          <m:r>
-                            <a:rPr lang="en-US" sz="7200" b="0" i="1" smtClean="0">
-                              <a:solidFill>
-                                <a:schemeClr val="bg1">
-                                  <a:lumMod val="50000"/>
-                                </a:schemeClr>
-                              </a:solidFill>
-                              <a:latin typeface="Cambria Math" charset="0"/>
-                            </a:rPr>
-                            <m:t>𝐼</m:t>
-                          </m:r>
-                        </m:den>
-                      </m:f>
-                      <m:r>
-                        <a:rPr lang="en-US" sz="7200" b="0" i="1" smtClean="0">
-                          <a:solidFill>
-                            <a:schemeClr val="tx1"/>
-                          </a:solidFill>
-                          <a:latin typeface="Cambria Math" charset="0"/>
-                        </a:rPr>
-                        <m:t>&gt;0</m:t>
-                      </m:r>
-                    </m:oMath>
-                  </m:oMathPara>
-                </a14:m>
-                <a:endParaRPr lang="en-US" sz="7200" dirty="0"/>
-              </a:p>
-            </p:txBody>
-          </p:sp>
-        </mc:Choice>
-        <mc:Fallback xmlns="">
-          <p:sp>
-            <p:nvSpPr>
-              <p:cNvPr id="3" name="Content Placeholder 2"/>
-              <p:cNvSpPr>
-                <a:spLocks noGrp="1" noRot="1" noChangeAspect="1" noMove="1" noResize="1" noEditPoints="1" noAdjustHandles="1" noChangeArrowheads="1" noChangeShapeType="1" noTextEdit="1"/>
-              </p:cNvSpPr>
-              <p:nvPr>
-                <p:ph idx="1"/>
-              </p:nvPr>
-            </p:nvSpPr>
-            <p:spPr>
-              <a:blipFill rotWithShape="0">
-                <a:blip r:embed="rId2"/>
-                <a:stretch>
-                  <a:fillRect l="-1217" t="-2381"/>
-                </a:stretch>
-              </a:blipFill>
-            </p:spPr>
-            <p:txBody>
-              <a:bodyPr/>
-              <a:lstStyle/>
-              <a:p>
-                <a:r>
-                  <a:rPr lang="en-US">
-                    <a:noFill/>
-                  </a:rPr>
-                  <a:t> </a:t>
-                </a:r>
-              </a:p>
-            </p:txBody>
-          </p:sp>
-        </mc:Fallback>
-      </mc:AlternateContent>
+      <p:sp>
+        <p:nvSpPr>
+          <p:cNvPr id="3" name="Content Placeholder 2"/>
+          <p:cNvSpPr>
+            <a:spLocks noGrp="1"/>
+          </p:cNvSpPr>
+          <p:nvPr>
+            <p:ph idx="1"/>
+          </p:nvPr>
+        </p:nvSpPr>
+        <p:spPr/>
+        <p:txBody>
+          <a:bodyPr/>
+          <a:lstStyle/>
+          <a:p>
+            <a:endParaRPr lang="en-US"/>
+          </a:p>
+        </p:txBody>
+      </p:sp>
     </p:spTree>
     <p:extLst>
       <p:ext uri="{BB962C8B-B14F-4D97-AF65-F5344CB8AC3E}">
-        <p14:creationId xmlns:p14="http://schemas.microsoft.com/office/powerpoint/2010/main" val="320087468"/>
+        <p14:creationId xmlns:p14="http://schemas.microsoft.com/office/powerpoint/2010/main" val="451731628"/>
       </p:ext>
     </p:extLst>
   </p:cSld>
@@ -12386,231 +13946,9 @@
   <p:timing>
     <p:tnLst>
       <p:par>
-        <p:cTn id="1" dur="indefinite" restart="never" nodeType="tmRoot">
-          <p:childTnLst>
-            <p:seq concurrent="1" nextAc="seek">
-              <p:cTn id="2" dur="indefinite" nodeType="mainSeq">
-                <p:childTnLst>
-                  <p:par>
-                    <p:cTn id="3" fill="hold">
-                      <p:stCondLst>
-                        <p:cond delay="indefinite"/>
-                      </p:stCondLst>
-                      <p:childTnLst>
-                        <p:par>
-                          <p:cTn id="4" fill="hold">
-                            <p:stCondLst>
-                              <p:cond delay="0"/>
-                            </p:stCondLst>
-                            <p:childTnLst>
-                              <p:par>
-                                <p:cTn id="5" presetID="1" presetClass="entr" presetSubtype="0" fill="hold" grpId="0" nodeType="clickEffect">
-                                  <p:stCondLst>
-                                    <p:cond delay="0"/>
-                                  </p:stCondLst>
-                                  <p:childTnLst>
-                                    <p:set>
-                                      <p:cBhvr>
-                                        <p:cTn id="6" dur="1" fill="hold">
-                                          <p:stCondLst>
-                                            <p:cond delay="0"/>
-                                          </p:stCondLst>
-                                        </p:cTn>
-                                        <p:tgtEl>
-                                          <p:spTgt spid="3">
-                                            <p:txEl>
-                                              <p:pRg st="0" end="0"/>
-                                            </p:txEl>
-                                          </p:spTgt>
-                                        </p:tgtEl>
-                                        <p:attrNameLst>
-                                          <p:attrName>style.visibility</p:attrName>
-                                        </p:attrNameLst>
-                                      </p:cBhvr>
-                                      <p:to>
-                                        <p:strVal val="visible"/>
-                                      </p:to>
-                                    </p:set>
-                                  </p:childTnLst>
-                                </p:cTn>
-                              </p:par>
-                            </p:childTnLst>
-                          </p:cTn>
-                        </p:par>
-                      </p:childTnLst>
-                    </p:cTn>
-                  </p:par>
-                  <p:par>
-                    <p:cTn id="7" fill="hold">
-                      <p:stCondLst>
-                        <p:cond delay="indefinite"/>
-                      </p:stCondLst>
-                      <p:childTnLst>
-                        <p:par>
-                          <p:cTn id="8" fill="hold">
-                            <p:stCondLst>
-                              <p:cond delay="0"/>
-                            </p:stCondLst>
-                            <p:childTnLst>
-                              <p:par>
-                                <p:cTn id="9" presetID="1" presetClass="entr" presetSubtype="0" fill="hold" grpId="0" nodeType="clickEffect">
-                                  <p:stCondLst>
-                                    <p:cond delay="0"/>
-                                  </p:stCondLst>
-                                  <p:childTnLst>
-                                    <p:set>
-                                      <p:cBhvr>
-                                        <p:cTn id="10" dur="1" fill="hold">
-                                          <p:stCondLst>
-                                            <p:cond delay="0"/>
-                                          </p:stCondLst>
-                                        </p:cTn>
-                                        <p:tgtEl>
-                                          <p:spTgt spid="3">
-                                            <p:txEl>
-                                              <p:pRg st="1" end="1"/>
-                                            </p:txEl>
-                                          </p:spTgt>
-                                        </p:tgtEl>
-                                        <p:attrNameLst>
-                                          <p:attrName>style.visibility</p:attrName>
-                                        </p:attrNameLst>
-                                      </p:cBhvr>
-                                      <p:to>
-                                        <p:strVal val="visible"/>
-                                      </p:to>
-                                    </p:set>
-                                  </p:childTnLst>
-                                </p:cTn>
-                              </p:par>
-                            </p:childTnLst>
-                          </p:cTn>
-                        </p:par>
-                      </p:childTnLst>
-                    </p:cTn>
-                  </p:par>
-                  <p:par>
-                    <p:cTn id="11" fill="hold">
-                      <p:stCondLst>
-                        <p:cond delay="indefinite"/>
-                      </p:stCondLst>
-                      <p:childTnLst>
-                        <p:par>
-                          <p:cTn id="12" fill="hold">
-                            <p:stCondLst>
-                              <p:cond delay="0"/>
-                            </p:stCondLst>
-                            <p:childTnLst>
-                              <p:par>
-                                <p:cTn id="13" presetID="1" presetClass="entr" presetSubtype="0" fill="hold" grpId="0" nodeType="clickEffect">
-                                  <p:stCondLst>
-                                    <p:cond delay="0"/>
-                                  </p:stCondLst>
-                                  <p:childTnLst>
-                                    <p:set>
-                                      <p:cBhvr>
-                                        <p:cTn id="14" dur="1" fill="hold">
-                                          <p:stCondLst>
-                                            <p:cond delay="0"/>
-                                          </p:stCondLst>
-                                        </p:cTn>
-                                        <p:tgtEl>
-                                          <p:spTgt spid="3">
-                                            <p:txEl>
-                                              <p:pRg st="2" end="2"/>
-                                            </p:txEl>
-                                          </p:spTgt>
-                                        </p:tgtEl>
-                                        <p:attrNameLst>
-                                          <p:attrName>style.visibility</p:attrName>
-                                        </p:attrNameLst>
-                                      </p:cBhvr>
-                                      <p:to>
-                                        <p:strVal val="visible"/>
-                                      </p:to>
-                                    </p:set>
-                                  </p:childTnLst>
-                                </p:cTn>
-                              </p:par>
-                            </p:childTnLst>
-                          </p:cTn>
-                        </p:par>
-                      </p:childTnLst>
-                    </p:cTn>
-                  </p:par>
-                  <p:par>
-                    <p:cTn id="15" fill="hold">
-                      <p:stCondLst>
-                        <p:cond delay="indefinite"/>
-                      </p:stCondLst>
-                      <p:childTnLst>
-                        <p:par>
-                          <p:cTn id="16" fill="hold">
-                            <p:stCondLst>
-                              <p:cond delay="0"/>
-                            </p:stCondLst>
-                            <p:childTnLst>
-                              <p:par>
-                                <p:cTn id="17" presetID="1" presetClass="entr" presetSubtype="0" fill="hold" grpId="0" nodeType="clickEffect">
-                                  <p:stCondLst>
-                                    <p:cond delay="0"/>
-                                  </p:stCondLst>
-                                  <p:childTnLst>
-                                    <p:set>
-                                      <p:cBhvr>
-                                        <p:cTn id="18" dur="1" fill="hold">
-                                          <p:stCondLst>
-                                            <p:cond delay="0"/>
-                                          </p:stCondLst>
-                                        </p:cTn>
-                                        <p:tgtEl>
-                                          <p:spTgt spid="3">
-                                            <p:txEl>
-                                              <p:pRg st="4" end="4"/>
-                                            </p:txEl>
-                                          </p:spTgt>
-                                        </p:tgtEl>
-                                        <p:attrNameLst>
-                                          <p:attrName>style.visibility</p:attrName>
-                                        </p:attrNameLst>
-                                      </p:cBhvr>
-                                      <p:to>
-                                        <p:strVal val="visible"/>
-                                      </p:to>
-                                    </p:set>
-                                  </p:childTnLst>
-                                </p:cTn>
-                              </p:par>
-                            </p:childTnLst>
-                          </p:cTn>
-                        </p:par>
-                      </p:childTnLst>
-                    </p:cTn>
-                  </p:par>
-                </p:childTnLst>
-              </p:cTn>
-              <p:prevCondLst>
-                <p:cond evt="onPrev" delay="0">
-                  <p:tgtEl>
-                    <p:sldTgt/>
-                  </p:tgtEl>
-                </p:cond>
-              </p:prevCondLst>
-              <p:nextCondLst>
-                <p:cond evt="onNext" delay="0">
-                  <p:tgtEl>
-                    <p:sldTgt/>
-                  </p:tgtEl>
-                </p:cond>
-              </p:nextCondLst>
-            </p:seq>
-          </p:childTnLst>
-        </p:cTn>
+        <p:cTn id="1" dur="indefinite" restart="never" nodeType="tmRoot"/>
       </p:par>
     </p:tnLst>
-    <p:bldLst>
-      <p:bldP spid="3" grpId="0" build="p"/>
-    </p:bldLst>
   </p:timing>
 </p:sld>
 </file>
